--- a/Кошка.pptx
+++ b/Кошка.pptx
@@ -5,8 +5,11 @@
     <p:sldMasterId id="2147483667" r:id="rId1"/>
   </p:sldMasterIdLst>
   <p:notesMasterIdLst>
-    <p:notesMasterId r:id="rId11"/>
+    <p:notesMasterId r:id="rId10"/>
   </p:notesMasterIdLst>
+  <p:handoutMasterIdLst>
+    <p:handoutMasterId r:id="rId11"/>
+  </p:handoutMasterIdLst>
   <p:sldIdLst>
     <p:sldId id="256" r:id="rId2"/>
     <p:sldId id="258" r:id="rId3"/>
@@ -14,9 +17,8 @@
     <p:sldId id="285" r:id="rId5"/>
     <p:sldId id="260" r:id="rId6"/>
     <p:sldId id="284" r:id="rId7"/>
-    <p:sldId id="282" r:id="rId8"/>
-    <p:sldId id="283" r:id="rId9"/>
-    <p:sldId id="263" r:id="rId10"/>
+    <p:sldId id="283" r:id="rId8"/>
+    <p:sldId id="263" r:id="rId9"/>
   </p:sldIdLst>
   <p:sldSz cx="12192000" cy="6858000"/>
   <p:notesSz cx="6858000" cy="9144000"/>
@@ -297,6 +299,196 @@
 </p:presentation>
 </file>
 
+<file path=ppt/handoutMasters/handoutMaster1.xml><?xml version="1.0" encoding="utf-8"?>
+<p:handoutMaster xmlns:a="http://schemas.openxmlformats.org/drawingml/2006/main" xmlns:r="http://schemas.openxmlformats.org/officeDocument/2006/relationships" xmlns:p="http://schemas.openxmlformats.org/presentationml/2006/main">
+  <p:cSld>
+    <p:bg>
+      <p:bgRef idx="1001">
+        <a:schemeClr val="bg1"/>
+      </p:bgRef>
+    </p:bg>
+    <p:spTree>
+      <p:nvGrpSpPr>
+        <p:cNvPr id="1" name=""/>
+        <p:cNvGrpSpPr/>
+        <p:nvPr/>
+      </p:nvGrpSpPr>
+      <p:grpSpPr>
+        <a:xfrm>
+          <a:off x="0" y="0"/>
+          <a:ext cx="0" cy="0"/>
+          <a:chOff x="0" y="0"/>
+          <a:chExt cx="0" cy="0"/>
+        </a:xfrm>
+      </p:grpSpPr>
+      <p:sp>
+        <p:nvSpPr>
+          <p:cNvPr id="2" name="Верхний колонтитул 1">
+            <a:extLst>
+              <a:ext uri="{FF2B5EF4-FFF2-40B4-BE49-F238E27FC236}">
+                <a16:creationId xmlns:a16="http://schemas.microsoft.com/office/drawing/2014/main" id="{9C049993-3154-F8A3-EE45-F08E3EB8E105}"/>
+              </a:ext>
+            </a:extLst>
+          </p:cNvPr>
+          <p:cNvSpPr>
+            <a:spLocks noGrp="1"/>
+          </p:cNvSpPr>
+          <p:nvPr>
+            <p:ph type="hdr" sz="quarter"/>
+          </p:nvPr>
+        </p:nvSpPr>
+        <p:spPr>
+          <a:xfrm>
+            <a:off x="0" y="0"/>
+            <a:ext cx="2971800" cy="458788"/>
+          </a:xfrm>
+          <a:prstGeom prst="rect">
+            <a:avLst/>
+          </a:prstGeom>
+        </p:spPr>
+        <p:txBody>
+          <a:bodyPr vert="horz" lIns="91440" tIns="45720" rIns="91440" bIns="45720" rtlCol="0"/>
+          <a:lstStyle>
+            <a:lvl1pPr algn="l">
+              <a:defRPr sz="1200"/>
+            </a:lvl1pPr>
+          </a:lstStyle>
+          <a:p>
+            <a:endParaRPr lang="ru-RU"/>
+          </a:p>
+        </p:txBody>
+      </p:sp>
+      <p:sp>
+        <p:nvSpPr>
+          <p:cNvPr id="3" name="Дата 2">
+            <a:extLst>
+              <a:ext uri="{FF2B5EF4-FFF2-40B4-BE49-F238E27FC236}">
+                <a16:creationId xmlns:a16="http://schemas.microsoft.com/office/drawing/2014/main" id="{BA9E1F9E-80DE-43C1-3DDA-1FBC74881A7B}"/>
+              </a:ext>
+            </a:extLst>
+          </p:cNvPr>
+          <p:cNvSpPr>
+            <a:spLocks noGrp="1"/>
+          </p:cNvSpPr>
+          <p:nvPr>
+            <p:ph type="dt" sz="quarter" idx="1"/>
+          </p:nvPr>
+        </p:nvSpPr>
+        <p:spPr>
+          <a:xfrm>
+            <a:off x="3884613" y="0"/>
+            <a:ext cx="2971800" cy="458788"/>
+          </a:xfrm>
+          <a:prstGeom prst="rect">
+            <a:avLst/>
+          </a:prstGeom>
+        </p:spPr>
+        <p:txBody>
+          <a:bodyPr vert="horz" lIns="91440" tIns="45720" rIns="91440" bIns="45720" rtlCol="0"/>
+          <a:lstStyle>
+            <a:lvl1pPr algn="r">
+              <a:defRPr sz="1200"/>
+            </a:lvl1pPr>
+          </a:lstStyle>
+          <a:p>
+            <a:fld id="{0A013015-AD63-467E-9393-109CBB3DF4CC}" type="datetimeFigureOut">
+              <a:rPr lang="ru-RU" smtClean="0"/>
+              <a:t>27.12.2023</a:t>
+            </a:fld>
+            <a:endParaRPr lang="ru-RU"/>
+          </a:p>
+        </p:txBody>
+      </p:sp>
+      <p:sp>
+        <p:nvSpPr>
+          <p:cNvPr id="4" name="Нижний колонтитул 3">
+            <a:extLst>
+              <a:ext uri="{FF2B5EF4-FFF2-40B4-BE49-F238E27FC236}">
+                <a16:creationId xmlns:a16="http://schemas.microsoft.com/office/drawing/2014/main" id="{5264C9E2-7973-F053-4D30-F38F99BAA107}"/>
+              </a:ext>
+            </a:extLst>
+          </p:cNvPr>
+          <p:cNvSpPr>
+            <a:spLocks noGrp="1"/>
+          </p:cNvSpPr>
+          <p:nvPr>
+            <p:ph type="ftr" sz="quarter" idx="2"/>
+          </p:nvPr>
+        </p:nvSpPr>
+        <p:spPr>
+          <a:xfrm>
+            <a:off x="0" y="8685213"/>
+            <a:ext cx="2971800" cy="458787"/>
+          </a:xfrm>
+          <a:prstGeom prst="rect">
+            <a:avLst/>
+          </a:prstGeom>
+        </p:spPr>
+        <p:txBody>
+          <a:bodyPr vert="horz" lIns="91440" tIns="45720" rIns="91440" bIns="45720" rtlCol="0" anchor="b"/>
+          <a:lstStyle>
+            <a:lvl1pPr algn="l">
+              <a:defRPr sz="1200"/>
+            </a:lvl1pPr>
+          </a:lstStyle>
+          <a:p>
+            <a:endParaRPr lang="ru-RU"/>
+          </a:p>
+        </p:txBody>
+      </p:sp>
+      <p:sp>
+        <p:nvSpPr>
+          <p:cNvPr id="5" name="Номер слайда 4">
+            <a:extLst>
+              <a:ext uri="{FF2B5EF4-FFF2-40B4-BE49-F238E27FC236}">
+                <a16:creationId xmlns:a16="http://schemas.microsoft.com/office/drawing/2014/main" id="{F674D8B6-C1B8-94DF-1EDF-7160C496BDE8}"/>
+              </a:ext>
+            </a:extLst>
+          </p:cNvPr>
+          <p:cNvSpPr>
+            <a:spLocks noGrp="1"/>
+          </p:cNvSpPr>
+          <p:nvPr>
+            <p:ph type="sldNum" sz="quarter" idx="3"/>
+          </p:nvPr>
+        </p:nvSpPr>
+        <p:spPr>
+          <a:xfrm>
+            <a:off x="3884613" y="8685213"/>
+            <a:ext cx="2971800" cy="458787"/>
+          </a:xfrm>
+          <a:prstGeom prst="rect">
+            <a:avLst/>
+          </a:prstGeom>
+        </p:spPr>
+        <p:txBody>
+          <a:bodyPr vert="horz" lIns="91440" tIns="45720" rIns="91440" bIns="45720" rtlCol="0" anchor="b"/>
+          <a:lstStyle>
+            <a:lvl1pPr algn="r">
+              <a:defRPr sz="1200"/>
+            </a:lvl1pPr>
+          </a:lstStyle>
+          <a:p>
+            <a:fld id="{5719A658-7B9B-4DD8-9B1F-B9B4B04ABF7D}" type="slidenum">
+              <a:rPr lang="ru-RU" smtClean="0"/>
+              <a:t>‹#›</a:t>
+            </a:fld>
+            <a:endParaRPr lang="ru-RU"/>
+          </a:p>
+        </p:txBody>
+      </p:sp>
+    </p:spTree>
+    <p:extLst>
+      <p:ext uri="{BB962C8B-B14F-4D97-AF65-F5344CB8AC3E}">
+        <p14:creationId xmlns:p14="http://schemas.microsoft.com/office/powerpoint/2010/main" val="3896160888"/>
+      </p:ext>
+    </p:extLst>
+  </p:cSld>
+  <p:clrMap bg1="lt1" tx1="dk1" bg2="lt2" tx2="dk2" accent1="accent1" accent2="accent2" accent3="accent3" accent4="accent4" accent5="accent5" accent6="accent6" hlink="hlink" folHlink="folHlink"/>
+  <p:hf hdr="0" ftr="0" dt="0"/>
+</p:handoutMaster>
+</file>
+
 <file path=ppt/notesMasters/notesMaster1.xml><?xml version="1.0" encoding="utf-8"?>
 <p:notesMaster xmlns:a="http://schemas.openxmlformats.org/drawingml/2006/main" xmlns:r="http://schemas.openxmlformats.org/officeDocument/2006/relationships" xmlns:p="http://schemas.openxmlformats.org/presentationml/2006/main">
   <p:cSld>
@@ -506,6 +698,7 @@
     </p:spTree>
   </p:cSld>
   <p:clrMap bg1="lt1" tx1="dk1" bg2="dk2" tx2="lt2" accent1="accent1" accent2="accent2" accent3="accent3" accent4="accent4" accent5="accent5" accent6="accent6" hlink="hlink" folHlink="folHlink"/>
+  <p:hf hdr="0" ftr="0" dt="0"/>
   <p:notesStyle>
     <a:defPPr marR="0" lvl="0" algn="l" rtl="0">
       <a:lnSpc>
@@ -1471,7 +1664,7 @@
     </p:spTree>
     <p:extLst>
       <p:ext uri="{BB962C8B-B14F-4D97-AF65-F5344CB8AC3E}">
-        <p14:creationId xmlns:p14="http://schemas.microsoft.com/office/powerpoint/2010/main" val="3929909630"/>
+        <p14:creationId xmlns:p14="http://schemas.microsoft.com/office/powerpoint/2010/main" val="1240214464"/>
       </p:ext>
     </p:extLst>
   </p:cSld>
@@ -1482,115 +1675,6 @@
 </file>
 
 <file path=ppt/notesSlides/notesSlide8.xml><?xml version="1.0" encoding="utf-8"?>
-<p:notes xmlns:a="http://schemas.openxmlformats.org/drawingml/2006/main" xmlns:r="http://schemas.openxmlformats.org/officeDocument/2006/relationships" xmlns:p="http://schemas.openxmlformats.org/presentationml/2006/main" showMasterSp="0" showMasterPhAnim="0">
-  <p:cSld>
-    <p:spTree>
-      <p:nvGrpSpPr>
-        <p:cNvPr id="1" name="Shape 559"/>
-        <p:cNvGrpSpPr/>
-        <p:nvPr/>
-      </p:nvGrpSpPr>
-      <p:grpSpPr>
-        <a:xfrm>
-          <a:off x="0" y="0"/>
-          <a:ext cx="0" cy="0"/>
-          <a:chOff x="0" y="0"/>
-          <a:chExt cx="0" cy="0"/>
-        </a:xfrm>
-      </p:grpSpPr>
-      <p:sp>
-        <p:nvSpPr>
-          <p:cNvPr id="560" name="Google Shape;560;g1eb2014fdb4_1_44:notes"/>
-          <p:cNvSpPr>
-            <a:spLocks noGrp="1" noRot="1" noChangeAspect="1"/>
-          </p:cNvSpPr>
-          <p:nvPr>
-            <p:ph type="sldImg" idx="2"/>
-          </p:nvPr>
-        </p:nvSpPr>
-        <p:spPr>
-          <a:xfrm>
-            <a:off x="381000" y="685800"/>
-            <a:ext cx="6096000" cy="3429000"/>
-          </a:xfrm>
-          <a:custGeom>
-            <a:avLst/>
-            <a:gdLst/>
-            <a:ahLst/>
-            <a:cxnLst/>
-            <a:rect l="l" t="t" r="r" b="b"/>
-            <a:pathLst>
-              <a:path w="120000" h="120000" extrusionOk="0">
-                <a:moveTo>
-                  <a:pt x="0" y="0"/>
-                </a:moveTo>
-                <a:lnTo>
-                  <a:pt x="120000" y="0"/>
-                </a:lnTo>
-                <a:lnTo>
-                  <a:pt x="120000" y="120000"/>
-                </a:lnTo>
-                <a:lnTo>
-                  <a:pt x="0" y="120000"/>
-                </a:lnTo>
-                <a:close/>
-              </a:path>
-            </a:pathLst>
-          </a:custGeom>
-        </p:spPr>
-      </p:sp>
-      <p:sp>
-        <p:nvSpPr>
-          <p:cNvPr id="561" name="Google Shape;561;g1eb2014fdb4_1_44:notes"/>
-          <p:cNvSpPr txBox="1">
-            <a:spLocks noGrp="1"/>
-          </p:cNvSpPr>
-          <p:nvPr>
-            <p:ph type="body" idx="1"/>
-          </p:nvPr>
-        </p:nvSpPr>
-        <p:spPr>
-          <a:xfrm>
-            <a:off x="685800" y="4343400"/>
-            <a:ext cx="5486400" cy="4114800"/>
-          </a:xfrm>
-          <a:prstGeom prst="rect">
-            <a:avLst/>
-          </a:prstGeom>
-        </p:spPr>
-        <p:txBody>
-          <a:bodyPr spcFirstLastPara="1" wrap="square" lIns="91425" tIns="91425" rIns="91425" bIns="91425" anchor="t" anchorCtr="0">
-            <a:noAutofit/>
-          </a:bodyPr>
-          <a:lstStyle/>
-          <a:p>
-            <a:pPr marL="0" lvl="0" indent="0" algn="l" rtl="0">
-              <a:spcBef>
-                <a:spcPts val="0"/>
-              </a:spcBef>
-              <a:spcAft>
-                <a:spcPts val="0"/>
-              </a:spcAft>
-              <a:buNone/>
-            </a:pPr>
-            <a:endParaRPr/>
-          </a:p>
-        </p:txBody>
-      </p:sp>
-    </p:spTree>
-    <p:extLst>
-      <p:ext uri="{BB962C8B-B14F-4D97-AF65-F5344CB8AC3E}">
-        <p14:creationId xmlns:p14="http://schemas.microsoft.com/office/powerpoint/2010/main" val="1240214464"/>
-      </p:ext>
-    </p:extLst>
-  </p:cSld>
-  <p:clrMapOvr>
-    <a:masterClrMapping/>
-  </p:clrMapOvr>
-</p:notes>
-</file>
-
-<file path=ppt/notesSlides/notesSlide9.xml><?xml version="1.0" encoding="utf-8"?>
 <p:notes xmlns:a="http://schemas.openxmlformats.org/drawingml/2006/main" xmlns:r="http://schemas.openxmlformats.org/officeDocument/2006/relationships" xmlns:p="http://schemas.openxmlformats.org/presentationml/2006/main" showMasterSp="0" showMasterPhAnim="0">
   <p:cSld>
     <p:spTree>
@@ -23367,7 +23451,7 @@
     <p:sldLayoutId id="2147483661" r:id="rId5"/>
     <p:sldLayoutId id="2147483665" r:id="rId6"/>
   </p:sldLayoutIdLst>
-  <p:hf sldNum="0" hdr="0" ftr="0" dt="0"/>
+  <p:hf hdr="0" dt="0"/>
   <p:txStyles>
     <p:titleStyle>
       <a:defPPr marR="0" lvl="0" algn="l" rtl="0">
@@ -24185,6 +24269,178 @@
           </a:p>
         </p:txBody>
       </p:sp>
+      <p:sp>
+        <p:nvSpPr>
+          <p:cNvPr id="5" name="TextBox 4">
+            <a:extLst>
+              <a:ext uri="{FF2B5EF4-FFF2-40B4-BE49-F238E27FC236}">
+                <a16:creationId xmlns:a16="http://schemas.microsoft.com/office/drawing/2014/main" id="{5CD31B9E-632A-8F9C-203C-E785B4105E34}"/>
+              </a:ext>
+            </a:extLst>
+          </p:cNvPr>
+          <p:cNvSpPr txBox="1"/>
+          <p:nvPr/>
+        </p:nvSpPr>
+        <p:spPr>
+          <a:xfrm>
+            <a:off x="9987620" y="5267779"/>
+            <a:ext cx="1954060" cy="2246769"/>
+          </a:xfrm>
+          <a:prstGeom prst="rect">
+            <a:avLst/>
+          </a:prstGeom>
+          <a:noFill/>
+        </p:spPr>
+        <p:txBody>
+          <a:bodyPr wrap="square" rtlCol="0">
+            <a:spAutoFit/>
+          </a:bodyPr>
+          <a:lstStyle/>
+          <a:p>
+            <a:pPr>
+              <a:buClr>
+                <a:schemeClr val="dk2"/>
+              </a:buClr>
+              <a:buSzPts val="3700"/>
+            </a:pPr>
+            <a:r>
+              <a:rPr lang="ru-RU" dirty="0">
+                <a:solidFill>
+                  <a:schemeClr val="dk2"/>
+                </a:solidFill>
+                <a:latin typeface="Didact Gothic"/>
+                <a:sym typeface="Didact Gothic"/>
+              </a:rPr>
+              <a:t>Лаврентьева Д. Ю</a:t>
+            </a:r>
+          </a:p>
+          <a:p>
+            <a:pPr>
+              <a:buClr>
+                <a:schemeClr val="dk2"/>
+              </a:buClr>
+              <a:buSzPts val="3700"/>
+            </a:pPr>
+            <a:r>
+              <a:rPr lang="ru-RU" dirty="0" err="1">
+                <a:solidFill>
+                  <a:schemeClr val="dk2"/>
+                </a:solidFill>
+                <a:latin typeface="Didact Gothic"/>
+                <a:sym typeface="Didact Gothic"/>
+              </a:rPr>
+              <a:t>Штыхно</a:t>
+            </a:r>
+            <a:r>
+              <a:rPr lang="ru-RU" dirty="0">
+                <a:solidFill>
+                  <a:schemeClr val="dk2"/>
+                </a:solidFill>
+                <a:latin typeface="Didact Gothic"/>
+                <a:sym typeface="Didact Gothic"/>
+              </a:rPr>
+              <a:t> И. А</a:t>
+            </a:r>
+          </a:p>
+          <a:p>
+            <a:pPr>
+              <a:buClr>
+                <a:schemeClr val="dk2"/>
+              </a:buClr>
+              <a:buSzPts val="3700"/>
+            </a:pPr>
+            <a:r>
+              <a:rPr lang="ru-RU" dirty="0">
+                <a:solidFill>
+                  <a:schemeClr val="dk2"/>
+                </a:solidFill>
+                <a:latin typeface="Didact Gothic"/>
+                <a:sym typeface="Didact Gothic"/>
+              </a:rPr>
+              <a:t>Мазепа И. А</a:t>
+            </a:r>
+          </a:p>
+          <a:p>
+            <a:pPr>
+              <a:buClr>
+                <a:schemeClr val="dk2"/>
+              </a:buClr>
+              <a:buSzPts val="3700"/>
+            </a:pPr>
+            <a:r>
+              <a:rPr lang="ru-RU" dirty="0">
+                <a:solidFill>
+                  <a:schemeClr val="dk2"/>
+                </a:solidFill>
+                <a:latin typeface="Didact Gothic"/>
+                <a:sym typeface="Didact Gothic"/>
+              </a:rPr>
+              <a:t>Шароченкова С. М.</a:t>
+            </a:r>
+          </a:p>
+          <a:p>
+            <a:pPr>
+              <a:buClr>
+                <a:schemeClr val="dk2"/>
+              </a:buClr>
+              <a:buSzPts val="3700"/>
+            </a:pPr>
+            <a:endParaRPr lang="ru-RU" dirty="0">
+              <a:solidFill>
+                <a:schemeClr val="dk2"/>
+              </a:solidFill>
+              <a:latin typeface="Didact Gothic"/>
+              <a:sym typeface="Didact Gothic"/>
+            </a:endParaRPr>
+          </a:p>
+          <a:p>
+            <a:pPr>
+              <a:buClr>
+                <a:schemeClr val="dk2"/>
+              </a:buClr>
+              <a:buSzPts val="3700"/>
+            </a:pPr>
+            <a:r>
+              <a:rPr lang="ru-RU" dirty="0">
+                <a:solidFill>
+                  <a:schemeClr val="dk2"/>
+                </a:solidFill>
+                <a:latin typeface="Didact Gothic"/>
+                <a:sym typeface="Didact Gothic"/>
+              </a:rPr>
+              <a:t>М80-109Б-23</a:t>
+            </a:r>
+          </a:p>
+          <a:p>
+            <a:pPr>
+              <a:buSzPts val="852"/>
+            </a:pPr>
+            <a:endParaRPr lang="ru-RU" dirty="0"/>
+          </a:p>
+          <a:p>
+            <a:pPr>
+              <a:buSzPts val="852"/>
+            </a:pPr>
+            <a:endParaRPr lang="ru-RU" dirty="0"/>
+          </a:p>
+          <a:p>
+            <a:pPr marL="0" lvl="0" indent="0" algn="l" rtl="0">
+              <a:spcBef>
+                <a:spcPts val="0"/>
+              </a:spcBef>
+              <a:spcAft>
+                <a:spcPts val="0"/>
+              </a:spcAft>
+              <a:buSzPts val="852"/>
+              <a:buNone/>
+            </a:pPr>
+            <a:br>
+              <a:rPr lang="ru-RU" dirty="0"/>
+            </a:br>
+            <a:endParaRPr lang="ru-RU" dirty="0"/>
+          </a:p>
+        </p:txBody>
+      </p:sp>
     </p:spTree>
   </p:cSld>
   <p:clrMapOvr>
@@ -24290,7 +24546,7 @@
             </a:pPr>
             <a:r>
               <a:rPr lang="ru-RU" dirty="0"/>
-              <a:t>Лаврентьева Д. Ю</a:t>
+              <a:t>Лаврентьева Д.Ю.</a:t>
             </a:r>
             <a:endParaRPr dirty="0"/>
           </a:p>
@@ -24332,7 +24588,7 @@
             </a:pPr>
             <a:r>
               <a:rPr lang="ru-RU" sz="2400" dirty="0"/>
-              <a:t>лидер команды, физическая и математическая модель</a:t>
+              <a:t>Физическая и математическая модель</a:t>
             </a:r>
             <a:endParaRPr sz="2400" dirty="0"/>
           </a:p>
@@ -24379,7 +24635,7 @@
             </a:r>
             <a:r>
               <a:rPr lang="ru-RU" dirty="0"/>
-              <a:t> И. А</a:t>
+              <a:t> И.А.</a:t>
             </a:r>
             <a:endParaRPr dirty="0"/>
           </a:p>
@@ -24421,7 +24677,7 @@
             </a:pPr>
             <a:r>
               <a:rPr lang="ru-RU" sz="2400" dirty="0"/>
-              <a:t>физика, математическая модель</a:t>
+              <a:t>Физика, математическая модель</a:t>
             </a:r>
             <a:endParaRPr sz="2400" dirty="0"/>
           </a:p>
@@ -24464,7 +24720,7 @@
             </a:pPr>
             <a:r>
               <a:rPr lang="ru-RU" dirty="0"/>
-              <a:t>Мазепа И. А</a:t>
+              <a:t>Мазепа И.А.</a:t>
             </a:r>
             <a:endParaRPr dirty="0"/>
           </a:p>
@@ -24491,7 +24747,7 @@
         </p:spPr>
         <p:txBody>
           <a:bodyPr spcFirstLastPara="1" wrap="square" lIns="121900" tIns="121900" rIns="121900" bIns="121900" anchor="t" anchorCtr="0">
-            <a:normAutofit lnSpcReduction="10000"/>
+            <a:normAutofit fontScale="77500" lnSpcReduction="20000"/>
           </a:bodyPr>
           <a:lstStyle/>
           <a:p>
@@ -24506,11 +24762,23 @@
             </a:pPr>
             <a:r>
               <a:rPr lang="ru-RU" dirty="0"/>
+              <a:t>Лидер команды</a:t>
+            </a:r>
+            <a:r>
+              <a:rPr lang="en-US" dirty="0"/>
+              <a:t>, </a:t>
+            </a:r>
+            <a:r>
+              <a:rPr lang="ru-RU" dirty="0"/>
               <a:t>программирование, </a:t>
             </a:r>
             <a:r>
+              <a:rPr lang="en-US" dirty="0" err="1"/>
+              <a:t>Kerbal</a:t>
+            </a:r>
+            <a:r>
               <a:rPr lang="en-US" dirty="0"/>
-              <a:t>KSP</a:t>
+              <a:t> Space Program</a:t>
             </a:r>
             <a:endParaRPr dirty="0"/>
           </a:p>
@@ -24553,7 +24821,7 @@
             </a:pPr>
             <a:r>
               <a:rPr lang="ru-RU" dirty="0"/>
-              <a:t>Шароченкова С. М.</a:t>
+              <a:t>Шароченкова С.М.</a:t>
             </a:r>
             <a:endParaRPr dirty="0"/>
           </a:p>
@@ -24595,9 +24863,282 @@
             </a:pPr>
             <a:r>
               <a:rPr lang="ru-RU" dirty="0"/>
-              <a:t>презентация, отчёт</a:t>
+              <a:t>Презентация, отчёт</a:t>
             </a:r>
             <a:endParaRPr dirty="0"/>
+          </a:p>
+        </p:txBody>
+      </p:sp>
+      <p:sp>
+        <p:nvSpPr>
+          <p:cNvPr id="11" name="Номер слайда 1">
+            <a:extLst>
+              <a:ext uri="{FF2B5EF4-FFF2-40B4-BE49-F238E27FC236}">
+                <a16:creationId xmlns:a16="http://schemas.microsoft.com/office/drawing/2014/main" id="{5E28FB33-A6F0-4C99-91B5-A696E7886328}"/>
+              </a:ext>
+            </a:extLst>
+          </p:cNvPr>
+          <p:cNvSpPr txBox="1">
+            <a:spLocks/>
+          </p:cNvSpPr>
+          <p:nvPr/>
+        </p:nvSpPr>
+        <p:spPr>
+          <a:xfrm>
+            <a:off x="-319641" y="6498266"/>
+            <a:ext cx="639282" cy="530699"/>
+          </a:xfrm>
+          <a:prstGeom prst="rect">
+            <a:avLst/>
+          </a:prstGeom>
+        </p:spPr>
+        <p:txBody>
+          <a:bodyPr/>
+          <a:lstStyle>
+            <a:defPPr marR="0" lvl="0" algn="l" rtl="0">
+              <a:lnSpc>
+                <a:spcPct val="100000"/>
+              </a:lnSpc>
+              <a:spcBef>
+                <a:spcPts val="0"/>
+              </a:spcBef>
+              <a:spcAft>
+                <a:spcPts val="0"/>
+              </a:spcAft>
+            </a:defPPr>
+            <a:lvl1pPr marR="0" lvl="0" algn="l" rtl="0">
+              <a:lnSpc>
+                <a:spcPct val="100000"/>
+              </a:lnSpc>
+              <a:spcBef>
+                <a:spcPts val="0"/>
+              </a:spcBef>
+              <a:spcAft>
+                <a:spcPts val="0"/>
+              </a:spcAft>
+              <a:buClr>
+                <a:srgbClr val="000000"/>
+              </a:buClr>
+              <a:buFont typeface="Arial"/>
+              <a:defRPr sz="1400" b="0" i="0" u="none" strike="noStrike" cap="none">
+                <a:solidFill>
+                  <a:srgbClr val="000000"/>
+                </a:solidFill>
+                <a:latin typeface="Arial"/>
+                <a:ea typeface="Arial"/>
+                <a:cs typeface="Arial"/>
+                <a:sym typeface="Arial"/>
+              </a:defRPr>
+            </a:lvl1pPr>
+            <a:lvl2pPr marR="0" lvl="1" algn="l" rtl="0">
+              <a:lnSpc>
+                <a:spcPct val="100000"/>
+              </a:lnSpc>
+              <a:spcBef>
+                <a:spcPts val="0"/>
+              </a:spcBef>
+              <a:spcAft>
+                <a:spcPts val="0"/>
+              </a:spcAft>
+              <a:buClr>
+                <a:srgbClr val="000000"/>
+              </a:buClr>
+              <a:buFont typeface="Arial"/>
+              <a:defRPr sz="1400" b="0" i="0" u="none" strike="noStrike" cap="none">
+                <a:solidFill>
+                  <a:srgbClr val="000000"/>
+                </a:solidFill>
+                <a:latin typeface="Arial"/>
+                <a:ea typeface="Arial"/>
+                <a:cs typeface="Arial"/>
+                <a:sym typeface="Arial"/>
+              </a:defRPr>
+            </a:lvl2pPr>
+            <a:lvl3pPr marR="0" lvl="2" algn="l" rtl="0">
+              <a:lnSpc>
+                <a:spcPct val="100000"/>
+              </a:lnSpc>
+              <a:spcBef>
+                <a:spcPts val="0"/>
+              </a:spcBef>
+              <a:spcAft>
+                <a:spcPts val="0"/>
+              </a:spcAft>
+              <a:buClr>
+                <a:srgbClr val="000000"/>
+              </a:buClr>
+              <a:buFont typeface="Arial"/>
+              <a:defRPr sz="1400" b="0" i="0" u="none" strike="noStrike" cap="none">
+                <a:solidFill>
+                  <a:srgbClr val="000000"/>
+                </a:solidFill>
+                <a:latin typeface="Arial"/>
+                <a:ea typeface="Arial"/>
+                <a:cs typeface="Arial"/>
+                <a:sym typeface="Arial"/>
+              </a:defRPr>
+            </a:lvl3pPr>
+            <a:lvl4pPr marR="0" lvl="3" algn="l" rtl="0">
+              <a:lnSpc>
+                <a:spcPct val="100000"/>
+              </a:lnSpc>
+              <a:spcBef>
+                <a:spcPts val="0"/>
+              </a:spcBef>
+              <a:spcAft>
+                <a:spcPts val="0"/>
+              </a:spcAft>
+              <a:buClr>
+                <a:srgbClr val="000000"/>
+              </a:buClr>
+              <a:buFont typeface="Arial"/>
+              <a:defRPr sz="1400" b="0" i="0" u="none" strike="noStrike" cap="none">
+                <a:solidFill>
+                  <a:srgbClr val="000000"/>
+                </a:solidFill>
+                <a:latin typeface="Arial"/>
+                <a:ea typeface="Arial"/>
+                <a:cs typeface="Arial"/>
+                <a:sym typeface="Arial"/>
+              </a:defRPr>
+            </a:lvl4pPr>
+            <a:lvl5pPr marR="0" lvl="4" algn="l" rtl="0">
+              <a:lnSpc>
+                <a:spcPct val="100000"/>
+              </a:lnSpc>
+              <a:spcBef>
+                <a:spcPts val="0"/>
+              </a:spcBef>
+              <a:spcAft>
+                <a:spcPts val="0"/>
+              </a:spcAft>
+              <a:buClr>
+                <a:srgbClr val="000000"/>
+              </a:buClr>
+              <a:buFont typeface="Arial"/>
+              <a:defRPr sz="1400" b="0" i="0" u="none" strike="noStrike" cap="none">
+                <a:solidFill>
+                  <a:srgbClr val="000000"/>
+                </a:solidFill>
+                <a:latin typeface="Arial"/>
+                <a:ea typeface="Arial"/>
+                <a:cs typeface="Arial"/>
+                <a:sym typeface="Arial"/>
+              </a:defRPr>
+            </a:lvl5pPr>
+            <a:lvl6pPr marR="0" lvl="5" algn="l" rtl="0">
+              <a:lnSpc>
+                <a:spcPct val="100000"/>
+              </a:lnSpc>
+              <a:spcBef>
+                <a:spcPts val="0"/>
+              </a:spcBef>
+              <a:spcAft>
+                <a:spcPts val="0"/>
+              </a:spcAft>
+              <a:buClr>
+                <a:srgbClr val="000000"/>
+              </a:buClr>
+              <a:buFont typeface="Arial"/>
+              <a:defRPr sz="1400" b="0" i="0" u="none" strike="noStrike" cap="none">
+                <a:solidFill>
+                  <a:srgbClr val="000000"/>
+                </a:solidFill>
+                <a:latin typeface="Arial"/>
+                <a:ea typeface="Arial"/>
+                <a:cs typeface="Arial"/>
+                <a:sym typeface="Arial"/>
+              </a:defRPr>
+            </a:lvl6pPr>
+            <a:lvl7pPr marR="0" lvl="6" algn="l" rtl="0">
+              <a:lnSpc>
+                <a:spcPct val="100000"/>
+              </a:lnSpc>
+              <a:spcBef>
+                <a:spcPts val="0"/>
+              </a:spcBef>
+              <a:spcAft>
+                <a:spcPts val="0"/>
+              </a:spcAft>
+              <a:buClr>
+                <a:srgbClr val="000000"/>
+              </a:buClr>
+              <a:buFont typeface="Arial"/>
+              <a:defRPr sz="1400" b="0" i="0" u="none" strike="noStrike" cap="none">
+                <a:solidFill>
+                  <a:srgbClr val="000000"/>
+                </a:solidFill>
+                <a:latin typeface="Arial"/>
+                <a:ea typeface="Arial"/>
+                <a:cs typeface="Arial"/>
+                <a:sym typeface="Arial"/>
+              </a:defRPr>
+            </a:lvl7pPr>
+            <a:lvl8pPr marR="0" lvl="7" algn="l" rtl="0">
+              <a:lnSpc>
+                <a:spcPct val="100000"/>
+              </a:lnSpc>
+              <a:spcBef>
+                <a:spcPts val="0"/>
+              </a:spcBef>
+              <a:spcAft>
+                <a:spcPts val="0"/>
+              </a:spcAft>
+              <a:buClr>
+                <a:srgbClr val="000000"/>
+              </a:buClr>
+              <a:buFont typeface="Arial"/>
+              <a:defRPr sz="1400" b="0" i="0" u="none" strike="noStrike" cap="none">
+                <a:solidFill>
+                  <a:srgbClr val="000000"/>
+                </a:solidFill>
+                <a:latin typeface="Arial"/>
+                <a:ea typeface="Arial"/>
+                <a:cs typeface="Arial"/>
+                <a:sym typeface="Arial"/>
+              </a:defRPr>
+            </a:lvl8pPr>
+            <a:lvl9pPr marR="0" lvl="8" algn="l" rtl="0">
+              <a:lnSpc>
+                <a:spcPct val="100000"/>
+              </a:lnSpc>
+              <a:spcBef>
+                <a:spcPts val="0"/>
+              </a:spcBef>
+              <a:spcAft>
+                <a:spcPts val="0"/>
+              </a:spcAft>
+              <a:buClr>
+                <a:srgbClr val="000000"/>
+              </a:buClr>
+              <a:buFont typeface="Arial"/>
+              <a:defRPr sz="1400" b="0" i="0" u="none" strike="noStrike" cap="none">
+                <a:solidFill>
+                  <a:srgbClr val="000000"/>
+                </a:solidFill>
+                <a:latin typeface="Arial"/>
+                <a:ea typeface="Arial"/>
+                <a:cs typeface="Arial"/>
+                <a:sym typeface="Arial"/>
+              </a:defRPr>
+            </a:lvl9pPr>
+          </a:lstStyle>
+          <a:p>
+            <a:pPr algn="r"/>
+            <a:fld id="{00000000-1234-1234-1234-123412341234}" type="slidenum">
+              <a:rPr lang="en" smtClean="0">
+                <a:solidFill>
+                  <a:schemeClr val="bg2"/>
+                </a:solidFill>
+              </a:rPr>
+              <a:pPr algn="r"/>
+              <a:t>2</a:t>
+            </a:fld>
+            <a:endParaRPr lang="en" dirty="0">
+              <a:solidFill>
+                <a:schemeClr val="bg2"/>
+              </a:solidFill>
+            </a:endParaRPr>
           </a:p>
         </p:txBody>
       </p:sp>
@@ -24638,7 +25179,7 @@
         </p:nvSpPr>
         <p:spPr>
           <a:xfrm>
-            <a:off x="2369199" y="351161"/>
+            <a:off x="2285700" y="1116806"/>
             <a:ext cx="7620600" cy="1007700"/>
           </a:xfrm>
           <a:prstGeom prst="rect">
@@ -24647,7 +25188,7 @@
         </p:spPr>
         <p:txBody>
           <a:bodyPr spcFirstLastPara="1" wrap="square" lIns="121900" tIns="121900" rIns="121900" bIns="121900" anchor="b" anchorCtr="0">
-            <a:normAutofit fontScale="90000"/>
+            <a:normAutofit/>
           </a:bodyPr>
           <a:lstStyle/>
           <a:p>
@@ -24661,10 +25202,14 @@
               <a:buNone/>
             </a:pPr>
             <a:r>
-              <a:rPr lang="ru-RU" dirty="0"/>
+              <a:rPr lang="ru-RU" sz="3600" dirty="0">
+                <a:latin typeface="+mj-lt"/>
+              </a:rPr>
               <a:t>Задачи миссии</a:t>
             </a:r>
-            <a:endParaRPr dirty="0"/>
+            <a:endParaRPr sz="3600" dirty="0">
+              <a:latin typeface="+mj-lt"/>
+            </a:endParaRPr>
           </a:p>
         </p:txBody>
       </p:sp>
@@ -24680,8 +25225,8 @@
         </p:nvSpPr>
         <p:spPr>
           <a:xfrm>
-            <a:off x="2369199" y="1155800"/>
-            <a:ext cx="7953895" cy="3132600"/>
+            <a:off x="1866849" y="1862699"/>
+            <a:ext cx="7953895" cy="4089113"/>
           </a:xfrm>
           <a:prstGeom prst="rect">
             <a:avLst/>
@@ -24769,6 +25314,129 @@
           </a:p>
         </p:txBody>
       </p:sp>
+      <p:sp>
+        <p:nvSpPr>
+          <p:cNvPr id="2" name="Номер слайда 1">
+            <a:extLst>
+              <a:ext uri="{FF2B5EF4-FFF2-40B4-BE49-F238E27FC236}">
+                <a16:creationId xmlns:a16="http://schemas.microsoft.com/office/drawing/2014/main" id="{A96C0C72-DF2E-9884-BDF5-B677DC16BD17}"/>
+              </a:ext>
+            </a:extLst>
+          </p:cNvPr>
+          <p:cNvSpPr>
+            <a:spLocks noGrp="1"/>
+          </p:cNvSpPr>
+          <p:nvPr>
+            <p:ph type="sldNum" idx="12"/>
+          </p:nvPr>
+        </p:nvSpPr>
+        <p:spPr>
+          <a:xfrm>
+            <a:off x="-365850" y="6391041"/>
+            <a:ext cx="731700" cy="524700"/>
+          </a:xfrm>
+        </p:spPr>
+        <p:txBody>
+          <a:bodyPr/>
+          <a:lstStyle/>
+          <a:p>
+            <a:pPr marL="0" lvl="0" indent="0" algn="r" rtl="0">
+              <a:spcBef>
+                <a:spcPts val="0"/>
+              </a:spcBef>
+              <a:spcAft>
+                <a:spcPts val="0"/>
+              </a:spcAft>
+              <a:buNone/>
+            </a:pPr>
+            <a:fld id="{00000000-1234-1234-1234-123412341234}" type="slidenum">
+              <a:rPr lang="en" smtClean="0"/>
+              <a:t>3</a:t>
+            </a:fld>
+            <a:endParaRPr lang="en" dirty="0"/>
+          </a:p>
+        </p:txBody>
+      </p:sp>
+      <p:sp>
+        <p:nvSpPr>
+          <p:cNvPr id="4" name="TextBox 3">
+            <a:extLst>
+              <a:ext uri="{FF2B5EF4-FFF2-40B4-BE49-F238E27FC236}">
+                <a16:creationId xmlns:a16="http://schemas.microsoft.com/office/drawing/2014/main" id="{3F21D2CE-4694-AD44-0F98-DCC6F8731165}"/>
+              </a:ext>
+            </a:extLst>
+          </p:cNvPr>
+          <p:cNvSpPr txBox="1"/>
+          <p:nvPr/>
+        </p:nvSpPr>
+        <p:spPr>
+          <a:xfrm>
+            <a:off x="1866849" y="424333"/>
+            <a:ext cx="6436602" cy="1065420"/>
+          </a:xfrm>
+          <a:prstGeom prst="rect">
+            <a:avLst/>
+          </a:prstGeom>
+          <a:noFill/>
+        </p:spPr>
+        <p:txBody>
+          <a:bodyPr wrap="square">
+            <a:spAutoFit/>
+          </a:bodyPr>
+          <a:lstStyle/>
+          <a:p>
+            <a:pPr>
+              <a:buClr>
+                <a:schemeClr val="dk1"/>
+              </a:buClr>
+              <a:buSzPts val="3200"/>
+            </a:pPr>
+            <a:r>
+              <a:rPr lang="ru-RU" sz="3600" dirty="0">
+                <a:solidFill>
+                  <a:schemeClr val="dk1"/>
+                </a:solidFill>
+                <a:sym typeface="DM Sans Black"/>
+              </a:rPr>
+              <a:t>   </a:t>
+            </a:r>
+            <a:r>
+              <a:rPr lang="ru-RU" sz="3600" dirty="0">
+                <a:solidFill>
+                  <a:schemeClr val="dk1"/>
+                </a:solidFill>
+                <a:latin typeface="Arial" panose="020B0604020202020204" pitchFamily="34" charset="0"/>
+                <a:cs typeface="Arial" panose="020B0604020202020204" pitchFamily="34" charset="0"/>
+                <a:sym typeface="DM Sans Black"/>
+              </a:rPr>
+              <a:t>Цель миссии</a:t>
+            </a:r>
+          </a:p>
+          <a:p>
+            <a:pPr marL="457200" indent="-387350">
+              <a:lnSpc>
+                <a:spcPct val="200000"/>
+              </a:lnSpc>
+              <a:buClr>
+                <a:schemeClr val="dk2"/>
+              </a:buClr>
+              <a:buSzPts val="2500"/>
+              <a:buFont typeface="Didact Gothic"/>
+              <a:buChar char="●"/>
+            </a:pPr>
+            <a:r>
+              <a:rPr lang="ru-RU" sz="1600" dirty="0">
+                <a:solidFill>
+                  <a:schemeClr val="dk2"/>
+                </a:solidFill>
+                <a:latin typeface="Didact Gothic"/>
+                <a:sym typeface="Didact Gothic"/>
+              </a:rPr>
+              <a:t>Смоделировать полёт ракеты-носителя по орбите Земли</a:t>
+            </a:r>
+          </a:p>
+        </p:txBody>
+      </p:sp>
     </p:spTree>
   </p:cSld>
   <p:clrMapOvr>
@@ -24951,6 +25619,49 @@
           </a:ln>
         </p:spPr>
       </p:pic>
+      <p:sp>
+        <p:nvSpPr>
+          <p:cNvPr id="3" name="Номер слайда 2">
+            <a:extLst>
+              <a:ext uri="{FF2B5EF4-FFF2-40B4-BE49-F238E27FC236}">
+                <a16:creationId xmlns:a16="http://schemas.microsoft.com/office/drawing/2014/main" id="{09085346-E4A0-D1C8-88C9-6B0AD004FF30}"/>
+              </a:ext>
+            </a:extLst>
+          </p:cNvPr>
+          <p:cNvSpPr>
+            <a:spLocks noGrp="1"/>
+          </p:cNvSpPr>
+          <p:nvPr>
+            <p:ph type="sldNum" idx="12"/>
+          </p:nvPr>
+        </p:nvSpPr>
+        <p:spPr>
+          <a:xfrm>
+            <a:off x="-365850" y="6398312"/>
+            <a:ext cx="731700" cy="524700"/>
+          </a:xfrm>
+        </p:spPr>
+        <p:txBody>
+          <a:bodyPr/>
+          <a:lstStyle/>
+          <a:p>
+            <a:pPr marL="0" lvl="0" indent="0" algn="r" rtl="0">
+              <a:spcBef>
+                <a:spcPts val="0"/>
+              </a:spcBef>
+              <a:spcAft>
+                <a:spcPts val="0"/>
+              </a:spcAft>
+              <a:buNone/>
+            </a:pPr>
+            <a:fld id="{00000000-1234-1234-1234-123412341234}" type="slidenum">
+              <a:rPr lang="en" smtClean="0"/>
+              <a:t>4</a:t>
+            </a:fld>
+            <a:endParaRPr lang="en"/>
+          </a:p>
+        </p:txBody>
+      </p:sp>
     </p:spTree>
     <p:extLst>
       <p:ext uri="{BB962C8B-B14F-4D97-AF65-F5344CB8AC3E}">
@@ -25119,7 +25830,7 @@
         </p:blipFill>
         <p:spPr>
           <a:xfrm>
-            <a:off x="6959645" y="3597183"/>
+            <a:off x="6959645" y="3624560"/>
             <a:ext cx="5232355" cy="3268752"/>
           </a:xfrm>
           <a:prstGeom prst="rect">
@@ -25156,6 +25867,59 @@
           </a:prstGeom>
         </p:spPr>
       </p:pic>
+      <p:sp>
+        <p:nvSpPr>
+          <p:cNvPr id="2" name="Номер слайда 1">
+            <a:extLst>
+              <a:ext uri="{FF2B5EF4-FFF2-40B4-BE49-F238E27FC236}">
+                <a16:creationId xmlns:a16="http://schemas.microsoft.com/office/drawing/2014/main" id="{6A147EEF-68B3-DC05-9515-F0FCAAE70E10}"/>
+              </a:ext>
+            </a:extLst>
+          </p:cNvPr>
+          <p:cNvSpPr>
+            <a:spLocks noGrp="1"/>
+          </p:cNvSpPr>
+          <p:nvPr>
+            <p:ph type="sldNum" idx="12"/>
+          </p:nvPr>
+        </p:nvSpPr>
+        <p:spPr>
+          <a:xfrm>
+            <a:off x="-365850" y="6333300"/>
+            <a:ext cx="731700" cy="524700"/>
+          </a:xfrm>
+        </p:spPr>
+        <p:txBody>
+          <a:bodyPr>
+            <a:normAutofit/>
+          </a:bodyPr>
+          <a:lstStyle/>
+          <a:p>
+            <a:pPr marL="0" lvl="0" indent="0" algn="r" rtl="0">
+              <a:spcBef>
+                <a:spcPts val="0"/>
+              </a:spcBef>
+              <a:spcAft>
+                <a:spcPts val="0"/>
+              </a:spcAft>
+              <a:buNone/>
+            </a:pPr>
+            <a:r>
+              <a:rPr lang="ru-RU" dirty="0">
+                <a:solidFill>
+                  <a:schemeClr val="bg2"/>
+                </a:solidFill>
+              </a:rPr>
+              <a:t>5</a:t>
+            </a:r>
+            <a:endParaRPr lang="en" dirty="0">
+              <a:solidFill>
+                <a:schemeClr val="bg2"/>
+              </a:solidFill>
+            </a:endParaRPr>
+          </a:p>
+        </p:txBody>
+      </p:sp>
     </p:spTree>
   </p:cSld>
   <p:clrMapOvr>
@@ -25259,96 +26023,1273 @@
           </a:p>
         </p:txBody>
       </p:sp>
-      <mc:AlternateContent xmlns:mc="http://schemas.openxmlformats.org/markup-compatibility/2006" xmlns:a14="http://schemas.microsoft.com/office/drawing/2010/main">
-        <mc:Choice Requires="a14">
+      <p:sp>
+        <p:nvSpPr>
+          <p:cNvPr id="2" name="Номер слайда 1">
+            <a:extLst>
+              <a:ext uri="{FF2B5EF4-FFF2-40B4-BE49-F238E27FC236}">
+                <a16:creationId xmlns:a16="http://schemas.microsoft.com/office/drawing/2014/main" id="{55D5967A-071A-6F1B-3BB0-95C1E76E847A}"/>
+              </a:ext>
+            </a:extLst>
+          </p:cNvPr>
+          <p:cNvSpPr>
+            <a:spLocks noGrp="1"/>
+          </p:cNvSpPr>
+          <p:nvPr>
+            <p:ph type="sldNum" idx="12"/>
+          </p:nvPr>
+        </p:nvSpPr>
+        <p:spPr>
+          <a:xfrm>
+            <a:off x="-438509" y="6439273"/>
+            <a:ext cx="731700" cy="524700"/>
+          </a:xfrm>
+        </p:spPr>
+        <p:txBody>
+          <a:bodyPr/>
+          <a:lstStyle/>
+          <a:p>
+            <a:pPr marL="0" lvl="0" indent="0" algn="r" rtl="0">
+              <a:spcBef>
+                <a:spcPts val="0"/>
+              </a:spcBef>
+              <a:spcAft>
+                <a:spcPts val="0"/>
+              </a:spcAft>
+              <a:buNone/>
+            </a:pPr>
+            <a:fld id="{00000000-1234-1234-1234-123412341234}" type="slidenum">
+              <a:rPr lang="en" smtClean="0"/>
+              <a:t>6</a:t>
+            </a:fld>
+            <a:endParaRPr lang="en" dirty="0"/>
+          </a:p>
+        </p:txBody>
+      </p:sp>
+      <mc:AlternateContent xmlns:mc="http://schemas.openxmlformats.org/markup-compatibility/2006">
+        <mc:Choice xmlns:a14="http://schemas.microsoft.com/office/drawing/2010/main" Requires="a14">
           <p:sp>
             <p:nvSpPr>
-              <p:cNvPr id="565" name="Google Shape;565;p25"/>
-              <p:cNvSpPr txBox="1">
-                <a:spLocks noGrp="1"/>
-              </p:cNvSpPr>
-              <p:nvPr>
-                <p:ph type="body" idx="1"/>
-              </p:nvPr>
+              <p:cNvPr id="5" name="Прямоугольник 4">
+                <a:extLst>
+                  <a:ext uri="{FF2B5EF4-FFF2-40B4-BE49-F238E27FC236}">
+                    <a16:creationId xmlns:a16="http://schemas.microsoft.com/office/drawing/2014/main" id="{CD9C0A83-EFE1-44E3-83BE-2330BF794F24}"/>
+                  </a:ext>
+                </a:extLst>
+              </p:cNvPr>
+              <p:cNvSpPr/>
+              <p:nvPr/>
             </p:nvSpPr>
             <p:spPr>
               <a:xfrm>
-                <a:off x="0" y="1374733"/>
-                <a:ext cx="7767176" cy="4909781"/>
+                <a:off x="632052" y="3875951"/>
+                <a:ext cx="6387473" cy="2593595"/>
               </a:xfrm>
               <a:prstGeom prst="rect">
                 <a:avLst/>
               </a:prstGeom>
             </p:spPr>
+            <p:style>
+              <a:lnRef idx="2">
+                <a:schemeClr val="dk1"/>
+              </a:lnRef>
+              <a:fillRef idx="1">
+                <a:schemeClr val="lt1"/>
+              </a:fillRef>
+              <a:effectRef idx="0">
+                <a:schemeClr val="dk1"/>
+              </a:effectRef>
+              <a:fontRef idx="minor">
+                <a:schemeClr val="dk1"/>
+              </a:fontRef>
+            </p:style>
             <p:txBody>
-              <a:bodyPr spcFirstLastPara="1" wrap="square" lIns="121900" tIns="121900" rIns="121900" bIns="121900" anchor="t" anchorCtr="0">
-                <a:normAutofit fontScale="25000" lnSpcReduction="20000"/>
+              <a:bodyPr wrap="square">
+                <a:spAutoFit/>
               </a:bodyPr>
               <a:lstStyle/>
               <a:p>
-                <a:pPr marL="0" lvl="0" indent="0">
-                  <a:lnSpc>
-                    <a:spcPct val="120000"/>
-                  </a:lnSpc>
-                  <a:spcBef>
-                    <a:spcPts val="1200"/>
-                  </a:spcBef>
-                  <a:spcAft>
-                    <a:spcPts val="1200"/>
-                  </a:spcAft>
-                  <a:buNone/>
-                </a:pPr>
+                <a14:m>
+                  <m:oMathPara xmlns:m="http://schemas.openxmlformats.org/officeDocument/2006/math">
+                    <m:oMathParaPr>
+                      <m:jc m:val="centerGroup"/>
+                    </m:oMathParaPr>
+                    <m:oMath xmlns:m="http://schemas.openxmlformats.org/officeDocument/2006/math">
+                      <m:d>
+                        <m:dPr>
+                          <m:begChr m:val="{"/>
+                          <m:endChr m:val=""/>
+                          <m:ctrlPr>
+                            <a:rPr lang="en-US" sz="2000">
+                              <a:ln w="0"/>
+                              <a:solidFill>
+                                <a:schemeClr val="tx1"/>
+                              </a:solidFill>
+                              <a:effectLst>
+                                <a:outerShdw blurRad="38100" dist="19050" dir="2700000" algn="tl" rotWithShape="0">
+                                  <a:schemeClr val="dk1">
+                                    <a:alpha val="40000"/>
+                                  </a:schemeClr>
+                                </a:outerShdw>
+                              </a:effectLst>
+                              <a:latin typeface="Cambria Math" panose="02040503050406030204" pitchFamily="18" charset="0"/>
+                            </a:rPr>
+                          </m:ctrlPr>
+                        </m:dPr>
+                        <m:e>
+                          <m:eqArr>
+                            <m:eqArrPr>
+                              <m:ctrlPr>
+                                <a:rPr lang="en-US" sz="2000">
+                                  <a:ln w="0"/>
+                                  <a:solidFill>
+                                    <a:schemeClr val="tx1"/>
+                                  </a:solidFill>
+                                  <a:effectLst>
+                                    <a:outerShdw blurRad="38100" dist="19050" dir="2700000" algn="tl" rotWithShape="0">
+                                      <a:schemeClr val="dk1">
+                                        <a:alpha val="40000"/>
+                                      </a:schemeClr>
+                                    </a:outerShdw>
+                                  </a:effectLst>
+                                  <a:latin typeface="Cambria Math" panose="02040503050406030204" pitchFamily="18" charset="0"/>
+                                </a:rPr>
+                              </m:ctrlPr>
+                            </m:eqArrPr>
+                            <m:e>
+                              <m:r>
+                                <a:rPr lang="en-US" sz="2000">
+                                  <a:ln w="0"/>
+                                  <a:solidFill>
+                                    <a:schemeClr val="tx1"/>
+                                  </a:solidFill>
+                                  <a:effectLst>
+                                    <a:outerShdw blurRad="38100" dist="19050" dir="2700000" algn="tl" rotWithShape="0">
+                                      <a:schemeClr val="dk1">
+                                        <a:alpha val="40000"/>
+                                      </a:schemeClr>
+                                    </a:outerShdw>
+                                  </a:effectLst>
+                                  <a:latin typeface="Cambria Math" panose="02040503050406030204" pitchFamily="18" charset="0"/>
+                                </a:rPr>
+                                <m:t>&amp;</m:t>
+                              </m:r>
+                              <m:r>
+                                <a:rPr lang="en-US" sz="2000" i="1">
+                                  <a:ln w="0"/>
+                                  <a:solidFill>
+                                    <a:schemeClr val="tx1"/>
+                                  </a:solidFill>
+                                  <a:effectLst>
+                                    <a:outerShdw blurRad="38100" dist="19050" dir="2700000" algn="tl" rotWithShape="0">
+                                      <a:schemeClr val="dk1">
+                                        <a:alpha val="40000"/>
+                                      </a:schemeClr>
+                                    </a:outerShdw>
+                                  </a:effectLst>
+                                  <a:latin typeface="Cambria Math" panose="02040503050406030204" pitchFamily="18" charset="0"/>
+                                </a:rPr>
+                                <m:t>𝑡</m:t>
+                              </m:r>
+                              <m:r>
+                                <a:rPr lang="en-US" sz="2000">
+                                  <a:ln w="0"/>
+                                  <a:solidFill>
+                                    <a:schemeClr val="tx1"/>
+                                  </a:solidFill>
+                                  <a:effectLst>
+                                    <a:outerShdw blurRad="38100" dist="19050" dir="2700000" algn="tl" rotWithShape="0">
+                                      <a:schemeClr val="dk1">
+                                        <a:alpha val="40000"/>
+                                      </a:schemeClr>
+                                    </a:outerShdw>
+                                  </a:effectLst>
+                                  <a:latin typeface="Cambria Math" panose="02040503050406030204" pitchFamily="18" charset="0"/>
+                                </a:rPr>
+                                <m:t>=0:</m:t>
+                              </m:r>
+                              <m:r>
+                                <a:rPr lang="en-US" sz="2000" i="1">
+                                  <a:ln w="0"/>
+                                  <a:solidFill>
+                                    <a:schemeClr val="tx1"/>
+                                  </a:solidFill>
+                                  <a:effectLst>
+                                    <a:outerShdw blurRad="38100" dist="19050" dir="2700000" algn="tl" rotWithShape="0">
+                                      <a:schemeClr val="dk1">
+                                        <a:alpha val="40000"/>
+                                      </a:schemeClr>
+                                    </a:outerShdw>
+                                  </a:effectLst>
+                                  <a:latin typeface="Cambria Math" panose="02040503050406030204" pitchFamily="18" charset="0"/>
+                                </a:rPr>
+                                <m:t>𝑚</m:t>
+                              </m:r>
+                              <m:d>
+                                <m:dPr>
+                                  <m:ctrlPr>
+                                    <a:rPr lang="en-US" sz="2000" i="1">
+                                      <a:ln w="0"/>
+                                      <a:solidFill>
+                                        <a:schemeClr val="tx1"/>
+                                      </a:solidFill>
+                                      <a:effectLst>
+                                        <a:outerShdw blurRad="38100" dist="19050" dir="2700000" algn="tl" rotWithShape="0">
+                                          <a:schemeClr val="dk1">
+                                            <a:alpha val="40000"/>
+                                          </a:schemeClr>
+                                        </a:outerShdw>
+                                      </a:effectLst>
+                                      <a:latin typeface="Cambria Math" panose="02040503050406030204" pitchFamily="18" charset="0"/>
+                                    </a:rPr>
+                                  </m:ctrlPr>
+                                </m:dPr>
+                                <m:e>
+                                  <m:r>
+                                    <a:rPr lang="en-US" sz="2000" i="1">
+                                      <a:ln w="0"/>
+                                      <a:solidFill>
+                                        <a:schemeClr val="tx1"/>
+                                      </a:solidFill>
+                                      <a:effectLst>
+                                        <a:outerShdw blurRad="38100" dist="19050" dir="2700000" algn="tl" rotWithShape="0">
+                                          <a:schemeClr val="dk1">
+                                            <a:alpha val="40000"/>
+                                          </a:schemeClr>
+                                        </a:outerShdw>
+                                      </a:effectLst>
+                                      <a:latin typeface="Cambria Math" panose="02040503050406030204" pitchFamily="18" charset="0"/>
+                                    </a:rPr>
+                                    <m:t>𝑡</m:t>
+                                  </m:r>
+                                </m:e>
+                              </m:d>
+                              <m:r>
+                                <a:rPr lang="en-US" sz="2000">
+                                  <a:ln w="0"/>
+                                  <a:solidFill>
+                                    <a:schemeClr val="tx1"/>
+                                  </a:solidFill>
+                                  <a:effectLst>
+                                    <a:outerShdw blurRad="38100" dist="19050" dir="2700000" algn="tl" rotWithShape="0">
+                                      <a:schemeClr val="dk1">
+                                        <a:alpha val="40000"/>
+                                      </a:schemeClr>
+                                    </a:outerShdw>
+                                  </a:effectLst>
+                                  <a:latin typeface="Cambria Math" panose="02040503050406030204" pitchFamily="18" charset="0"/>
+                                </a:rPr>
+                                <m:t>=50000,</m:t>
+                              </m:r>
+                            </m:e>
+                            <m:e>
+                              <m:r>
+                                <a:rPr lang="en-US" sz="2000">
+                                  <a:ln w="0"/>
+                                  <a:solidFill>
+                                    <a:schemeClr val="tx1"/>
+                                  </a:solidFill>
+                                  <a:effectLst>
+                                    <a:outerShdw blurRad="38100" dist="19050" dir="2700000" algn="tl" rotWithShape="0">
+                                      <a:schemeClr val="dk1">
+                                        <a:alpha val="40000"/>
+                                      </a:schemeClr>
+                                    </a:outerShdw>
+                                  </a:effectLst>
+                                  <a:latin typeface="Cambria Math" panose="02040503050406030204" pitchFamily="18" charset="0"/>
+                                </a:rPr>
+                                <m:t>&amp;0&lt;</m:t>
+                              </m:r>
+                              <m:r>
+                                <a:rPr lang="en-US" sz="2000" i="1">
+                                  <a:ln w="0"/>
+                                  <a:solidFill>
+                                    <a:schemeClr val="tx1"/>
+                                  </a:solidFill>
+                                  <a:effectLst>
+                                    <a:outerShdw blurRad="38100" dist="19050" dir="2700000" algn="tl" rotWithShape="0">
+                                      <a:schemeClr val="dk1">
+                                        <a:alpha val="40000"/>
+                                      </a:schemeClr>
+                                    </a:outerShdw>
+                                  </a:effectLst>
+                                  <a:latin typeface="Cambria Math" panose="02040503050406030204" pitchFamily="18" charset="0"/>
+                                </a:rPr>
+                                <m:t>𝑡</m:t>
+                              </m:r>
+                              <m:r>
+                                <a:rPr lang="en-US" sz="2000">
+                                  <a:ln w="0"/>
+                                  <a:solidFill>
+                                    <a:schemeClr val="tx1"/>
+                                  </a:solidFill>
+                                  <a:effectLst>
+                                    <a:outerShdw blurRad="38100" dist="19050" dir="2700000" algn="tl" rotWithShape="0">
+                                      <a:schemeClr val="dk1">
+                                        <a:alpha val="40000"/>
+                                      </a:schemeClr>
+                                    </a:outerShdw>
+                                  </a:effectLst>
+                                  <a:latin typeface="Cambria Math" panose="02040503050406030204" pitchFamily="18" charset="0"/>
+                                </a:rPr>
+                                <m:t>≤80:</m:t>
+                              </m:r>
+                              <m:r>
+                                <a:rPr lang="en-US" sz="2000" i="1">
+                                  <a:ln w="0"/>
+                                  <a:solidFill>
+                                    <a:schemeClr val="tx1"/>
+                                  </a:solidFill>
+                                  <a:effectLst>
+                                    <a:outerShdw blurRad="38100" dist="19050" dir="2700000" algn="tl" rotWithShape="0">
+                                      <a:schemeClr val="dk1">
+                                        <a:alpha val="40000"/>
+                                      </a:schemeClr>
+                                    </a:outerShdw>
+                                  </a:effectLst>
+                                  <a:latin typeface="Cambria Math" panose="02040503050406030204" pitchFamily="18" charset="0"/>
+                                </a:rPr>
+                                <m:t>𝑚</m:t>
+                              </m:r>
+                              <m:d>
+                                <m:dPr>
+                                  <m:ctrlPr>
+                                    <a:rPr lang="en-US" sz="2000" i="1">
+                                      <a:ln w="0"/>
+                                      <a:solidFill>
+                                        <a:schemeClr val="tx1"/>
+                                      </a:solidFill>
+                                      <a:effectLst>
+                                        <a:outerShdw blurRad="38100" dist="19050" dir="2700000" algn="tl" rotWithShape="0">
+                                          <a:schemeClr val="dk1">
+                                            <a:alpha val="40000"/>
+                                          </a:schemeClr>
+                                        </a:outerShdw>
+                                      </a:effectLst>
+                                      <a:latin typeface="Cambria Math" panose="02040503050406030204" pitchFamily="18" charset="0"/>
+                                    </a:rPr>
+                                  </m:ctrlPr>
+                                </m:dPr>
+                                <m:e>
+                                  <m:r>
+                                    <a:rPr lang="en-US" sz="2000" i="1">
+                                      <a:ln w="0"/>
+                                      <a:solidFill>
+                                        <a:schemeClr val="tx1"/>
+                                      </a:solidFill>
+                                      <a:effectLst>
+                                        <a:outerShdw blurRad="38100" dist="19050" dir="2700000" algn="tl" rotWithShape="0">
+                                          <a:schemeClr val="dk1">
+                                            <a:alpha val="40000"/>
+                                          </a:schemeClr>
+                                        </a:outerShdw>
+                                      </a:effectLst>
+                                      <a:latin typeface="Cambria Math" panose="02040503050406030204" pitchFamily="18" charset="0"/>
+                                    </a:rPr>
+                                    <m:t>𝑡</m:t>
+                                  </m:r>
+                                </m:e>
+                              </m:d>
+                              <m:r>
+                                <a:rPr lang="en-US" sz="2000">
+                                  <a:ln w="0"/>
+                                  <a:solidFill>
+                                    <a:schemeClr val="tx1"/>
+                                  </a:solidFill>
+                                  <a:effectLst>
+                                    <a:outerShdw blurRad="38100" dist="19050" dir="2700000" algn="tl" rotWithShape="0">
+                                      <a:schemeClr val="dk1">
+                                        <a:alpha val="40000"/>
+                                      </a:schemeClr>
+                                    </a:outerShdw>
+                                  </a:effectLst>
+                                  <a:latin typeface="Cambria Math" panose="02040503050406030204" pitchFamily="18" charset="0"/>
+                                </a:rPr>
+                                <m:t>=50000−</m:t>
+                              </m:r>
+                              <m:f>
+                                <m:fPr>
+                                  <m:ctrlPr>
+                                    <a:rPr lang="en-US" sz="2000" i="1">
+                                      <a:ln w="0"/>
+                                      <a:solidFill>
+                                        <a:schemeClr val="tx1"/>
+                                      </a:solidFill>
+                                      <a:effectLst>
+                                        <a:outerShdw blurRad="38100" dist="19050" dir="2700000" algn="tl" rotWithShape="0">
+                                          <a:schemeClr val="dk1">
+                                            <a:alpha val="40000"/>
+                                          </a:schemeClr>
+                                        </a:outerShdw>
+                                      </a:effectLst>
+                                      <a:latin typeface="Cambria Math" panose="02040503050406030204" pitchFamily="18" charset="0"/>
+                                    </a:rPr>
+                                  </m:ctrlPr>
+                                </m:fPr>
+                                <m:num>
+                                  <m:r>
+                                    <a:rPr lang="en-US" sz="2000">
+                                      <a:ln w="0"/>
+                                      <a:solidFill>
+                                        <a:schemeClr val="tx1"/>
+                                      </a:solidFill>
+                                      <a:effectLst>
+                                        <a:outerShdw blurRad="38100" dist="19050" dir="2700000" algn="tl" rotWithShape="0">
+                                          <a:schemeClr val="dk1">
+                                            <a:alpha val="40000"/>
+                                          </a:schemeClr>
+                                        </a:outerShdw>
+                                      </a:effectLst>
+                                      <a:latin typeface="Cambria Math" panose="02040503050406030204" pitchFamily="18" charset="0"/>
+                                    </a:rPr>
+                                    <m:t>9000×3</m:t>
+                                  </m:r>
+                                </m:num>
+                                <m:den>
+                                  <m:r>
+                                    <a:rPr lang="en-US" sz="2000">
+                                      <a:ln w="0"/>
+                                      <a:solidFill>
+                                        <a:schemeClr val="tx1"/>
+                                      </a:solidFill>
+                                      <a:effectLst>
+                                        <a:outerShdw blurRad="38100" dist="19050" dir="2700000" algn="tl" rotWithShape="0">
+                                          <a:schemeClr val="dk1">
+                                            <a:alpha val="40000"/>
+                                          </a:schemeClr>
+                                        </a:outerShdw>
+                                      </a:effectLst>
+                                      <a:latin typeface="Cambria Math" panose="02040503050406030204" pitchFamily="18" charset="0"/>
+                                    </a:rPr>
+                                    <m:t>80</m:t>
+                                  </m:r>
+                                </m:den>
+                              </m:f>
+                              <m:r>
+                                <a:rPr lang="en-US" sz="2000">
+                                  <a:ln w="0"/>
+                                  <a:solidFill>
+                                    <a:schemeClr val="tx1"/>
+                                  </a:solidFill>
+                                  <a:effectLst>
+                                    <a:outerShdw blurRad="38100" dist="19050" dir="2700000" algn="tl" rotWithShape="0">
+                                      <a:schemeClr val="dk1">
+                                        <a:alpha val="40000"/>
+                                      </a:schemeClr>
+                                    </a:outerShdw>
+                                  </a:effectLst>
+                                  <a:latin typeface="Cambria Math" panose="02040503050406030204" pitchFamily="18" charset="0"/>
+                                </a:rPr>
+                                <m:t>×</m:t>
+                              </m:r>
+                              <m:r>
+                                <a:rPr lang="en-US" sz="2000" i="1">
+                                  <a:ln w="0"/>
+                                  <a:solidFill>
+                                    <a:schemeClr val="tx1"/>
+                                  </a:solidFill>
+                                  <a:effectLst>
+                                    <a:outerShdw blurRad="38100" dist="19050" dir="2700000" algn="tl" rotWithShape="0">
+                                      <a:schemeClr val="dk1">
+                                        <a:alpha val="40000"/>
+                                      </a:schemeClr>
+                                    </a:outerShdw>
+                                  </a:effectLst>
+                                  <a:latin typeface="Cambria Math" panose="02040503050406030204" pitchFamily="18" charset="0"/>
+                                </a:rPr>
+                                <m:t>𝑡</m:t>
+                              </m:r>
+                              <m:r>
+                                <a:rPr lang="en-US" sz="2000">
+                                  <a:ln w="0"/>
+                                  <a:solidFill>
+                                    <a:schemeClr val="tx1"/>
+                                  </a:solidFill>
+                                  <a:effectLst>
+                                    <a:outerShdw blurRad="38100" dist="19050" dir="2700000" algn="tl" rotWithShape="0">
+                                      <a:schemeClr val="dk1">
+                                        <a:alpha val="40000"/>
+                                      </a:schemeClr>
+                                    </a:outerShdw>
+                                  </a:effectLst>
+                                  <a:latin typeface="Cambria Math" panose="02040503050406030204" pitchFamily="18" charset="0"/>
+                                </a:rPr>
+                                <m:t>,</m:t>
+                              </m:r>
+                            </m:e>
+                            <m:e>
+                              <m:r>
+                                <a:rPr lang="en-US" sz="2000">
+                                  <a:ln w="0"/>
+                                  <a:solidFill>
+                                    <a:schemeClr val="tx1"/>
+                                  </a:solidFill>
+                                  <a:effectLst>
+                                    <a:outerShdw blurRad="38100" dist="19050" dir="2700000" algn="tl" rotWithShape="0">
+                                      <a:schemeClr val="dk1">
+                                        <a:alpha val="40000"/>
+                                      </a:schemeClr>
+                                    </a:outerShdw>
+                                  </a:effectLst>
+                                  <a:latin typeface="Cambria Math" panose="02040503050406030204" pitchFamily="18" charset="0"/>
+                                </a:rPr>
+                                <m:t>&amp;80&lt;</m:t>
+                              </m:r>
+                              <m:r>
+                                <a:rPr lang="en-US" sz="2000" i="1">
+                                  <a:ln w="0"/>
+                                  <a:solidFill>
+                                    <a:schemeClr val="tx1"/>
+                                  </a:solidFill>
+                                  <a:effectLst>
+                                    <a:outerShdw blurRad="38100" dist="19050" dir="2700000" algn="tl" rotWithShape="0">
+                                      <a:schemeClr val="dk1">
+                                        <a:alpha val="40000"/>
+                                      </a:schemeClr>
+                                    </a:outerShdw>
+                                  </a:effectLst>
+                                  <a:latin typeface="Cambria Math" panose="02040503050406030204" pitchFamily="18" charset="0"/>
+                                </a:rPr>
+                                <m:t>𝑡</m:t>
+                              </m:r>
+                              <m:r>
+                                <a:rPr lang="en-US" sz="2000">
+                                  <a:ln w="0"/>
+                                  <a:solidFill>
+                                    <a:schemeClr val="tx1"/>
+                                  </a:solidFill>
+                                  <a:effectLst>
+                                    <a:outerShdw blurRad="38100" dist="19050" dir="2700000" algn="tl" rotWithShape="0">
+                                      <a:schemeClr val="dk1">
+                                        <a:alpha val="40000"/>
+                                      </a:schemeClr>
+                                    </a:outerShdw>
+                                  </a:effectLst>
+                                  <a:latin typeface="Cambria Math" panose="02040503050406030204" pitchFamily="18" charset="0"/>
+                                </a:rPr>
+                                <m:t>&lt;115:</m:t>
+                              </m:r>
+                              <m:r>
+                                <a:rPr lang="en-US" sz="2000" i="1">
+                                  <a:ln w="0"/>
+                                  <a:solidFill>
+                                    <a:schemeClr val="tx1"/>
+                                  </a:solidFill>
+                                  <a:effectLst>
+                                    <a:outerShdw blurRad="38100" dist="19050" dir="2700000" algn="tl" rotWithShape="0">
+                                      <a:schemeClr val="dk1">
+                                        <a:alpha val="40000"/>
+                                      </a:schemeClr>
+                                    </a:outerShdw>
+                                  </a:effectLst>
+                                  <a:latin typeface="Cambria Math" panose="02040503050406030204" pitchFamily="18" charset="0"/>
+                                </a:rPr>
+                                <m:t>𝑚</m:t>
+                              </m:r>
+                              <m:d>
+                                <m:dPr>
+                                  <m:ctrlPr>
+                                    <a:rPr lang="en-US" sz="2000" i="1">
+                                      <a:ln w="0"/>
+                                      <a:solidFill>
+                                        <a:schemeClr val="tx1"/>
+                                      </a:solidFill>
+                                      <a:effectLst>
+                                        <a:outerShdw blurRad="38100" dist="19050" dir="2700000" algn="tl" rotWithShape="0">
+                                          <a:schemeClr val="dk1">
+                                            <a:alpha val="40000"/>
+                                          </a:schemeClr>
+                                        </a:outerShdw>
+                                      </a:effectLst>
+                                      <a:latin typeface="Cambria Math" panose="02040503050406030204" pitchFamily="18" charset="0"/>
+                                    </a:rPr>
+                                  </m:ctrlPr>
+                                </m:dPr>
+                                <m:e>
+                                  <m:r>
+                                    <a:rPr lang="en-US" sz="2000" i="1">
+                                      <a:ln w="0"/>
+                                      <a:solidFill>
+                                        <a:schemeClr val="tx1"/>
+                                      </a:solidFill>
+                                      <a:effectLst>
+                                        <a:outerShdw blurRad="38100" dist="19050" dir="2700000" algn="tl" rotWithShape="0">
+                                          <a:schemeClr val="dk1">
+                                            <a:alpha val="40000"/>
+                                          </a:schemeClr>
+                                        </a:outerShdw>
+                                      </a:effectLst>
+                                      <a:latin typeface="Cambria Math" panose="02040503050406030204" pitchFamily="18" charset="0"/>
+                                    </a:rPr>
+                                    <m:t>𝑡</m:t>
+                                  </m:r>
+                                </m:e>
+                              </m:d>
+                              <m:r>
+                                <a:rPr lang="en-US" sz="2000">
+                                  <a:ln w="0"/>
+                                  <a:solidFill>
+                                    <a:schemeClr val="tx1"/>
+                                  </a:solidFill>
+                                  <a:effectLst>
+                                    <a:outerShdw blurRad="38100" dist="19050" dir="2700000" algn="tl" rotWithShape="0">
+                                      <a:schemeClr val="dk1">
+                                        <a:alpha val="40000"/>
+                                      </a:schemeClr>
+                                    </a:outerShdw>
+                                  </a:effectLst>
+                                  <a:latin typeface="Cambria Math" panose="02040503050406030204" pitchFamily="18" charset="0"/>
+                                </a:rPr>
+                                <m:t>=13409−</m:t>
+                              </m:r>
+                              <m:f>
+                                <m:fPr>
+                                  <m:ctrlPr>
+                                    <a:rPr lang="en-US" sz="2000" i="1">
+                                      <a:ln w="0"/>
+                                      <a:solidFill>
+                                        <a:schemeClr val="tx1"/>
+                                      </a:solidFill>
+                                      <a:effectLst>
+                                        <a:outerShdw blurRad="38100" dist="19050" dir="2700000" algn="tl" rotWithShape="0">
+                                          <a:schemeClr val="dk1">
+                                            <a:alpha val="40000"/>
+                                          </a:schemeClr>
+                                        </a:outerShdw>
+                                      </a:effectLst>
+                                      <a:latin typeface="Cambria Math" panose="02040503050406030204" pitchFamily="18" charset="0"/>
+                                    </a:rPr>
+                                  </m:ctrlPr>
+                                </m:fPr>
+                                <m:num>
+                                  <m:r>
+                                    <a:rPr lang="en-US" sz="2000">
+                                      <a:ln w="0"/>
+                                      <a:solidFill>
+                                        <a:schemeClr val="tx1"/>
+                                      </a:solidFill>
+                                      <a:effectLst>
+                                        <a:outerShdw blurRad="38100" dist="19050" dir="2700000" algn="tl" rotWithShape="0">
+                                          <a:schemeClr val="dk1">
+                                            <a:alpha val="40000"/>
+                                          </a:schemeClr>
+                                        </a:outerShdw>
+                                      </a:effectLst>
+                                      <a:latin typeface="Cambria Math" panose="02040503050406030204" pitchFamily="18" charset="0"/>
+                                    </a:rPr>
+                                    <m:t>4490</m:t>
+                                  </m:r>
+                                </m:num>
+                                <m:den>
+                                  <m:r>
+                                    <a:rPr lang="en-US" sz="2000">
+                                      <a:ln w="0"/>
+                                      <a:solidFill>
+                                        <a:schemeClr val="tx1"/>
+                                      </a:solidFill>
+                                      <a:effectLst>
+                                        <a:outerShdw blurRad="38100" dist="19050" dir="2700000" algn="tl" rotWithShape="0">
+                                          <a:schemeClr val="dk1">
+                                            <a:alpha val="40000"/>
+                                          </a:schemeClr>
+                                        </a:outerShdw>
+                                      </a:effectLst>
+                                      <a:latin typeface="Cambria Math" panose="02040503050406030204" pitchFamily="18" charset="0"/>
+                                    </a:rPr>
+                                    <m:t>35</m:t>
+                                  </m:r>
+                                </m:den>
+                              </m:f>
+                              <m:r>
+                                <a:rPr lang="en-US" sz="2000">
+                                  <a:ln w="0"/>
+                                  <a:solidFill>
+                                    <a:schemeClr val="tx1"/>
+                                  </a:solidFill>
+                                  <a:effectLst>
+                                    <a:outerShdw blurRad="38100" dist="19050" dir="2700000" algn="tl" rotWithShape="0">
+                                      <a:schemeClr val="dk1">
+                                        <a:alpha val="40000"/>
+                                      </a:schemeClr>
+                                    </a:outerShdw>
+                                  </a:effectLst>
+                                  <a:latin typeface="Cambria Math" panose="02040503050406030204" pitchFamily="18" charset="0"/>
+                                </a:rPr>
+                                <m:t>×</m:t>
+                              </m:r>
+                              <m:d>
+                                <m:dPr>
+                                  <m:ctrlPr>
+                                    <a:rPr lang="en-US" sz="2000" i="1">
+                                      <a:ln w="0"/>
+                                      <a:solidFill>
+                                        <a:schemeClr val="tx1"/>
+                                      </a:solidFill>
+                                      <a:effectLst>
+                                        <a:outerShdw blurRad="38100" dist="19050" dir="2700000" algn="tl" rotWithShape="0">
+                                          <a:schemeClr val="dk1">
+                                            <a:alpha val="40000"/>
+                                          </a:schemeClr>
+                                        </a:outerShdw>
+                                      </a:effectLst>
+                                      <a:latin typeface="Cambria Math" panose="02040503050406030204" pitchFamily="18" charset="0"/>
+                                    </a:rPr>
+                                  </m:ctrlPr>
+                                </m:dPr>
+                                <m:e>
+                                  <m:r>
+                                    <a:rPr lang="en-US" sz="2000" i="1">
+                                      <a:ln w="0"/>
+                                      <a:solidFill>
+                                        <a:schemeClr val="tx1"/>
+                                      </a:solidFill>
+                                      <a:effectLst>
+                                        <a:outerShdw blurRad="38100" dist="19050" dir="2700000" algn="tl" rotWithShape="0">
+                                          <a:schemeClr val="dk1">
+                                            <a:alpha val="40000"/>
+                                          </a:schemeClr>
+                                        </a:outerShdw>
+                                      </a:effectLst>
+                                      <a:latin typeface="Cambria Math" panose="02040503050406030204" pitchFamily="18" charset="0"/>
+                                    </a:rPr>
+                                    <m:t>𝑡</m:t>
+                                  </m:r>
+                                  <m:r>
+                                    <a:rPr lang="en-US" sz="2000">
+                                      <a:ln w="0"/>
+                                      <a:solidFill>
+                                        <a:schemeClr val="tx1"/>
+                                      </a:solidFill>
+                                      <a:effectLst>
+                                        <a:outerShdw blurRad="38100" dist="19050" dir="2700000" algn="tl" rotWithShape="0">
+                                          <a:schemeClr val="dk1">
+                                            <a:alpha val="40000"/>
+                                          </a:schemeClr>
+                                        </a:outerShdw>
+                                      </a:effectLst>
+                                      <a:latin typeface="Cambria Math" panose="02040503050406030204" pitchFamily="18" charset="0"/>
+                                    </a:rPr>
+                                    <m:t>−80</m:t>
+                                  </m:r>
+                                </m:e>
+                              </m:d>
+                              <m:r>
+                                <a:rPr lang="en-US" sz="2000">
+                                  <a:ln w="0"/>
+                                  <a:solidFill>
+                                    <a:schemeClr val="tx1"/>
+                                  </a:solidFill>
+                                  <a:effectLst>
+                                    <a:outerShdw blurRad="38100" dist="19050" dir="2700000" algn="tl" rotWithShape="0">
+                                      <a:schemeClr val="dk1">
+                                        <a:alpha val="40000"/>
+                                      </a:schemeClr>
+                                    </a:outerShdw>
+                                  </a:effectLst>
+                                  <a:latin typeface="Cambria Math" panose="02040503050406030204" pitchFamily="18" charset="0"/>
+                                </a:rPr>
+                                <m:t>,</m:t>
+                              </m:r>
+                            </m:e>
+                            <m:e>
+                              <m:r>
+                                <a:rPr lang="en-US" sz="2000">
+                                  <a:ln w="0"/>
+                                  <a:solidFill>
+                                    <a:schemeClr val="tx1"/>
+                                  </a:solidFill>
+                                  <a:effectLst>
+                                    <a:outerShdw blurRad="38100" dist="19050" dir="2700000" algn="tl" rotWithShape="0">
+                                      <a:schemeClr val="dk1">
+                                        <a:alpha val="40000"/>
+                                      </a:schemeClr>
+                                    </a:outerShdw>
+                                  </a:effectLst>
+                                  <a:latin typeface="Cambria Math" panose="02040503050406030204" pitchFamily="18" charset="0"/>
+                                </a:rPr>
+                                <m:t>&amp;115≤</m:t>
+                              </m:r>
+                              <m:r>
+                                <a:rPr lang="en-US" sz="2000" i="1">
+                                  <a:ln w="0"/>
+                                  <a:solidFill>
+                                    <a:schemeClr val="tx1"/>
+                                  </a:solidFill>
+                                  <a:effectLst>
+                                    <a:outerShdw blurRad="38100" dist="19050" dir="2700000" algn="tl" rotWithShape="0">
+                                      <a:schemeClr val="dk1">
+                                        <a:alpha val="40000"/>
+                                      </a:schemeClr>
+                                    </a:outerShdw>
+                                  </a:effectLst>
+                                  <a:latin typeface="Cambria Math" panose="02040503050406030204" pitchFamily="18" charset="0"/>
+                                </a:rPr>
+                                <m:t>𝑡</m:t>
+                              </m:r>
+                              <m:r>
+                                <a:rPr lang="en-US" sz="2000">
+                                  <a:ln w="0"/>
+                                  <a:solidFill>
+                                    <a:schemeClr val="tx1"/>
+                                  </a:solidFill>
+                                  <a:effectLst>
+                                    <a:outerShdw blurRad="38100" dist="19050" dir="2700000" algn="tl" rotWithShape="0">
+                                      <a:schemeClr val="dk1">
+                                        <a:alpha val="40000"/>
+                                      </a:schemeClr>
+                                    </a:outerShdw>
+                                  </a:effectLst>
+                                  <a:latin typeface="Cambria Math" panose="02040503050406030204" pitchFamily="18" charset="0"/>
+                                </a:rPr>
+                                <m:t>&lt;320:</m:t>
+                              </m:r>
+                              <m:r>
+                                <a:rPr lang="en-US" sz="2000" i="1">
+                                  <a:ln w="0"/>
+                                  <a:solidFill>
+                                    <a:schemeClr val="tx1"/>
+                                  </a:solidFill>
+                                  <a:effectLst>
+                                    <a:outerShdw blurRad="38100" dist="19050" dir="2700000" algn="tl" rotWithShape="0">
+                                      <a:schemeClr val="dk1">
+                                        <a:alpha val="40000"/>
+                                      </a:schemeClr>
+                                    </a:outerShdw>
+                                  </a:effectLst>
+                                  <a:latin typeface="Cambria Math" panose="02040503050406030204" pitchFamily="18" charset="0"/>
+                                </a:rPr>
+                                <m:t>𝑚</m:t>
+                              </m:r>
+                              <m:d>
+                                <m:dPr>
+                                  <m:ctrlPr>
+                                    <a:rPr lang="en-US" sz="2000" i="1">
+                                      <a:ln w="0"/>
+                                      <a:solidFill>
+                                        <a:schemeClr val="tx1"/>
+                                      </a:solidFill>
+                                      <a:effectLst>
+                                        <a:outerShdw blurRad="38100" dist="19050" dir="2700000" algn="tl" rotWithShape="0">
+                                          <a:schemeClr val="dk1">
+                                            <a:alpha val="40000"/>
+                                          </a:schemeClr>
+                                        </a:outerShdw>
+                                      </a:effectLst>
+                                      <a:latin typeface="Cambria Math" panose="02040503050406030204" pitchFamily="18" charset="0"/>
+                                    </a:rPr>
+                                  </m:ctrlPr>
+                                </m:dPr>
+                                <m:e>
+                                  <m:r>
+                                    <a:rPr lang="en-US" sz="2000" i="1">
+                                      <a:ln w="0"/>
+                                      <a:solidFill>
+                                        <a:schemeClr val="tx1"/>
+                                      </a:solidFill>
+                                      <a:effectLst>
+                                        <a:outerShdw blurRad="38100" dist="19050" dir="2700000" algn="tl" rotWithShape="0">
+                                          <a:schemeClr val="dk1">
+                                            <a:alpha val="40000"/>
+                                          </a:schemeClr>
+                                        </a:outerShdw>
+                                      </a:effectLst>
+                                      <a:latin typeface="Cambria Math" panose="02040503050406030204" pitchFamily="18" charset="0"/>
+                                    </a:rPr>
+                                    <m:t>𝑡</m:t>
+                                  </m:r>
+                                </m:e>
+                              </m:d>
+                              <m:r>
+                                <a:rPr lang="en-US" sz="2000">
+                                  <a:ln w="0"/>
+                                  <a:solidFill>
+                                    <a:schemeClr val="tx1"/>
+                                  </a:solidFill>
+                                  <a:effectLst>
+                                    <a:outerShdw blurRad="38100" dist="19050" dir="2700000" algn="tl" rotWithShape="0">
+                                      <a:schemeClr val="dk1">
+                                        <a:alpha val="40000"/>
+                                      </a:schemeClr>
+                                    </a:outerShdw>
+                                  </a:effectLst>
+                                  <a:latin typeface="Cambria Math" panose="02040503050406030204" pitchFamily="18" charset="0"/>
+                                </a:rPr>
+                                <m:t>=9035,</m:t>
+                              </m:r>
+                            </m:e>
+                            <m:e>
+                              <m:r>
+                                <a:rPr lang="en-US" sz="2000">
+                                  <a:ln w="0"/>
+                                  <a:solidFill>
+                                    <a:schemeClr val="tx1"/>
+                                  </a:solidFill>
+                                  <a:effectLst>
+                                    <a:outerShdw blurRad="38100" dist="19050" dir="2700000" algn="tl" rotWithShape="0">
+                                      <a:schemeClr val="dk1">
+                                        <a:alpha val="40000"/>
+                                      </a:schemeClr>
+                                    </a:outerShdw>
+                                  </a:effectLst>
+                                  <a:latin typeface="Cambria Math" panose="02040503050406030204" pitchFamily="18" charset="0"/>
+                                </a:rPr>
+                                <m:t>&amp;320≤</m:t>
+                              </m:r>
+                              <m:r>
+                                <a:rPr lang="en-US" sz="2000" i="1">
+                                  <a:ln w="0"/>
+                                  <a:solidFill>
+                                    <a:schemeClr val="tx1"/>
+                                  </a:solidFill>
+                                  <a:effectLst>
+                                    <a:outerShdw blurRad="38100" dist="19050" dir="2700000" algn="tl" rotWithShape="0">
+                                      <a:schemeClr val="dk1">
+                                        <a:alpha val="40000"/>
+                                      </a:schemeClr>
+                                    </a:outerShdw>
+                                  </a:effectLst>
+                                  <a:latin typeface="Cambria Math" panose="02040503050406030204" pitchFamily="18" charset="0"/>
+                                </a:rPr>
+                                <m:t>𝑡</m:t>
+                              </m:r>
+                              <m:r>
+                                <a:rPr lang="en-US" sz="2000">
+                                  <a:ln w="0"/>
+                                  <a:solidFill>
+                                    <a:schemeClr val="tx1"/>
+                                  </a:solidFill>
+                                  <a:effectLst>
+                                    <a:outerShdw blurRad="38100" dist="19050" dir="2700000" algn="tl" rotWithShape="0">
+                                      <a:schemeClr val="dk1">
+                                        <a:alpha val="40000"/>
+                                      </a:schemeClr>
+                                    </a:outerShdw>
+                                  </a:effectLst>
+                                  <a:latin typeface="Cambria Math" panose="02040503050406030204" pitchFamily="18" charset="0"/>
+                                </a:rPr>
+                                <m:t>&lt;338:</m:t>
+                              </m:r>
+                              <m:r>
+                                <a:rPr lang="en-US" sz="2000" i="1">
+                                  <a:ln w="0"/>
+                                  <a:solidFill>
+                                    <a:schemeClr val="tx1"/>
+                                  </a:solidFill>
+                                  <a:effectLst>
+                                    <a:outerShdw blurRad="38100" dist="19050" dir="2700000" algn="tl" rotWithShape="0">
+                                      <a:schemeClr val="dk1">
+                                        <a:alpha val="40000"/>
+                                      </a:schemeClr>
+                                    </a:outerShdw>
+                                  </a:effectLst>
+                                  <a:latin typeface="Cambria Math" panose="02040503050406030204" pitchFamily="18" charset="0"/>
+                                </a:rPr>
+                                <m:t>𝑚</m:t>
+                              </m:r>
+                              <m:d>
+                                <m:dPr>
+                                  <m:ctrlPr>
+                                    <a:rPr lang="en-US" sz="2000" i="1">
+                                      <a:ln w="0"/>
+                                      <a:solidFill>
+                                        <a:schemeClr val="tx1"/>
+                                      </a:solidFill>
+                                      <a:effectLst>
+                                        <a:outerShdw blurRad="38100" dist="19050" dir="2700000" algn="tl" rotWithShape="0">
+                                          <a:schemeClr val="dk1">
+                                            <a:alpha val="40000"/>
+                                          </a:schemeClr>
+                                        </a:outerShdw>
+                                      </a:effectLst>
+                                      <a:latin typeface="Cambria Math" panose="02040503050406030204" pitchFamily="18" charset="0"/>
+                                    </a:rPr>
+                                  </m:ctrlPr>
+                                </m:dPr>
+                                <m:e>
+                                  <m:r>
+                                    <a:rPr lang="en-US" sz="2000" i="1">
+                                      <a:ln w="0"/>
+                                      <a:solidFill>
+                                        <a:schemeClr val="tx1"/>
+                                      </a:solidFill>
+                                      <a:effectLst>
+                                        <a:outerShdw blurRad="38100" dist="19050" dir="2700000" algn="tl" rotWithShape="0">
+                                          <a:schemeClr val="dk1">
+                                            <a:alpha val="40000"/>
+                                          </a:schemeClr>
+                                        </a:outerShdw>
+                                      </a:effectLst>
+                                      <a:latin typeface="Cambria Math" panose="02040503050406030204" pitchFamily="18" charset="0"/>
+                                    </a:rPr>
+                                    <m:t>𝑡</m:t>
+                                  </m:r>
+                                </m:e>
+                              </m:d>
+                              <m:r>
+                                <a:rPr lang="en-US" sz="2000">
+                                  <a:ln w="0"/>
+                                  <a:solidFill>
+                                    <a:schemeClr val="tx1"/>
+                                  </a:solidFill>
+                                  <a:effectLst>
+                                    <a:outerShdw blurRad="38100" dist="19050" dir="2700000" algn="tl" rotWithShape="0">
+                                      <a:schemeClr val="dk1">
+                                        <a:alpha val="40000"/>
+                                      </a:schemeClr>
+                                    </a:outerShdw>
+                                  </a:effectLst>
+                                  <a:latin typeface="Cambria Math" panose="02040503050406030204" pitchFamily="18" charset="0"/>
+                                </a:rPr>
+                                <m:t>=9035−</m:t>
+                              </m:r>
+                              <m:f>
+                                <m:fPr>
+                                  <m:ctrlPr>
+                                    <a:rPr lang="en-US" sz="2000" i="1">
+                                      <a:ln w="0"/>
+                                      <a:solidFill>
+                                        <a:schemeClr val="tx1"/>
+                                      </a:solidFill>
+                                      <a:effectLst>
+                                        <a:outerShdw blurRad="38100" dist="19050" dir="2700000" algn="tl" rotWithShape="0">
+                                          <a:schemeClr val="dk1">
+                                            <a:alpha val="40000"/>
+                                          </a:schemeClr>
+                                        </a:outerShdw>
+                                      </a:effectLst>
+                                      <a:latin typeface="Cambria Math" panose="02040503050406030204" pitchFamily="18" charset="0"/>
+                                    </a:rPr>
+                                  </m:ctrlPr>
+                                </m:fPr>
+                                <m:num>
+                                  <m:r>
+                                    <a:rPr lang="en-US" sz="2000">
+                                      <a:ln w="0"/>
+                                      <a:solidFill>
+                                        <a:schemeClr val="tx1"/>
+                                      </a:solidFill>
+                                      <a:effectLst>
+                                        <a:outerShdw blurRad="38100" dist="19050" dir="2700000" algn="tl" rotWithShape="0">
+                                          <a:schemeClr val="dk1">
+                                            <a:alpha val="40000"/>
+                                          </a:schemeClr>
+                                        </a:outerShdw>
+                                      </a:effectLst>
+                                      <a:latin typeface="Cambria Math" panose="02040503050406030204" pitchFamily="18" charset="0"/>
+                                    </a:rPr>
+                                    <m:t>4490</m:t>
+                                  </m:r>
+                                </m:num>
+                                <m:den>
+                                  <m:r>
+                                    <a:rPr lang="en-US" sz="2000">
+                                      <a:ln w="0"/>
+                                      <a:solidFill>
+                                        <a:schemeClr val="tx1"/>
+                                      </a:solidFill>
+                                      <a:effectLst>
+                                        <a:outerShdw blurRad="38100" dist="19050" dir="2700000" algn="tl" rotWithShape="0">
+                                          <a:schemeClr val="dk1">
+                                            <a:alpha val="40000"/>
+                                          </a:schemeClr>
+                                        </a:outerShdw>
+                                      </a:effectLst>
+                                      <a:latin typeface="Cambria Math" panose="02040503050406030204" pitchFamily="18" charset="0"/>
+                                    </a:rPr>
+                                    <m:t>18</m:t>
+                                  </m:r>
+                                </m:den>
+                              </m:f>
+                              <m:r>
+                                <a:rPr lang="en-US" sz="2000">
+                                  <a:ln w="0"/>
+                                  <a:solidFill>
+                                    <a:schemeClr val="tx1"/>
+                                  </a:solidFill>
+                                  <a:effectLst>
+                                    <a:outerShdw blurRad="38100" dist="19050" dir="2700000" algn="tl" rotWithShape="0">
+                                      <a:schemeClr val="dk1">
+                                        <a:alpha val="40000"/>
+                                      </a:schemeClr>
+                                    </a:outerShdw>
+                                  </a:effectLst>
+                                  <a:latin typeface="Cambria Math" panose="02040503050406030204" pitchFamily="18" charset="0"/>
+                                </a:rPr>
+                                <m:t>×</m:t>
+                              </m:r>
+                              <m:d>
+                                <m:dPr>
+                                  <m:ctrlPr>
+                                    <a:rPr lang="en-US" sz="2000" i="1">
+                                      <a:ln w="0"/>
+                                      <a:solidFill>
+                                        <a:schemeClr val="tx1"/>
+                                      </a:solidFill>
+                                      <a:effectLst>
+                                        <a:outerShdw blurRad="38100" dist="19050" dir="2700000" algn="tl" rotWithShape="0">
+                                          <a:schemeClr val="dk1">
+                                            <a:alpha val="40000"/>
+                                          </a:schemeClr>
+                                        </a:outerShdw>
+                                      </a:effectLst>
+                                      <a:latin typeface="Cambria Math" panose="02040503050406030204" pitchFamily="18" charset="0"/>
+                                    </a:rPr>
+                                  </m:ctrlPr>
+                                </m:dPr>
+                                <m:e>
+                                  <m:r>
+                                    <a:rPr lang="en-US" sz="2000" i="1">
+                                      <a:ln w="0"/>
+                                      <a:solidFill>
+                                        <a:schemeClr val="tx1"/>
+                                      </a:solidFill>
+                                      <a:effectLst>
+                                        <a:outerShdw blurRad="38100" dist="19050" dir="2700000" algn="tl" rotWithShape="0">
+                                          <a:schemeClr val="dk1">
+                                            <a:alpha val="40000"/>
+                                          </a:schemeClr>
+                                        </a:outerShdw>
+                                      </a:effectLst>
+                                      <a:latin typeface="Cambria Math" panose="02040503050406030204" pitchFamily="18" charset="0"/>
+                                    </a:rPr>
+                                    <m:t>𝑡</m:t>
+                                  </m:r>
+                                  <m:r>
+                                    <a:rPr lang="en-US" sz="2000">
+                                      <a:ln w="0"/>
+                                      <a:solidFill>
+                                        <a:schemeClr val="tx1"/>
+                                      </a:solidFill>
+                                      <a:effectLst>
+                                        <a:outerShdw blurRad="38100" dist="19050" dir="2700000" algn="tl" rotWithShape="0">
+                                          <a:schemeClr val="dk1">
+                                            <a:alpha val="40000"/>
+                                          </a:schemeClr>
+                                        </a:outerShdw>
+                                      </a:effectLst>
+                                      <a:latin typeface="Cambria Math" panose="02040503050406030204" pitchFamily="18" charset="0"/>
+                                    </a:rPr>
+                                    <m:t>−320</m:t>
+                                  </m:r>
+                                </m:e>
+                              </m:d>
+                              <m:r>
+                                <a:rPr lang="en-US" sz="2000">
+                                  <a:ln w="0"/>
+                                  <a:solidFill>
+                                    <a:schemeClr val="tx1"/>
+                                  </a:solidFill>
+                                  <a:effectLst>
+                                    <a:outerShdw blurRad="38100" dist="19050" dir="2700000" algn="tl" rotWithShape="0">
+                                      <a:schemeClr val="dk1">
+                                        <a:alpha val="40000"/>
+                                      </a:schemeClr>
+                                    </a:outerShdw>
+                                  </a:effectLst>
+                                  <a:latin typeface="Cambria Math" panose="02040503050406030204" pitchFamily="18" charset="0"/>
+                                </a:rPr>
+                                <m:t>,</m:t>
+                              </m:r>
+                            </m:e>
+                          </m:eqArr>
+                        </m:e>
+                      </m:d>
+                    </m:oMath>
+                  </m:oMathPara>
+                </a14:m>
+                <a:endParaRPr lang="en-US" sz="2000" dirty="0"/>
+              </a:p>
+            </p:txBody>
+          </p:sp>
+        </mc:Choice>
+        <mc:Fallback>
+          <p:sp>
+            <p:nvSpPr>
+              <p:cNvPr id="5" name="Прямоугольник 4">
+                <a:extLst>
+                  <a:ext uri="{FF2B5EF4-FFF2-40B4-BE49-F238E27FC236}">
+                    <a16:creationId xmlns:a16="http://schemas.microsoft.com/office/drawing/2014/main" id="{CD9C0A83-EFE1-44E3-83BE-2330BF794F24}"/>
+                  </a:ext>
+                </a:extLst>
+              </p:cNvPr>
+              <p:cNvSpPr>
+                <a:spLocks noRot="1" noChangeAspect="1" noMove="1" noResize="1" noEditPoints="1" noAdjustHandles="1" noChangeArrowheads="1" noChangeShapeType="1" noTextEdit="1"/>
+              </p:cNvSpPr>
+              <p:nvPr/>
+            </p:nvSpPr>
+            <p:spPr>
+              <a:xfrm>
+                <a:off x="632052" y="3875951"/>
+                <a:ext cx="6387473" cy="2593595"/>
+              </a:xfrm>
+              <a:prstGeom prst="rect">
+                <a:avLst/>
+              </a:prstGeom>
+              <a:blipFill>
+                <a:blip r:embed="rId3"/>
+                <a:stretch>
+                  <a:fillRect b="-699"/>
+                </a:stretch>
+              </a:blipFill>
+            </p:spPr>
+            <p:txBody>
+              <a:bodyPr/>
+              <a:lstStyle/>
+              <a:p>
                 <a:r>
-                  <a:rPr lang="ru-RU" sz="5600" kern="100" dirty="0">
-                    <a:effectLst/>
-                    <a:latin typeface="Times New Roman" panose="02020603050405020304" pitchFamily="18" charset="0"/>
-                    <a:ea typeface="Times New Roman" panose="02020603050405020304" pitchFamily="18" charset="0"/>
-                    <a:cs typeface="Times New Roman" panose="02020603050405020304" pitchFamily="18" charset="0"/>
+                  <a:rPr lang="en-US">
+                    <a:noFill/>
                   </a:rPr>
-                  <a:t>Характеристическая скорость орбитального манёвра (</a:t>
+                  <a:t> </a:t>
                 </a:r>
-                <a14:m>
-                  <m:oMath xmlns:m="http://schemas.openxmlformats.org/officeDocument/2006/math">
-                    <m:r>
-                      <a:rPr lang="ru-RU" sz="5600" i="1" kern="100">
-                        <a:effectLst/>
-                        <a:latin typeface="Cambria Math" panose="02040503050406030204" pitchFamily="18" charset="0"/>
-                        <a:ea typeface="Times New Roman" panose="02020603050405020304" pitchFamily="18" charset="0"/>
-                        <a:cs typeface="Times New Roman" panose="02020603050405020304" pitchFamily="18" charset="0"/>
-                      </a:rPr>
-                      <m:t>𝑣</m:t>
-                    </m:r>
-                  </m:oMath>
-                </a14:m>
-                <a:r>
-                  <a:rPr lang="ru-RU" sz="5600" kern="100" dirty="0">
-                    <a:effectLst/>
-                    <a:latin typeface="Times New Roman" panose="02020603050405020304" pitchFamily="18" charset="0"/>
-                    <a:ea typeface="Times New Roman" panose="02020603050405020304" pitchFamily="18" charset="0"/>
-                    <a:cs typeface="Times New Roman" panose="02020603050405020304" pitchFamily="18" charset="0"/>
-                  </a:rPr>
-                  <a:t>):</a:t>
-                </a:r>
-                <a:endParaRPr lang="ru-RU" sz="5600" kern="100" dirty="0">
-                  <a:effectLst/>
-                  <a:latin typeface="Calibri" panose="020F0502020204030204" pitchFamily="34" charset="0"/>
-                  <a:ea typeface="Calibri" panose="020F0502020204030204" pitchFamily="34" charset="0"/>
-                  <a:cs typeface="Times New Roman" panose="02020603050405020304" pitchFamily="18" charset="0"/>
-                </a:endParaRPr>
               </a:p>
+            </p:txBody>
+          </p:sp>
+        </mc:Fallback>
+      </mc:AlternateContent>
+      <mc:AlternateContent xmlns:mc="http://schemas.openxmlformats.org/markup-compatibility/2006">
+        <mc:Choice xmlns:a14="http://schemas.microsoft.com/office/drawing/2010/main" Requires="a14">
+          <p:sp>
+            <p:nvSpPr>
+              <p:cNvPr id="7" name="Прямоугольник 6">
+                <a:extLst>
+                  <a:ext uri="{FF2B5EF4-FFF2-40B4-BE49-F238E27FC236}">
+                    <a16:creationId xmlns:a16="http://schemas.microsoft.com/office/drawing/2014/main" id="{A3CD5EBA-0EA4-4350-8664-4AD002CF389B}"/>
+                  </a:ext>
+                </a:extLst>
+              </p:cNvPr>
+              <p:cNvSpPr/>
+              <p:nvPr/>
+            </p:nvSpPr>
+            <p:spPr>
+              <a:xfrm>
+                <a:off x="445515" y="1217630"/>
+                <a:ext cx="1934889" cy="619465"/>
+              </a:xfrm>
+              <a:prstGeom prst="rect">
+                <a:avLst/>
+              </a:prstGeom>
+            </p:spPr>
+            <p:style>
+              <a:lnRef idx="2">
+                <a:schemeClr val="dk1"/>
+              </a:lnRef>
+              <a:fillRef idx="1">
+                <a:schemeClr val="lt1"/>
+              </a:fillRef>
+              <a:effectRef idx="0">
+                <a:schemeClr val="dk1"/>
+              </a:effectRef>
+              <a:fontRef idx="minor">
+                <a:schemeClr val="dk1"/>
+              </a:fontRef>
+            </p:style>
+            <p:txBody>
+              <a:bodyPr wrap="none">
+                <a:spAutoFit/>
+              </a:bodyPr>
+              <a:lstStyle/>
               <a:p>
-                <a:pPr marL="69850" indent="0">
-                  <a:lnSpc>
-                    <a:spcPct val="120000"/>
-                  </a:lnSpc>
-                  <a:spcBef>
-                    <a:spcPts val="1200"/>
-                  </a:spcBef>
-                  <a:spcAft>
-                    <a:spcPts val="1200"/>
-                  </a:spcAft>
-                  <a:buNone/>
-                </a:pPr>
                 <a14:m>
                   <m:oMathPara xmlns:m="http://schemas.openxmlformats.org/officeDocument/2006/math">
                     <m:oMathParaPr>
@@ -25356,643 +27297,106 @@
                     </m:oMathParaPr>
                     <m:oMath xmlns:m="http://schemas.openxmlformats.org/officeDocument/2006/math">
                       <m:r>
-                        <a:rPr lang="ru-RU" sz="5600" i="1" kern="100">
-                          <a:effectLst/>
+                        <a:rPr lang="en-US" sz="2000" i="1">
+                          <a:ln w="0"/>
+                          <a:solidFill>
+                            <a:schemeClr val="tx1"/>
+                          </a:solidFill>
+                          <a:effectLst>
+                            <a:outerShdw blurRad="38100" dist="19050" dir="2700000" algn="tl" rotWithShape="0">
+                              <a:schemeClr val="dk1">
+                                <a:alpha val="40000"/>
+                              </a:schemeClr>
+                            </a:outerShdw>
+                          </a:effectLst>
                           <a:latin typeface="Cambria Math" panose="02040503050406030204" pitchFamily="18" charset="0"/>
-                          <a:ea typeface="Times New Roman" panose="02020603050405020304" pitchFamily="18" charset="0"/>
-                          <a:cs typeface="Times New Roman" panose="02020603050405020304" pitchFamily="18" charset="0"/>
                         </a:rPr>
-                        <m:t>𝑣</m:t>
+                        <m:t>𝑑𝑣</m:t>
                       </m:r>
                       <m:r>
-                        <a:rPr lang="ru-RU" sz="5600" i="1" kern="100">
-                          <a:effectLst/>
+                        <a:rPr lang="en-US" sz="2000">
+                          <a:ln w="0"/>
+                          <a:solidFill>
+                            <a:schemeClr val="tx1"/>
+                          </a:solidFill>
+                          <a:effectLst>
+                            <a:outerShdw blurRad="38100" dist="19050" dir="2700000" algn="tl" rotWithShape="0">
+                              <a:schemeClr val="dk1">
+                                <a:alpha val="40000"/>
+                              </a:schemeClr>
+                            </a:outerShdw>
+                          </a:effectLst>
                           <a:latin typeface="Cambria Math" panose="02040503050406030204" pitchFamily="18" charset="0"/>
-                          <a:ea typeface="Times New Roman" panose="02020603050405020304" pitchFamily="18" charset="0"/>
-                          <a:cs typeface="Times New Roman" panose="02020603050405020304" pitchFamily="18" charset="0"/>
                         </a:rPr>
                         <m:t>=</m:t>
                       </m:r>
-                      <m:sSub>
-                        <m:sSubPr>
-                          <m:ctrlPr>
-                            <a:rPr lang="ru-RU" sz="5600" i="1" kern="100">
-                              <a:effectLst/>
-                              <a:latin typeface="Cambria Math" panose="02040503050406030204" pitchFamily="18" charset="0"/>
-                              <a:ea typeface="Times New Roman" panose="02020603050405020304" pitchFamily="18" charset="0"/>
-                              <a:cs typeface="Times New Roman" panose="02020603050405020304" pitchFamily="18" charset="0"/>
-                            </a:rPr>
-                          </m:ctrlPr>
-                        </m:sSubPr>
-                        <m:e>
-                          <m:r>
-                            <a:rPr lang="ru-RU" sz="5600" i="1" kern="100">
-                              <a:effectLst/>
-                              <a:latin typeface="Cambria Math" panose="02040503050406030204" pitchFamily="18" charset="0"/>
-                              <a:ea typeface="Times New Roman" panose="02020603050405020304" pitchFamily="18" charset="0"/>
-                              <a:cs typeface="Times New Roman" panose="02020603050405020304" pitchFamily="18" charset="0"/>
-                            </a:rPr>
-                            <m:t>𝐼</m:t>
-                          </m:r>
-                        </m:e>
-                        <m:sub>
-                          <m:r>
-                            <a:rPr lang="ru-RU" sz="5600" i="1" kern="100">
-                              <a:effectLst/>
-                              <a:latin typeface="Cambria Math" panose="02040503050406030204" pitchFamily="18" charset="0"/>
-                              <a:ea typeface="Times New Roman" panose="02020603050405020304" pitchFamily="18" charset="0"/>
-                              <a:cs typeface="Times New Roman" panose="02020603050405020304" pitchFamily="18" charset="0"/>
-                            </a:rPr>
-                            <m:t>𝑠𝑝</m:t>
-                          </m:r>
-                        </m:sub>
-                      </m:sSub>
                       <m:r>
-                        <a:rPr lang="ru-RU" sz="5600" i="1" kern="100">
-                          <a:effectLst/>
+                        <a:rPr lang="en-US" sz="2000" i="1">
+                          <a:ln w="0"/>
+                          <a:solidFill>
+                            <a:schemeClr val="tx1"/>
+                          </a:solidFill>
+                          <a:effectLst>
+                            <a:outerShdw blurRad="38100" dist="19050" dir="2700000" algn="tl" rotWithShape="0">
+                              <a:schemeClr val="dk1">
+                                <a:alpha val="40000"/>
+                              </a:schemeClr>
+                            </a:outerShdw>
+                          </a:effectLst>
                           <a:latin typeface="Cambria Math" panose="02040503050406030204" pitchFamily="18" charset="0"/>
-                          <a:ea typeface="Times New Roman" panose="02020603050405020304" pitchFamily="18" charset="0"/>
-                          <a:cs typeface="Times New Roman" panose="02020603050405020304" pitchFamily="18" charset="0"/>
                         </a:rPr>
-                        <m:t>⋅</m:t>
-                      </m:r>
-                      <m:sSub>
-                        <m:sSubPr>
-                          <m:ctrlPr>
-                            <a:rPr lang="ru-RU" sz="5600" i="1" kern="100">
-                              <a:effectLst/>
-                              <a:latin typeface="Cambria Math" panose="02040503050406030204" pitchFamily="18" charset="0"/>
-                              <a:ea typeface="Times New Roman" panose="02020603050405020304" pitchFamily="18" charset="0"/>
-                              <a:cs typeface="Times New Roman" panose="02020603050405020304" pitchFamily="18" charset="0"/>
-                            </a:rPr>
-                          </m:ctrlPr>
-                        </m:sSubPr>
-                        <m:e>
-                          <m:r>
-                            <a:rPr lang="ru-RU" sz="5600" i="1" kern="100">
-                              <a:effectLst/>
-                              <a:latin typeface="Cambria Math" panose="02040503050406030204" pitchFamily="18" charset="0"/>
-                              <a:ea typeface="Times New Roman" panose="02020603050405020304" pitchFamily="18" charset="0"/>
-                              <a:cs typeface="Times New Roman" panose="02020603050405020304" pitchFamily="18" charset="0"/>
-                            </a:rPr>
-                            <m:t>𝑔</m:t>
-                          </m:r>
-                        </m:e>
-                        <m:sub>
-                          <m:r>
-                            <a:rPr lang="ru-RU" sz="5600" i="1" kern="100">
-                              <a:effectLst/>
-                              <a:latin typeface="Cambria Math" panose="02040503050406030204" pitchFamily="18" charset="0"/>
-                              <a:ea typeface="Times New Roman" panose="02020603050405020304" pitchFamily="18" charset="0"/>
-                              <a:cs typeface="Times New Roman" panose="02020603050405020304" pitchFamily="18" charset="0"/>
-                            </a:rPr>
-                            <m:t>0</m:t>
-                          </m:r>
-                        </m:sub>
-                      </m:sSub>
-                      <m:r>
-                        <a:rPr lang="ru-RU" sz="5600" i="1" kern="100">
-                          <a:effectLst/>
-                          <a:latin typeface="Cambria Math" panose="02040503050406030204" pitchFamily="18" charset="0"/>
-                          <a:ea typeface="Times New Roman" panose="02020603050405020304" pitchFamily="18" charset="0"/>
-                          <a:cs typeface="Times New Roman" panose="02020603050405020304" pitchFamily="18" charset="0"/>
-                        </a:rPr>
-                        <m:t>⋅</m:t>
-                      </m:r>
-                      <m:func>
-                        <m:funcPr>
-                          <m:ctrlPr>
-                            <a:rPr lang="ru-RU" sz="5600" i="1" kern="100">
-                              <a:effectLst/>
-                              <a:latin typeface="Cambria Math" panose="02040503050406030204" pitchFamily="18" charset="0"/>
-                              <a:ea typeface="Times New Roman" panose="02020603050405020304" pitchFamily="18" charset="0"/>
-                              <a:cs typeface="Times New Roman" panose="02020603050405020304" pitchFamily="18" charset="0"/>
-                            </a:rPr>
-                          </m:ctrlPr>
-                        </m:funcPr>
-                        <m:fName>
-                          <m:r>
-                            <a:rPr lang="ru-RU" sz="5600" i="1" kern="100">
-                              <a:effectLst/>
-                              <a:latin typeface="Cambria Math" panose="02040503050406030204" pitchFamily="18" charset="0"/>
-                              <a:ea typeface="Times New Roman" panose="02020603050405020304" pitchFamily="18" charset="0"/>
-                              <a:cs typeface="Times New Roman" panose="02020603050405020304" pitchFamily="18" charset="0"/>
-                            </a:rPr>
-                            <m:t>𝑙𝑛</m:t>
-                          </m:r>
-                        </m:fName>
-                        <m:e>
-                          <m:d>
-                            <m:dPr>
-                              <m:ctrlPr>
-                                <a:rPr lang="ru-RU" sz="5600" i="1" kern="100">
-                                  <a:effectLst/>
-                                  <a:latin typeface="Cambria Math" panose="02040503050406030204" pitchFamily="18" charset="0"/>
-                                  <a:ea typeface="Times New Roman" panose="02020603050405020304" pitchFamily="18" charset="0"/>
-                                  <a:cs typeface="Times New Roman" panose="02020603050405020304" pitchFamily="18" charset="0"/>
-                                </a:rPr>
-                              </m:ctrlPr>
-                            </m:dPr>
-                            <m:e>
-                              <m:f>
-                                <m:fPr>
-                                  <m:ctrlPr>
-                                    <a:rPr lang="ru-RU" sz="5600" i="1" kern="100">
-                                      <a:effectLst/>
-                                      <a:latin typeface="Cambria Math" panose="02040503050406030204" pitchFamily="18" charset="0"/>
-                                      <a:ea typeface="Times New Roman" panose="02020603050405020304" pitchFamily="18" charset="0"/>
-                                      <a:cs typeface="Times New Roman" panose="02020603050405020304" pitchFamily="18" charset="0"/>
-                                    </a:rPr>
-                                  </m:ctrlPr>
-                                </m:fPr>
-                                <m:num>
-                                  <m:sSub>
-                                    <m:sSubPr>
-                                      <m:ctrlPr>
-                                        <a:rPr lang="ru-RU" sz="5600" i="1" kern="100">
-                                          <a:effectLst/>
-                                          <a:latin typeface="Cambria Math" panose="02040503050406030204" pitchFamily="18" charset="0"/>
-                                          <a:ea typeface="Times New Roman" panose="02020603050405020304" pitchFamily="18" charset="0"/>
-                                          <a:cs typeface="Times New Roman" panose="02020603050405020304" pitchFamily="18" charset="0"/>
-                                        </a:rPr>
-                                      </m:ctrlPr>
-                                    </m:sSubPr>
-                                    <m:e>
-                                      <m:r>
-                                        <a:rPr lang="ru-RU" sz="5600" i="1" kern="100">
-                                          <a:effectLst/>
-                                          <a:latin typeface="Cambria Math" panose="02040503050406030204" pitchFamily="18" charset="0"/>
-                                          <a:ea typeface="Times New Roman" panose="02020603050405020304" pitchFamily="18" charset="0"/>
-                                          <a:cs typeface="Times New Roman" panose="02020603050405020304" pitchFamily="18" charset="0"/>
-                                        </a:rPr>
-                                        <m:t>𝑀</m:t>
-                                      </m:r>
-                                    </m:e>
-                                    <m:sub>
-                                      <m:r>
-                                        <a:rPr lang="ru-RU" sz="5600" i="1" kern="100">
-                                          <a:effectLst/>
-                                          <a:latin typeface="Cambria Math" panose="02040503050406030204" pitchFamily="18" charset="0"/>
-                                          <a:ea typeface="Times New Roman" panose="02020603050405020304" pitchFamily="18" charset="0"/>
-                                          <a:cs typeface="Times New Roman" panose="02020603050405020304" pitchFamily="18" charset="0"/>
-                                        </a:rPr>
-                                        <m:t>𝑡</m:t>
-                                      </m:r>
-                                    </m:sub>
-                                  </m:sSub>
-                                </m:num>
-                                <m:den>
-                                  <m:r>
-                                    <a:rPr lang="ru-RU" sz="5600" i="1" kern="100">
-                                      <a:effectLst/>
-                                      <a:latin typeface="Cambria Math" panose="02040503050406030204" pitchFamily="18" charset="0"/>
-                                      <a:ea typeface="Times New Roman" panose="02020603050405020304" pitchFamily="18" charset="0"/>
-                                      <a:cs typeface="Times New Roman" panose="02020603050405020304" pitchFamily="18" charset="0"/>
-                                    </a:rPr>
-                                    <m:t>𝑀𝑟</m:t>
-                                  </m:r>
-                                </m:den>
-                              </m:f>
-                            </m:e>
-                          </m:d>
-                        </m:e>
-                      </m:func>
-                    </m:oMath>
-                  </m:oMathPara>
-                </a14:m>
-                <a:endParaRPr lang="ru-RU" sz="5600" kern="100" dirty="0">
-                  <a:effectLst/>
-                  <a:latin typeface="Calibri" panose="020F0502020204030204" pitchFamily="34" charset="0"/>
-                  <a:ea typeface="Calibri" panose="020F0502020204030204" pitchFamily="34" charset="0"/>
-                  <a:cs typeface="Times New Roman" panose="02020603050405020304" pitchFamily="18" charset="0"/>
-                </a:endParaRPr>
-              </a:p>
-              <a:p>
-                <a:pPr marL="0" lvl="0" indent="0">
-                  <a:lnSpc>
-                    <a:spcPct val="120000"/>
-                  </a:lnSpc>
-                  <a:spcBef>
-                    <a:spcPts val="1200"/>
-                  </a:spcBef>
-                  <a:spcAft>
-                    <a:spcPts val="1200"/>
-                  </a:spcAft>
-                  <a:buNone/>
-                </a:pPr>
-                <a:r>
-                  <a:rPr lang="ru-RU" sz="5600" kern="100" dirty="0">
-                    <a:effectLst/>
-                    <a:latin typeface="Times New Roman" panose="02020603050405020304" pitchFamily="18" charset="0"/>
-                    <a:ea typeface="Times New Roman" panose="02020603050405020304" pitchFamily="18" charset="0"/>
-                    <a:cs typeface="Times New Roman" panose="02020603050405020304" pitchFamily="18" charset="0"/>
-                  </a:rPr>
-                  <a:t>Коэффициент тяги-веса (</a:t>
-                </a:r>
-                <a:r>
-                  <a:rPr lang="en-US" sz="5600" kern="100" dirty="0">
-                    <a:effectLst/>
-                    <a:latin typeface="Times New Roman" panose="02020603050405020304" pitchFamily="18" charset="0"/>
-                    <a:ea typeface="Times New Roman" panose="02020603050405020304" pitchFamily="18" charset="0"/>
-                    <a:cs typeface="Times New Roman" panose="02020603050405020304" pitchFamily="18" charset="0"/>
-                  </a:rPr>
-                  <a:t>TWR</a:t>
-                </a:r>
-                <a:r>
-                  <a:rPr lang="ru-RU" sz="5600" kern="100" dirty="0">
-                    <a:effectLst/>
-                    <a:latin typeface="Times New Roman" panose="02020603050405020304" pitchFamily="18" charset="0"/>
-                    <a:ea typeface="Times New Roman" panose="02020603050405020304" pitchFamily="18" charset="0"/>
-                    <a:cs typeface="Times New Roman" panose="02020603050405020304" pitchFamily="18" charset="0"/>
-                  </a:rPr>
-                  <a:t>)</a:t>
-                </a:r>
-                <a:r>
-                  <a:rPr lang="en-US" sz="5600" kern="100" dirty="0">
-                    <a:effectLst/>
-                    <a:latin typeface="Times New Roman" panose="02020603050405020304" pitchFamily="18" charset="0"/>
-                    <a:ea typeface="Times New Roman" panose="02020603050405020304" pitchFamily="18" charset="0"/>
-                    <a:cs typeface="Times New Roman" panose="02020603050405020304" pitchFamily="18" charset="0"/>
-                  </a:rPr>
-                  <a:t>:</a:t>
-                </a:r>
-                <a:endParaRPr lang="ru-RU" sz="5600" kern="100" dirty="0">
-                  <a:effectLst/>
-                  <a:latin typeface="Calibri" panose="020F0502020204030204" pitchFamily="34" charset="0"/>
-                  <a:ea typeface="Calibri" panose="020F0502020204030204" pitchFamily="34" charset="0"/>
-                  <a:cs typeface="Times New Roman" panose="02020603050405020304" pitchFamily="18" charset="0"/>
-                </a:endParaRPr>
-              </a:p>
-              <a:p>
-                <a:pPr marL="69850" indent="0">
-                  <a:lnSpc>
-                    <a:spcPct val="120000"/>
-                  </a:lnSpc>
-                  <a:spcBef>
-                    <a:spcPts val="1200"/>
-                  </a:spcBef>
-                  <a:spcAft>
-                    <a:spcPts val="1200"/>
-                  </a:spcAft>
-                  <a:buNone/>
-                </a:pPr>
-                <a14:m>
-                  <m:oMathPara xmlns:m="http://schemas.openxmlformats.org/officeDocument/2006/math">
-                    <m:oMathParaPr>
-                      <m:jc m:val="centerGroup"/>
-                    </m:oMathParaPr>
-                    <m:oMath xmlns:m="http://schemas.openxmlformats.org/officeDocument/2006/math">
-                      <m:r>
-                        <a:rPr lang="en-US" sz="5600" i="1" kern="100">
-                          <a:effectLst/>
-                          <a:latin typeface="Cambria Math" panose="02040503050406030204" pitchFamily="18" charset="0"/>
-                          <a:ea typeface="Times New Roman" panose="02020603050405020304" pitchFamily="18" charset="0"/>
-                          <a:cs typeface="Times New Roman" panose="02020603050405020304" pitchFamily="18" charset="0"/>
-                        </a:rPr>
-                        <m:t>𝑇𝑊𝑅</m:t>
+                        <m:t>𝑆</m:t>
                       </m:r>
                       <m:r>
-                        <a:rPr lang="en-US" sz="5600" i="1" kern="100">
-                          <a:effectLst/>
+                        <a:rPr lang="en-US" sz="2000">
+                          <a:ln w="0"/>
+                          <a:solidFill>
+                            <a:schemeClr val="tx1"/>
+                          </a:solidFill>
+                          <a:effectLst>
+                            <a:outerShdw blurRad="38100" dist="19050" dir="2700000" algn="tl" rotWithShape="0">
+                              <a:schemeClr val="dk1">
+                                <a:alpha val="40000"/>
+                              </a:schemeClr>
+                            </a:outerShdw>
+                          </a:effectLst>
                           <a:latin typeface="Cambria Math" panose="02040503050406030204" pitchFamily="18" charset="0"/>
-                          <a:ea typeface="Times New Roman" panose="02020603050405020304" pitchFamily="18" charset="0"/>
-                          <a:cs typeface="Times New Roman" panose="02020603050405020304" pitchFamily="18" charset="0"/>
                         </a:rPr>
-                        <m:t>=</m:t>
+                        <m:t>×</m:t>
+                      </m:r>
+                      <m:r>
+                        <a:rPr lang="en-US" sz="2000" i="1">
+                          <a:ln w="0"/>
+                          <a:solidFill>
+                            <a:schemeClr val="tx1"/>
+                          </a:solidFill>
+                          <a:effectLst>
+                            <a:outerShdw blurRad="38100" dist="19050" dir="2700000" algn="tl" rotWithShape="0">
+                              <a:schemeClr val="dk1">
+                                <a:alpha val="40000"/>
+                              </a:schemeClr>
+                            </a:outerShdw>
+                          </a:effectLst>
+                          <a:latin typeface="Cambria Math" panose="02040503050406030204" pitchFamily="18" charset="0"/>
+                        </a:rPr>
+                        <m:t>𝑙𝑛</m:t>
                       </m:r>
                       <m:f>
                         <m:fPr>
                           <m:ctrlPr>
-                            <a:rPr lang="ru-RU" sz="5600" i="1" kern="100">
-                              <a:effectLst/>
+                            <a:rPr lang="en-US" sz="2000" i="1">
+                              <a:ln w="0"/>
+                              <a:solidFill>
+                                <a:schemeClr val="tx1"/>
+                              </a:solidFill>
+                              <a:effectLst>
+                                <a:outerShdw blurRad="38100" dist="19050" dir="2700000" algn="tl" rotWithShape="0">
+                                  <a:schemeClr val="dk1">
+                                    <a:alpha val="40000"/>
+                                  </a:schemeClr>
+                                </a:outerShdw>
+                              </a:effectLst>
                               <a:latin typeface="Cambria Math" panose="02040503050406030204" pitchFamily="18" charset="0"/>
-                              <a:ea typeface="Times New Roman" panose="02020603050405020304" pitchFamily="18" charset="0"/>
-                              <a:cs typeface="Times New Roman" panose="02020603050405020304" pitchFamily="18" charset="0"/>
-                            </a:rPr>
-                          </m:ctrlPr>
-                        </m:fPr>
-                        <m:num>
-                          <m:r>
-                            <a:rPr lang="en-US" sz="5600" i="1" kern="100">
-                              <a:effectLst/>
-                              <a:latin typeface="Cambria Math" panose="02040503050406030204" pitchFamily="18" charset="0"/>
-                              <a:ea typeface="Times New Roman" panose="02020603050405020304" pitchFamily="18" charset="0"/>
-                              <a:cs typeface="Times New Roman" panose="02020603050405020304" pitchFamily="18" charset="0"/>
-                            </a:rPr>
-                            <m:t>𝐹</m:t>
-                          </m:r>
-                        </m:num>
-                        <m:den>
-                          <m:r>
-                            <a:rPr lang="en-US" sz="5600" i="1" kern="100">
-                              <a:effectLst/>
-                              <a:latin typeface="Cambria Math" panose="02040503050406030204" pitchFamily="18" charset="0"/>
-                              <a:ea typeface="Times New Roman" panose="02020603050405020304" pitchFamily="18" charset="0"/>
-                              <a:cs typeface="Times New Roman" panose="02020603050405020304" pitchFamily="18" charset="0"/>
-                            </a:rPr>
-                            <m:t>𝑀</m:t>
-                          </m:r>
-                          <m:r>
-                            <a:rPr lang="en-US" sz="5600" i="1" kern="100">
-                              <a:effectLst/>
-                              <a:latin typeface="Cambria Math" panose="02040503050406030204" pitchFamily="18" charset="0"/>
-                              <a:ea typeface="Times New Roman" panose="02020603050405020304" pitchFamily="18" charset="0"/>
-                              <a:cs typeface="Times New Roman" panose="02020603050405020304" pitchFamily="18" charset="0"/>
-                            </a:rPr>
-                            <m:t>⋅</m:t>
-                          </m:r>
-                          <m:sSub>
-                            <m:sSubPr>
-                              <m:ctrlPr>
-                                <a:rPr lang="ru-RU" sz="5600" i="1" kern="100">
-                                  <a:effectLst/>
-                                  <a:latin typeface="Cambria Math" panose="02040503050406030204" pitchFamily="18" charset="0"/>
-                                  <a:ea typeface="Times New Roman" panose="02020603050405020304" pitchFamily="18" charset="0"/>
-                                  <a:cs typeface="Times New Roman" panose="02020603050405020304" pitchFamily="18" charset="0"/>
-                                </a:rPr>
-                              </m:ctrlPr>
-                            </m:sSubPr>
-                            <m:e>
-                              <m:r>
-                                <a:rPr lang="en-US" sz="5600" i="1" kern="100">
-                                  <a:effectLst/>
-                                  <a:latin typeface="Cambria Math" panose="02040503050406030204" pitchFamily="18" charset="0"/>
-                                  <a:ea typeface="Times New Roman" panose="02020603050405020304" pitchFamily="18" charset="0"/>
-                                  <a:cs typeface="Times New Roman" panose="02020603050405020304" pitchFamily="18" charset="0"/>
-                                </a:rPr>
-                                <m:t>𝑔</m:t>
-                              </m:r>
-                            </m:e>
-                            <m:sub>
-                              <m:r>
-                                <a:rPr lang="en-US" sz="5600" i="1" kern="100">
-                                  <a:effectLst/>
-                                  <a:latin typeface="Cambria Math" panose="02040503050406030204" pitchFamily="18" charset="0"/>
-                                  <a:ea typeface="Times New Roman" panose="02020603050405020304" pitchFamily="18" charset="0"/>
-                                  <a:cs typeface="Times New Roman" panose="02020603050405020304" pitchFamily="18" charset="0"/>
-                                </a:rPr>
-                                <m:t>0</m:t>
-                              </m:r>
-                            </m:sub>
-                          </m:sSub>
-                        </m:den>
-                      </m:f>
-                      <m:r>
-                        <a:rPr lang="en-US" sz="5600" i="1" kern="100">
-                          <a:effectLst/>
-                          <a:latin typeface="Cambria Math" panose="02040503050406030204" pitchFamily="18" charset="0"/>
-                          <a:ea typeface="Times New Roman" panose="02020603050405020304" pitchFamily="18" charset="0"/>
-                          <a:cs typeface="Times New Roman" panose="02020603050405020304" pitchFamily="18" charset="0"/>
-                        </a:rPr>
-                        <m:t>&gt;</m:t>
-                      </m:r>
-                      <m:r>
-                        <a:rPr lang="en-US" sz="5600" i="1" kern="100" smtClean="0">
-                          <a:effectLst/>
-                          <a:latin typeface="Cambria Math" panose="02040503050406030204" pitchFamily="18" charset="0"/>
-                          <a:ea typeface="Times New Roman" panose="02020603050405020304" pitchFamily="18" charset="0"/>
-                          <a:cs typeface="Times New Roman" panose="02020603050405020304" pitchFamily="18" charset="0"/>
-                        </a:rPr>
-                        <m:t>1</m:t>
-                      </m:r>
-                    </m:oMath>
-                  </m:oMathPara>
-                </a14:m>
-                <a:endParaRPr lang="ru-RU" sz="5600" kern="100" dirty="0">
-                  <a:effectLst/>
-                  <a:latin typeface="Calibri" panose="020F0502020204030204" pitchFamily="34" charset="0"/>
-                  <a:ea typeface="Calibri" panose="020F0502020204030204" pitchFamily="34" charset="0"/>
-                  <a:cs typeface="Times New Roman" panose="02020603050405020304" pitchFamily="18" charset="0"/>
-                </a:endParaRPr>
-              </a:p>
-              <a:p>
-                <a:pPr marL="0" lvl="0" indent="0">
-                  <a:lnSpc>
-                    <a:spcPct val="120000"/>
-                  </a:lnSpc>
-                  <a:spcBef>
-                    <a:spcPts val="1200"/>
-                  </a:spcBef>
-                  <a:spcAft>
-                    <a:spcPts val="1200"/>
-                  </a:spcAft>
-                  <a:buNone/>
-                </a:pPr>
-                <a:r>
-                  <a:rPr lang="ru-RU" sz="5600" kern="100" dirty="0">
-                    <a:effectLst/>
-                    <a:latin typeface="Times New Roman" panose="02020603050405020304" pitchFamily="18" charset="0"/>
-                    <a:ea typeface="Times New Roman" panose="02020603050405020304" pitchFamily="18" charset="0"/>
-                    <a:cs typeface="Times New Roman" panose="02020603050405020304" pitchFamily="18" charset="0"/>
-                  </a:rPr>
-                  <a:t>Уравнение </a:t>
-                </a:r>
-                <a:r>
-                  <a:rPr lang="en-US" sz="5600" kern="100" dirty="0">
-                    <a:effectLst/>
-                    <a:latin typeface="Times New Roman" panose="02020603050405020304" pitchFamily="18" charset="0"/>
-                    <a:ea typeface="Times New Roman" panose="02020603050405020304" pitchFamily="18" charset="0"/>
-                    <a:cs typeface="Times New Roman" panose="02020603050405020304" pitchFamily="18" charset="0"/>
-                  </a:rPr>
-                  <a:t>vis</a:t>
-                </a:r>
-                <a:r>
-                  <a:rPr lang="ru-RU" sz="5600" kern="100" dirty="0">
-                    <a:effectLst/>
-                    <a:latin typeface="Times New Roman" panose="02020603050405020304" pitchFamily="18" charset="0"/>
-                    <a:ea typeface="Times New Roman" panose="02020603050405020304" pitchFamily="18" charset="0"/>
-                    <a:cs typeface="Times New Roman" panose="02020603050405020304" pitchFamily="18" charset="0"/>
-                  </a:rPr>
-                  <a:t>-</a:t>
-                </a:r>
-                <a:r>
-                  <a:rPr lang="en-US" sz="5600" kern="100" dirty="0">
-                    <a:effectLst/>
-                    <a:latin typeface="Times New Roman" panose="02020603050405020304" pitchFamily="18" charset="0"/>
-                    <a:ea typeface="Times New Roman" panose="02020603050405020304" pitchFamily="18" charset="0"/>
-                    <a:cs typeface="Times New Roman" panose="02020603050405020304" pitchFamily="18" charset="0"/>
-                  </a:rPr>
-                  <a:t>viva </a:t>
-                </a:r>
-                <a:r>
-                  <a:rPr lang="ru-RU" sz="5600" kern="100" dirty="0">
-                    <a:effectLst/>
-                    <a:latin typeface="Times New Roman" panose="02020603050405020304" pitchFamily="18" charset="0"/>
-                    <a:ea typeface="Times New Roman" panose="02020603050405020304" pitchFamily="18" charset="0"/>
-                    <a:cs typeface="Times New Roman" panose="02020603050405020304" pitchFamily="18" charset="0"/>
-                  </a:rPr>
-                  <a:t>для орбитальных переходов:</a:t>
-                </a:r>
-                <a:endParaRPr lang="ru-RU" sz="5600" kern="100" dirty="0">
-                  <a:effectLst/>
-                  <a:latin typeface="Calibri" panose="020F0502020204030204" pitchFamily="34" charset="0"/>
-                  <a:ea typeface="Calibri" panose="020F0502020204030204" pitchFamily="34" charset="0"/>
-                  <a:cs typeface="Times New Roman" panose="02020603050405020304" pitchFamily="18" charset="0"/>
-                </a:endParaRPr>
-              </a:p>
-              <a:p>
-                <a:pPr marL="69850" indent="0">
-                  <a:lnSpc>
-                    <a:spcPct val="120000"/>
-                  </a:lnSpc>
-                  <a:spcBef>
-                    <a:spcPts val="1200"/>
-                  </a:spcBef>
-                  <a:spcAft>
-                    <a:spcPts val="1200"/>
-                  </a:spcAft>
-                  <a:buNone/>
-                </a:pPr>
-                <a14:m>
-                  <m:oMathPara xmlns:m="http://schemas.openxmlformats.org/officeDocument/2006/math">
-                    <m:oMathParaPr>
-                      <m:jc m:val="centerGroup"/>
-                    </m:oMathParaPr>
-                    <m:oMath xmlns:m="http://schemas.openxmlformats.org/officeDocument/2006/math">
-                      <m:sSub>
-                        <m:sSubPr>
-                          <m:ctrlPr>
-                            <a:rPr lang="ru-RU" sz="5600" i="1" kern="100">
-                              <a:effectLst/>
-                              <a:latin typeface="Cambria Math" panose="02040503050406030204" pitchFamily="18" charset="0"/>
-                              <a:ea typeface="Times New Roman" panose="02020603050405020304" pitchFamily="18" charset="0"/>
-                              <a:cs typeface="Times New Roman" panose="02020603050405020304" pitchFamily="18" charset="0"/>
-                            </a:rPr>
-                          </m:ctrlPr>
-                        </m:sSubPr>
-                        <m:e>
-                          <m:r>
-                            <a:rPr lang="ru-RU" sz="5600" i="1" kern="100">
-                              <a:effectLst/>
-                              <a:latin typeface="Cambria Math" panose="02040503050406030204" pitchFamily="18" charset="0"/>
-                              <a:ea typeface="Times New Roman" panose="02020603050405020304" pitchFamily="18" charset="0"/>
-                              <a:cs typeface="Times New Roman" panose="02020603050405020304" pitchFamily="18" charset="0"/>
-                            </a:rPr>
-                            <m:t>𝑣</m:t>
-                          </m:r>
-                        </m:e>
-                        <m:sub>
-                          <m:r>
-                            <a:rPr lang="ru-RU" sz="5600" i="1" kern="100">
-                              <a:effectLst/>
-                              <a:latin typeface="Cambria Math" panose="02040503050406030204" pitchFamily="18" charset="0"/>
-                              <a:ea typeface="Times New Roman" panose="02020603050405020304" pitchFamily="18" charset="0"/>
-                              <a:cs typeface="Times New Roman" panose="02020603050405020304" pitchFamily="18" charset="0"/>
-                            </a:rPr>
-                            <m:t>1</m:t>
-                          </m:r>
-                        </m:sub>
-                      </m:sSub>
-                      <m:r>
-                        <a:rPr lang="ru-RU" sz="5600" i="1" kern="100">
-                          <a:effectLst/>
-                          <a:latin typeface="Cambria Math" panose="02040503050406030204" pitchFamily="18" charset="0"/>
-                          <a:ea typeface="Times New Roman" panose="02020603050405020304" pitchFamily="18" charset="0"/>
-                          <a:cs typeface="Times New Roman" panose="02020603050405020304" pitchFamily="18" charset="0"/>
-                        </a:rPr>
-                        <m:t>=</m:t>
-                      </m:r>
-                      <m:rad>
-                        <m:radPr>
-                          <m:degHide m:val="on"/>
-                          <m:ctrlPr>
-                            <a:rPr lang="ru-RU" sz="5600" i="1" kern="100">
-                              <a:effectLst/>
-                              <a:latin typeface="Cambria Math" panose="02040503050406030204" pitchFamily="18" charset="0"/>
-                              <a:ea typeface="Times New Roman" panose="02020603050405020304" pitchFamily="18" charset="0"/>
-                              <a:cs typeface="Times New Roman" panose="02020603050405020304" pitchFamily="18" charset="0"/>
-                            </a:rPr>
-                          </m:ctrlPr>
-                        </m:radPr>
-                        <m:deg/>
-                        <m:e>
-                          <m:f>
-                            <m:fPr>
-                              <m:ctrlPr>
-                                <a:rPr lang="ru-RU" sz="5600" i="1" kern="100">
-                                  <a:effectLst/>
-                                  <a:latin typeface="Cambria Math" panose="02040503050406030204" pitchFamily="18" charset="0"/>
-                                  <a:ea typeface="Times New Roman" panose="02020603050405020304" pitchFamily="18" charset="0"/>
-                                  <a:cs typeface="Times New Roman" panose="02020603050405020304" pitchFamily="18" charset="0"/>
-                                </a:rPr>
-                              </m:ctrlPr>
-                            </m:fPr>
-                            <m:num>
-                              <m:r>
-                                <a:rPr lang="en-US" sz="5600" i="1" kern="100">
-                                  <a:effectLst/>
-                                  <a:latin typeface="Cambria Math" panose="02040503050406030204" pitchFamily="18" charset="0"/>
-                                  <a:ea typeface="Times New Roman" panose="02020603050405020304" pitchFamily="18" charset="0"/>
-                                  <a:cs typeface="Times New Roman" panose="02020603050405020304" pitchFamily="18" charset="0"/>
-                                </a:rPr>
-                                <m:t>𝐺</m:t>
-                              </m:r>
-                              <m:r>
-                                <a:rPr lang="ru-RU" sz="5600" i="1" kern="100">
-                                  <a:effectLst/>
-                                  <a:latin typeface="Cambria Math" panose="02040503050406030204" pitchFamily="18" charset="0"/>
-                                  <a:ea typeface="Times New Roman" panose="02020603050405020304" pitchFamily="18" charset="0"/>
-                                  <a:cs typeface="Times New Roman" panose="02020603050405020304" pitchFamily="18" charset="0"/>
-                                </a:rPr>
-                                <m:t>𝑀</m:t>
-                              </m:r>
-                            </m:num>
-                            <m:den>
-                              <m:sSub>
-                                <m:sSubPr>
-                                  <m:ctrlPr>
-                                    <a:rPr lang="ru-RU" sz="5600" i="1" kern="100">
-                                      <a:effectLst/>
-                                      <a:latin typeface="Cambria Math" panose="02040503050406030204" pitchFamily="18" charset="0"/>
-                                      <a:ea typeface="Times New Roman" panose="02020603050405020304" pitchFamily="18" charset="0"/>
-                                      <a:cs typeface="Times New Roman" panose="02020603050405020304" pitchFamily="18" charset="0"/>
-                                    </a:rPr>
-                                  </m:ctrlPr>
-                                </m:sSubPr>
-                                <m:e>
-                                  <m:r>
-                                    <a:rPr lang="ru-RU" sz="5600" i="1" kern="100">
-                                      <a:effectLst/>
-                                      <a:latin typeface="Cambria Math" panose="02040503050406030204" pitchFamily="18" charset="0"/>
-                                      <a:ea typeface="Times New Roman" panose="02020603050405020304" pitchFamily="18" charset="0"/>
-                                      <a:cs typeface="Times New Roman" panose="02020603050405020304" pitchFamily="18" charset="0"/>
-                                    </a:rPr>
-                                    <m:t>𝑟</m:t>
-                                  </m:r>
-                                </m:e>
-                                <m:sub>
-                                  <m:r>
-                                    <a:rPr lang="ru-RU" sz="5600" i="1" kern="100">
-                                      <a:effectLst/>
-                                      <a:latin typeface="Cambria Math" panose="02040503050406030204" pitchFamily="18" charset="0"/>
-                                      <a:ea typeface="Times New Roman" panose="02020603050405020304" pitchFamily="18" charset="0"/>
-                                      <a:cs typeface="Times New Roman" panose="02020603050405020304" pitchFamily="18" charset="0"/>
-                                    </a:rPr>
-                                    <m:t>1</m:t>
-                                  </m:r>
-                                </m:sub>
-                              </m:sSub>
-                            </m:den>
-                          </m:f>
-                        </m:e>
-                      </m:rad>
-                      <m:r>
-                        <a:rPr lang="ru-RU" sz="5600" i="1" kern="100">
-                          <a:effectLst/>
-                          <a:latin typeface="Cambria Math" panose="02040503050406030204" pitchFamily="18" charset="0"/>
-                          <a:ea typeface="Times New Roman" panose="02020603050405020304" pitchFamily="18" charset="0"/>
-                          <a:cs typeface="Times New Roman" panose="02020603050405020304" pitchFamily="18" charset="0"/>
-                        </a:rPr>
-                        <m:t>⋅</m:t>
-                      </m:r>
-                      <m:f>
-                        <m:fPr>
-                          <m:ctrlPr>
-                            <a:rPr lang="ru-RU" sz="5600" i="1" kern="100">
-                              <a:effectLst/>
-                              <a:latin typeface="Cambria Math" panose="02040503050406030204" pitchFamily="18" charset="0"/>
-                              <a:ea typeface="Times New Roman" panose="02020603050405020304" pitchFamily="18" charset="0"/>
-                              <a:cs typeface="Times New Roman" panose="02020603050405020304" pitchFamily="18" charset="0"/>
                             </a:rPr>
                           </m:ctrlPr>
                         </m:fPr>
@@ -26000,398 +27404,127 @@
                           <m:sSub>
                             <m:sSubPr>
                               <m:ctrlPr>
-                                <a:rPr lang="ru-RU" sz="5600" i="1" kern="100">
-                                  <a:effectLst/>
+                                <a:rPr lang="en-US" sz="2000" i="1">
+                                  <a:ln w="0"/>
+                                  <a:solidFill>
+                                    <a:schemeClr val="tx1"/>
+                                  </a:solidFill>
+                                  <a:effectLst>
+                                    <a:outerShdw blurRad="38100" dist="19050" dir="2700000" algn="tl" rotWithShape="0">
+                                      <a:schemeClr val="dk1">
+                                        <a:alpha val="40000"/>
+                                      </a:schemeClr>
+                                    </a:outerShdw>
+                                  </a:effectLst>
                                   <a:latin typeface="Cambria Math" panose="02040503050406030204" pitchFamily="18" charset="0"/>
-                                  <a:ea typeface="Times New Roman" panose="02020603050405020304" pitchFamily="18" charset="0"/>
-                                  <a:cs typeface="Times New Roman" panose="02020603050405020304" pitchFamily="18" charset="0"/>
                                 </a:rPr>
                               </m:ctrlPr>
                             </m:sSubPr>
                             <m:e>
                               <m:r>
-                                <a:rPr lang="ru-RU" sz="5600" i="1" kern="100">
-                                  <a:effectLst/>
+                                <a:rPr lang="en-US" sz="2000" i="1">
+                                  <a:ln w="0"/>
+                                  <a:solidFill>
+                                    <a:schemeClr val="tx1"/>
+                                  </a:solidFill>
+                                  <a:effectLst>
+                                    <a:outerShdw blurRad="38100" dist="19050" dir="2700000" algn="tl" rotWithShape="0">
+                                      <a:schemeClr val="dk1">
+                                        <a:alpha val="40000"/>
+                                      </a:schemeClr>
+                                    </a:outerShdw>
+                                  </a:effectLst>
                                   <a:latin typeface="Cambria Math" panose="02040503050406030204" pitchFamily="18" charset="0"/>
-                                  <a:ea typeface="Times New Roman" panose="02020603050405020304" pitchFamily="18" charset="0"/>
-                                  <a:cs typeface="Times New Roman" panose="02020603050405020304" pitchFamily="18" charset="0"/>
                                 </a:rPr>
-                                <m:t>𝑟</m:t>
+                                <m:t>𝑚</m:t>
                               </m:r>
                             </m:e>
                             <m:sub>
                               <m:r>
-                                <a:rPr lang="ru-RU" sz="5600" i="1" kern="100">
-                                  <a:effectLst/>
+                                <a:rPr lang="en-US" sz="2000">
+                                  <a:ln w="0"/>
+                                  <a:solidFill>
+                                    <a:schemeClr val="tx1"/>
+                                  </a:solidFill>
+                                  <a:effectLst>
+                                    <a:outerShdw blurRad="38100" dist="19050" dir="2700000" algn="tl" rotWithShape="0">
+                                      <a:schemeClr val="dk1">
+                                        <a:alpha val="40000"/>
+                                      </a:schemeClr>
+                                    </a:outerShdw>
+                                  </a:effectLst>
                                   <a:latin typeface="Cambria Math" panose="02040503050406030204" pitchFamily="18" charset="0"/>
-                                  <a:ea typeface="Times New Roman" panose="02020603050405020304" pitchFamily="18" charset="0"/>
-                                  <a:cs typeface="Times New Roman" panose="02020603050405020304" pitchFamily="18" charset="0"/>
                                 </a:rPr>
-                                <m:t>2</m:t>
-                              </m:r>
-                            </m:sub>
-                          </m:sSub>
-                        </m:num>
-                        <m:den>
-                          <m:sSub>
-                            <m:sSubPr>
-                              <m:ctrlPr>
-                                <a:rPr lang="ru-RU" sz="5600" i="1" kern="100">
-                                  <a:effectLst/>
-                                  <a:latin typeface="Cambria Math" panose="02040503050406030204" pitchFamily="18" charset="0"/>
-                                  <a:ea typeface="Times New Roman" panose="02020603050405020304" pitchFamily="18" charset="0"/>
-                                  <a:cs typeface="Times New Roman" panose="02020603050405020304" pitchFamily="18" charset="0"/>
-                                </a:rPr>
-                              </m:ctrlPr>
-                            </m:sSubPr>
-                            <m:e>
-                              <m:r>
-                                <a:rPr lang="ru-RU" sz="5600" i="1" kern="100">
-                                  <a:effectLst/>
-                                  <a:latin typeface="Cambria Math" panose="02040503050406030204" pitchFamily="18" charset="0"/>
-                                  <a:ea typeface="Times New Roman" panose="02020603050405020304" pitchFamily="18" charset="0"/>
-                                  <a:cs typeface="Times New Roman" panose="02020603050405020304" pitchFamily="18" charset="0"/>
-                                </a:rPr>
-                                <m:t>𝑟</m:t>
-                              </m:r>
-                            </m:e>
-                            <m:sub>
-                              <m:r>
-                                <a:rPr lang="ru-RU" sz="5600" i="1" kern="100">
-                                  <a:effectLst/>
-                                  <a:latin typeface="Cambria Math" panose="02040503050406030204" pitchFamily="18" charset="0"/>
-                                  <a:ea typeface="Times New Roman" panose="02020603050405020304" pitchFamily="18" charset="0"/>
-                                  <a:cs typeface="Times New Roman" panose="02020603050405020304" pitchFamily="18" charset="0"/>
-                                </a:rPr>
-                                <m:t>1</m:t>
-                              </m:r>
-                            </m:sub>
-                          </m:sSub>
-                        </m:den>
-                      </m:f>
-                    </m:oMath>
-                  </m:oMathPara>
-                </a14:m>
-                <a:endParaRPr lang="ru-RU" sz="5600" kern="100" dirty="0">
-                  <a:effectLst/>
-                  <a:latin typeface="Calibri" panose="020F0502020204030204" pitchFamily="34" charset="0"/>
-                  <a:ea typeface="Calibri" panose="020F0502020204030204" pitchFamily="34" charset="0"/>
-                  <a:cs typeface="Times New Roman" panose="02020603050405020304" pitchFamily="18" charset="0"/>
-                </a:endParaRPr>
-              </a:p>
-              <a:p>
-                <a:pPr marL="69850" indent="0">
-                  <a:lnSpc>
-                    <a:spcPct val="120000"/>
-                  </a:lnSpc>
-                  <a:spcBef>
-                    <a:spcPts val="1200"/>
-                  </a:spcBef>
-                  <a:spcAft>
-                    <a:spcPts val="1200"/>
-                  </a:spcAft>
-                  <a:buNone/>
-                </a:pPr>
-                <a:r>
-                  <a:rPr lang="ru-RU" sz="5600" kern="100" dirty="0">
-                    <a:effectLst/>
-                    <a:latin typeface="Times New Roman" panose="02020603050405020304" pitchFamily="18" charset="0"/>
-                    <a:ea typeface="Times New Roman" panose="02020603050405020304" pitchFamily="18" charset="0"/>
-                    <a:cs typeface="Times New Roman" panose="02020603050405020304" pitchFamily="18" charset="0"/>
-                  </a:rPr>
-                  <a:t>Скорость вращения планеты не ее поверхности:</a:t>
-                </a:r>
-                <a:endParaRPr lang="ru-RU" sz="5600" kern="100" dirty="0">
-                  <a:effectLst/>
-                  <a:latin typeface="Calibri" panose="020F0502020204030204" pitchFamily="34" charset="0"/>
-                  <a:ea typeface="Calibri" panose="020F0502020204030204" pitchFamily="34" charset="0"/>
-                  <a:cs typeface="Times New Roman" panose="02020603050405020304" pitchFamily="18" charset="0"/>
-                </a:endParaRPr>
-              </a:p>
-              <a:p>
-                <a:pPr marL="69850" indent="0">
-                  <a:lnSpc>
-                    <a:spcPct val="120000"/>
-                  </a:lnSpc>
-                  <a:spcBef>
-                    <a:spcPts val="1200"/>
-                  </a:spcBef>
-                  <a:spcAft>
-                    <a:spcPts val="1200"/>
-                  </a:spcAft>
-                  <a:buNone/>
-                </a:pPr>
-                <a14:m>
-                  <m:oMathPara xmlns:m="http://schemas.openxmlformats.org/officeDocument/2006/math">
-                    <m:oMathParaPr>
-                      <m:jc m:val="centerGroup"/>
-                    </m:oMathParaPr>
-                    <m:oMath xmlns:m="http://schemas.openxmlformats.org/officeDocument/2006/math">
-                      <m:sSub>
-                        <m:sSubPr>
-                          <m:ctrlPr>
-                            <a:rPr lang="ru-RU" sz="5600" i="1" kern="100">
-                              <a:effectLst/>
-                              <a:latin typeface="Cambria Math" panose="02040503050406030204" pitchFamily="18" charset="0"/>
-                              <a:ea typeface="Times New Roman" panose="02020603050405020304" pitchFamily="18" charset="0"/>
-                              <a:cs typeface="Times New Roman" panose="02020603050405020304" pitchFamily="18" charset="0"/>
-                            </a:rPr>
-                          </m:ctrlPr>
-                        </m:sSubPr>
-                        <m:e>
-                          <m:r>
-                            <a:rPr lang="ru-RU" sz="5600" i="1" kern="100">
-                              <a:effectLst/>
-                              <a:latin typeface="Cambria Math" panose="02040503050406030204" pitchFamily="18" charset="0"/>
-                              <a:ea typeface="Times New Roman" panose="02020603050405020304" pitchFamily="18" charset="0"/>
-                              <a:cs typeface="Times New Roman" panose="02020603050405020304" pitchFamily="18" charset="0"/>
-                            </a:rPr>
-                            <m:t>𝑣</m:t>
-                          </m:r>
-                        </m:e>
-                        <m:sub>
-                          <m:r>
-                            <a:rPr lang="ru-RU" sz="5600" i="1" kern="100">
-                              <a:effectLst/>
-                              <a:latin typeface="Cambria Math" panose="02040503050406030204" pitchFamily="18" charset="0"/>
-                              <a:ea typeface="Times New Roman" panose="02020603050405020304" pitchFamily="18" charset="0"/>
-                              <a:cs typeface="Times New Roman" panose="02020603050405020304" pitchFamily="18" charset="0"/>
-                            </a:rPr>
-                            <m:t>𝐵𝑝</m:t>
-                          </m:r>
-                        </m:sub>
-                      </m:sSub>
-                      <m:r>
-                        <a:rPr lang="ru-RU" sz="5600" i="1" kern="100">
-                          <a:effectLst/>
-                          <a:latin typeface="Cambria Math" panose="02040503050406030204" pitchFamily="18" charset="0"/>
-                          <a:ea typeface="Times New Roman" panose="02020603050405020304" pitchFamily="18" charset="0"/>
-                          <a:cs typeface="Times New Roman" panose="02020603050405020304" pitchFamily="18" charset="0"/>
-                        </a:rPr>
-                        <m:t>=</m:t>
-                      </m:r>
-                      <m:f>
-                        <m:fPr>
-                          <m:ctrlPr>
-                            <a:rPr lang="ru-RU" sz="5600" i="1" kern="100">
-                              <a:effectLst/>
-                              <a:latin typeface="Cambria Math" panose="02040503050406030204" pitchFamily="18" charset="0"/>
-                              <a:ea typeface="Times New Roman" panose="02020603050405020304" pitchFamily="18" charset="0"/>
-                              <a:cs typeface="Times New Roman" panose="02020603050405020304" pitchFamily="18" charset="0"/>
-                            </a:rPr>
-                          </m:ctrlPr>
-                        </m:fPr>
-                        <m:num>
-                          <m:r>
-                            <a:rPr lang="ru-RU" sz="5600" i="1" kern="100">
-                              <a:effectLst/>
-                              <a:latin typeface="Cambria Math" panose="02040503050406030204" pitchFamily="18" charset="0"/>
-                              <a:ea typeface="Times New Roman" panose="02020603050405020304" pitchFamily="18" charset="0"/>
-                              <a:cs typeface="Times New Roman" panose="02020603050405020304" pitchFamily="18" charset="0"/>
-                            </a:rPr>
-                            <m:t>2⋅</m:t>
-                          </m:r>
-                          <m:r>
-                            <a:rPr lang="ru-RU" sz="5600" i="1" kern="100">
-                              <a:effectLst/>
-                              <a:latin typeface="Cambria Math" panose="02040503050406030204" pitchFamily="18" charset="0"/>
-                              <a:ea typeface="Times New Roman" panose="02020603050405020304" pitchFamily="18" charset="0"/>
-                              <a:cs typeface="Times New Roman" panose="02020603050405020304" pitchFamily="18" charset="0"/>
-                            </a:rPr>
-                            <m:t>𝜋</m:t>
-                          </m:r>
-                          <m:sSub>
-                            <m:sSubPr>
-                              <m:ctrlPr>
-                                <a:rPr lang="ru-RU" sz="5600" i="1" kern="100">
-                                  <a:effectLst/>
-                                  <a:latin typeface="Cambria Math" panose="02040503050406030204" pitchFamily="18" charset="0"/>
-                                  <a:ea typeface="Times New Roman" panose="02020603050405020304" pitchFamily="18" charset="0"/>
-                                  <a:cs typeface="Times New Roman" panose="02020603050405020304" pitchFamily="18" charset="0"/>
-                                </a:rPr>
-                              </m:ctrlPr>
-                            </m:sSubPr>
-                            <m:e>
-                              <m:r>
-                                <a:rPr lang="ru-RU" sz="5600" i="1" kern="100">
-                                  <a:effectLst/>
-                                  <a:latin typeface="Cambria Math" panose="02040503050406030204" pitchFamily="18" charset="0"/>
-                                  <a:ea typeface="Times New Roman" panose="02020603050405020304" pitchFamily="18" charset="0"/>
-                                  <a:cs typeface="Times New Roman" panose="02020603050405020304" pitchFamily="18" charset="0"/>
-                                </a:rPr>
-                                <m:t>𝑟</m:t>
-                              </m:r>
-                            </m:e>
-                            <m:sub>
-                              <m:r>
-                                <a:rPr lang="ru-RU" sz="5600" i="1" kern="100">
-                                  <a:effectLst/>
-                                  <a:latin typeface="Cambria Math" panose="02040503050406030204" pitchFamily="18" charset="0"/>
-                                  <a:ea typeface="Times New Roman" panose="02020603050405020304" pitchFamily="18" charset="0"/>
-                                  <a:cs typeface="Times New Roman" panose="02020603050405020304" pitchFamily="18" charset="0"/>
-                                </a:rPr>
-                                <m:t>пов</m:t>
+                                <m:t>0</m:t>
                               </m:r>
                             </m:sub>
                           </m:sSub>
                         </m:num>
                         <m:den>
                           <m:r>
-                            <a:rPr lang="ru-RU" sz="5600" i="1" kern="100">
-                              <a:effectLst/>
+                            <a:rPr lang="en-US" sz="2000" i="1">
+                              <a:ln w="0"/>
+                              <a:solidFill>
+                                <a:schemeClr val="tx1"/>
+                              </a:solidFill>
+                              <a:effectLst>
+                                <a:outerShdw blurRad="38100" dist="19050" dir="2700000" algn="tl" rotWithShape="0">
+                                  <a:schemeClr val="dk1">
+                                    <a:alpha val="40000"/>
+                                  </a:schemeClr>
+                                </a:outerShdw>
+                              </a:effectLst>
                               <a:latin typeface="Cambria Math" panose="02040503050406030204" pitchFamily="18" charset="0"/>
-                              <a:ea typeface="Times New Roman" panose="02020603050405020304" pitchFamily="18" charset="0"/>
-                              <a:cs typeface="Times New Roman" panose="02020603050405020304" pitchFamily="18" charset="0"/>
                             </a:rPr>
-                            <m:t>𝑇</m:t>
+                            <m:t>𝑚</m:t>
                           </m:r>
                         </m:den>
                       </m:f>
                     </m:oMath>
                   </m:oMathPara>
                 </a14:m>
-                <a:endParaRPr lang="ru-RU" sz="5600" kern="100" dirty="0">
-                  <a:effectLst/>
-                  <a:latin typeface="Calibri" panose="020F0502020204030204" pitchFamily="34" charset="0"/>
-                  <a:ea typeface="Calibri" panose="020F0502020204030204" pitchFamily="34" charset="0"/>
-                  <a:cs typeface="Times New Roman" panose="02020603050405020304" pitchFamily="18" charset="0"/>
+                <a:endParaRPr lang="en-US" sz="2000" dirty="0">
+                  <a:ln w="0"/>
+                  <a:solidFill>
+                    <a:schemeClr val="tx1"/>
+                  </a:solidFill>
+                  <a:effectLst>
+                    <a:outerShdw blurRad="38100" dist="19050" dir="2700000" algn="tl" rotWithShape="0">
+                      <a:schemeClr val="dk1">
+                        <a:alpha val="40000"/>
+                      </a:schemeClr>
+                    </a:outerShdw>
+                  </a:effectLst>
                 </a:endParaRPr>
-              </a:p>
-              <a:p>
-                <a:pPr marL="0" lvl="0" indent="0">
-                  <a:lnSpc>
-                    <a:spcPct val="120000"/>
-                  </a:lnSpc>
-                  <a:spcBef>
-                    <a:spcPts val="1200"/>
-                  </a:spcBef>
-                  <a:spcAft>
-                    <a:spcPts val="1200"/>
-                  </a:spcAft>
-                  <a:buNone/>
-                </a:pPr>
-                <a:endParaRPr lang="ru-RU" sz="5600" kern="100" dirty="0">
-                  <a:effectLst/>
-                  <a:latin typeface="Calibri" panose="020F0502020204030204" pitchFamily="34" charset="0"/>
-                  <a:ea typeface="Calibri" panose="020F0502020204030204" pitchFamily="34" charset="0"/>
-                  <a:cs typeface="Times New Roman" panose="02020603050405020304" pitchFamily="18" charset="0"/>
-                </a:endParaRPr>
-              </a:p>
-              <a:p>
-                <a:pPr marL="0" indent="0">
-                  <a:lnSpc>
-                    <a:spcPct val="115000"/>
-                  </a:lnSpc>
-                  <a:spcBef>
-                    <a:spcPts val="1200"/>
-                  </a:spcBef>
-                  <a:spcAft>
-                    <a:spcPts val="1200"/>
-                  </a:spcAft>
-                  <a:buNone/>
-                </a:pPr>
-                <a:endParaRPr lang="ru-RU" sz="1800" kern="100" dirty="0">
-                  <a:effectLst/>
-                  <a:latin typeface="Calibri" panose="020F0502020204030204" pitchFamily="34" charset="0"/>
-                  <a:ea typeface="Calibri" panose="020F0502020204030204" pitchFamily="34" charset="0"/>
-                  <a:cs typeface="Times New Roman" panose="02020603050405020304" pitchFamily="18" charset="0"/>
-                </a:endParaRPr>
-              </a:p>
-              <a:p>
-                <a:pPr marL="69850" indent="0">
-                  <a:lnSpc>
-                    <a:spcPct val="115000"/>
-                  </a:lnSpc>
-                  <a:spcBef>
-                    <a:spcPts val="1200"/>
-                  </a:spcBef>
-                  <a:spcAft>
-                    <a:spcPts val="1200"/>
-                  </a:spcAft>
-                  <a:buNone/>
-                </a:pPr>
-                <a:endParaRPr lang="ru-RU" sz="1800" kern="100" dirty="0">
-                  <a:effectLst/>
-                  <a:latin typeface="Calibri" panose="020F0502020204030204" pitchFamily="34" charset="0"/>
-                  <a:ea typeface="Calibri" panose="020F0502020204030204" pitchFamily="34" charset="0"/>
-                  <a:cs typeface="Times New Roman" panose="02020603050405020304" pitchFamily="18" charset="0"/>
-                </a:endParaRPr>
-              </a:p>
-              <a:p>
-                <a:pPr marL="457200">
-                  <a:lnSpc>
-                    <a:spcPct val="115000"/>
-                  </a:lnSpc>
-                  <a:spcBef>
-                    <a:spcPts val="1200"/>
-                  </a:spcBef>
-                  <a:spcAft>
-                    <a:spcPts val="1200"/>
-                  </a:spcAft>
-                </a:pPr>
-                <a:endParaRPr lang="ru-RU" sz="1800" kern="100" dirty="0">
-                  <a:effectLst/>
-                  <a:latin typeface="Calibri" panose="020F0502020204030204" pitchFamily="34" charset="0"/>
-                  <a:ea typeface="Calibri" panose="020F0502020204030204" pitchFamily="34" charset="0"/>
-                  <a:cs typeface="Times New Roman" panose="02020603050405020304" pitchFamily="18" charset="0"/>
-                </a:endParaRPr>
-              </a:p>
-              <a:p>
-                <a:pPr marL="69850" indent="0">
-                  <a:lnSpc>
-                    <a:spcPct val="115000"/>
-                  </a:lnSpc>
-                  <a:spcBef>
-                    <a:spcPts val="1200"/>
-                  </a:spcBef>
-                  <a:spcAft>
-                    <a:spcPts val="1200"/>
-                  </a:spcAft>
-                  <a:buNone/>
-                </a:pPr>
-                <a:endParaRPr lang="ru-RU" sz="3600" kern="100" dirty="0">
-                  <a:effectLst/>
-                  <a:latin typeface="Calibri" panose="020F0502020204030204" pitchFamily="34" charset="0"/>
-                  <a:ea typeface="Calibri" panose="020F0502020204030204" pitchFamily="34" charset="0"/>
-                  <a:cs typeface="Times New Roman" panose="02020603050405020304" pitchFamily="18" charset="0"/>
-                </a:endParaRPr>
-              </a:p>
-              <a:p>
-                <a:pPr marL="0" lvl="0" indent="0" algn="l" rtl="0">
-                  <a:spcBef>
-                    <a:spcPts val="0"/>
-                  </a:spcBef>
-                  <a:spcAft>
-                    <a:spcPts val="1600"/>
-                  </a:spcAft>
-                  <a:buNone/>
-                </a:pPr>
-                <a:endParaRPr dirty="0"/>
               </a:p>
             </p:txBody>
           </p:sp>
         </mc:Choice>
-        <mc:Fallback xmlns="">
+        <mc:Fallback>
           <p:sp>
             <p:nvSpPr>
-              <p:cNvPr id="565" name="Google Shape;565;p25"/>
-              <p:cNvSpPr txBox="1">
-                <a:spLocks noGrp="1" noRot="1" noChangeAspect="1" noMove="1" noResize="1" noEditPoints="1" noAdjustHandles="1" noChangeArrowheads="1" noChangeShapeType="1" noTextEdit="1"/>
+              <p:cNvPr id="7" name="Прямоугольник 6">
+                <a:extLst>
+                  <a:ext uri="{FF2B5EF4-FFF2-40B4-BE49-F238E27FC236}">
+                    <a16:creationId xmlns:a16="http://schemas.microsoft.com/office/drawing/2014/main" id="{A3CD5EBA-0EA4-4350-8664-4AD002CF389B}"/>
+                  </a:ext>
+                </a:extLst>
+              </p:cNvPr>
+              <p:cNvSpPr>
+                <a:spLocks noRot="1" noChangeAspect="1" noMove="1" noResize="1" noEditPoints="1" noAdjustHandles="1" noChangeArrowheads="1" noChangeShapeType="1" noTextEdit="1"/>
               </p:cNvSpPr>
-              <p:nvPr>
-                <p:ph type="body" idx="1"/>
-              </p:nvPr>
+              <p:nvPr/>
             </p:nvSpPr>
             <p:spPr>
               <a:xfrm>
-                <a:off x="0" y="1374733"/>
-                <a:ext cx="7767176" cy="4909781"/>
+                <a:off x="445515" y="1217630"/>
+                <a:ext cx="1934889" cy="619465"/>
               </a:xfrm>
               <a:prstGeom prst="rect">
                 <a:avLst/>
               </a:prstGeom>
               <a:blipFill>
-                <a:blip r:embed="rId3"/>
+                <a:blip r:embed="rId4"/>
                 <a:stretch>
                   <a:fillRect/>
                 </a:stretch>
@@ -26402,7 +27535,7 @@
               <a:lstStyle/>
               <a:p>
                 <a:r>
-                  <a:rPr lang="ru-RU">
+                  <a:rPr lang="en-US">
                     <a:noFill/>
                   </a:rPr>
                   <a:t> </a:t>
@@ -26412,377 +27545,456 @@
           </p:sp>
         </mc:Fallback>
       </mc:AlternateContent>
-      <mc:AlternateContent xmlns:mc="http://schemas.openxmlformats.org/markup-compatibility/2006" xmlns:a14="http://schemas.microsoft.com/office/drawing/2010/main">
-        <mc:Choice Requires="a14">
+      <mc:AlternateContent xmlns:mc="http://schemas.openxmlformats.org/markup-compatibility/2006">
+        <mc:Choice xmlns:a14="http://schemas.microsoft.com/office/drawing/2010/main" Requires="a14">
           <p:sp>
             <p:nvSpPr>
-              <p:cNvPr id="6" name="Google Shape;565;p25">
+              <p:cNvPr id="8" name="Прямоугольник 7">
                 <a:extLst>
                   <a:ext uri="{FF2B5EF4-FFF2-40B4-BE49-F238E27FC236}">
-                    <a16:creationId xmlns:a16="http://schemas.microsoft.com/office/drawing/2014/main" id="{C0437639-496A-172E-A49C-90521215B1DF}"/>
+                    <a16:creationId xmlns:a16="http://schemas.microsoft.com/office/drawing/2014/main" id="{33647658-5654-43BB-8052-C4E66EB8DEE9}"/>
                   </a:ext>
                 </a:extLst>
               </p:cNvPr>
-              <p:cNvSpPr txBox="1">
-                <a:spLocks/>
-              </p:cNvSpPr>
+              <p:cNvSpPr/>
               <p:nvPr/>
             </p:nvSpPr>
             <p:spPr>
               <a:xfrm>
-                <a:off x="4718137" y="1328181"/>
-                <a:ext cx="7767176" cy="4909781"/>
+                <a:off x="566797" y="2566204"/>
+                <a:ext cx="1692323" cy="879921"/>
               </a:xfrm>
               <a:prstGeom prst="rect">
                 <a:avLst/>
               </a:prstGeom>
-              <a:noFill/>
-              <a:ln>
-                <a:noFill/>
-              </a:ln>
             </p:spPr>
+            <p:style>
+              <a:lnRef idx="2">
+                <a:schemeClr val="dk1"/>
+              </a:lnRef>
+              <a:fillRef idx="1">
+                <a:schemeClr val="lt1"/>
+              </a:fillRef>
+              <a:effectRef idx="0">
+                <a:schemeClr val="dk1"/>
+              </a:effectRef>
+              <a:fontRef idx="minor">
+                <a:schemeClr val="dk1"/>
+              </a:fontRef>
+            </p:style>
             <p:txBody>
-              <a:bodyPr spcFirstLastPara="1" wrap="square" lIns="121900" tIns="121900" rIns="121900" bIns="121900" anchor="t" anchorCtr="0">
-                <a:normAutofit/>
+              <a:bodyPr wrap="none">
+                <a:spAutoFit/>
               </a:bodyPr>
-              <a:lstStyle>
-                <a:defPPr marR="0" lvl="0" algn="l" rtl="0">
-                  <a:lnSpc>
-                    <a:spcPct val="100000"/>
-                  </a:lnSpc>
-                  <a:spcBef>
-                    <a:spcPts val="0"/>
-                  </a:spcBef>
-                  <a:spcAft>
-                    <a:spcPts val="0"/>
-                  </a:spcAft>
-                </a:defPPr>
-                <a:lvl1pPr marL="457200" marR="0" lvl="0" indent="-387350" algn="l" rtl="0">
-                  <a:lnSpc>
-                    <a:spcPct val="115000"/>
-                  </a:lnSpc>
-                  <a:spcBef>
-                    <a:spcPts val="0"/>
-                  </a:spcBef>
-                  <a:spcAft>
-                    <a:spcPts val="0"/>
-                  </a:spcAft>
-                  <a:buClr>
-                    <a:schemeClr val="dk2"/>
-                  </a:buClr>
-                  <a:buSzPts val="2500"/>
-                  <a:buFont typeface="Didact Gothic"/>
-                  <a:buChar char="●"/>
-                  <a:defRPr sz="2500" b="0" i="0" u="none" strike="noStrike" cap="none">
-                    <a:solidFill>
-                      <a:schemeClr val="dk2"/>
-                    </a:solidFill>
-                    <a:latin typeface="Didact Gothic"/>
-                    <a:ea typeface="Didact Gothic"/>
-                    <a:cs typeface="Didact Gothic"/>
-                    <a:sym typeface="Didact Gothic"/>
-                  </a:defRPr>
-                </a:lvl1pPr>
-                <a:lvl2pPr marL="914400" marR="0" lvl="1" indent="-381000" algn="l" rtl="0">
-                  <a:lnSpc>
-                    <a:spcPct val="115000"/>
-                  </a:lnSpc>
-                  <a:spcBef>
-                    <a:spcPts val="0"/>
-                  </a:spcBef>
-                  <a:spcAft>
-                    <a:spcPts val="0"/>
-                  </a:spcAft>
-                  <a:buClr>
-                    <a:schemeClr val="dk2"/>
-                  </a:buClr>
-                  <a:buSzPts val="2400"/>
-                  <a:buFont typeface="Didact Gothic"/>
-                  <a:buChar char="○"/>
-                  <a:defRPr sz="2400" b="0" i="0" u="none" strike="noStrike" cap="none">
-                    <a:solidFill>
-                      <a:schemeClr val="dk2"/>
-                    </a:solidFill>
-                    <a:latin typeface="Didact Gothic"/>
-                    <a:ea typeface="Didact Gothic"/>
-                    <a:cs typeface="Didact Gothic"/>
-                    <a:sym typeface="Didact Gothic"/>
-                  </a:defRPr>
-                </a:lvl2pPr>
-                <a:lvl3pPr marL="1371600" marR="0" lvl="2" indent="-381000" algn="l" rtl="0">
-                  <a:lnSpc>
-                    <a:spcPct val="115000"/>
-                  </a:lnSpc>
-                  <a:spcBef>
-                    <a:spcPts val="0"/>
-                  </a:spcBef>
-                  <a:spcAft>
-                    <a:spcPts val="0"/>
-                  </a:spcAft>
-                  <a:buClr>
-                    <a:schemeClr val="dk2"/>
-                  </a:buClr>
-                  <a:buSzPts val="2400"/>
-                  <a:buFont typeface="Didact Gothic"/>
-                  <a:buChar char="■"/>
-                  <a:defRPr sz="2400" b="0" i="0" u="none" strike="noStrike" cap="none">
-                    <a:solidFill>
-                      <a:schemeClr val="dk2"/>
-                    </a:solidFill>
-                    <a:latin typeface="Didact Gothic"/>
-                    <a:ea typeface="Didact Gothic"/>
-                    <a:cs typeface="Didact Gothic"/>
-                    <a:sym typeface="Didact Gothic"/>
-                  </a:defRPr>
-                </a:lvl3pPr>
-                <a:lvl4pPr marL="1828800" marR="0" lvl="3" indent="-381000" algn="l" rtl="0">
-                  <a:lnSpc>
-                    <a:spcPct val="115000"/>
-                  </a:lnSpc>
-                  <a:spcBef>
-                    <a:spcPts val="0"/>
-                  </a:spcBef>
-                  <a:spcAft>
-                    <a:spcPts val="0"/>
-                  </a:spcAft>
-                  <a:buClr>
-                    <a:schemeClr val="dk2"/>
-                  </a:buClr>
-                  <a:buSzPts val="2400"/>
-                  <a:buFont typeface="Didact Gothic"/>
-                  <a:buChar char="●"/>
-                  <a:defRPr sz="2400" b="0" i="0" u="none" strike="noStrike" cap="none">
-                    <a:solidFill>
-                      <a:schemeClr val="dk2"/>
-                    </a:solidFill>
-                    <a:latin typeface="Didact Gothic"/>
-                    <a:ea typeface="Didact Gothic"/>
-                    <a:cs typeface="Didact Gothic"/>
-                    <a:sym typeface="Didact Gothic"/>
-                  </a:defRPr>
-                </a:lvl4pPr>
-                <a:lvl5pPr marL="2286000" marR="0" lvl="4" indent="-381000" algn="l" rtl="0">
-                  <a:lnSpc>
-                    <a:spcPct val="115000"/>
-                  </a:lnSpc>
-                  <a:spcBef>
-                    <a:spcPts val="0"/>
-                  </a:spcBef>
-                  <a:spcAft>
-                    <a:spcPts val="0"/>
-                  </a:spcAft>
-                  <a:buClr>
-                    <a:schemeClr val="dk2"/>
-                  </a:buClr>
-                  <a:buSzPts val="2400"/>
-                  <a:buFont typeface="Didact Gothic"/>
-                  <a:buChar char="○"/>
-                  <a:defRPr sz="2400" b="0" i="0" u="none" strike="noStrike" cap="none">
-                    <a:solidFill>
-                      <a:schemeClr val="dk2"/>
-                    </a:solidFill>
-                    <a:latin typeface="Didact Gothic"/>
-                    <a:ea typeface="Didact Gothic"/>
-                    <a:cs typeface="Didact Gothic"/>
-                    <a:sym typeface="Didact Gothic"/>
-                  </a:defRPr>
-                </a:lvl5pPr>
-                <a:lvl6pPr marL="2743200" marR="0" lvl="5" indent="-381000" algn="l" rtl="0">
-                  <a:lnSpc>
-                    <a:spcPct val="115000"/>
-                  </a:lnSpc>
-                  <a:spcBef>
-                    <a:spcPts val="0"/>
-                  </a:spcBef>
-                  <a:spcAft>
-                    <a:spcPts val="0"/>
-                  </a:spcAft>
-                  <a:buClr>
-                    <a:schemeClr val="dk2"/>
-                  </a:buClr>
-                  <a:buSzPts val="2400"/>
-                  <a:buFont typeface="Didact Gothic"/>
-                  <a:buChar char="■"/>
-                  <a:defRPr sz="2400" b="0" i="0" u="none" strike="noStrike" cap="none">
-                    <a:solidFill>
-                      <a:schemeClr val="dk2"/>
-                    </a:solidFill>
-                    <a:latin typeface="Didact Gothic"/>
-                    <a:ea typeface="Didact Gothic"/>
-                    <a:cs typeface="Didact Gothic"/>
-                    <a:sym typeface="Didact Gothic"/>
-                  </a:defRPr>
-                </a:lvl6pPr>
-                <a:lvl7pPr marL="3200400" marR="0" lvl="6" indent="-381000" algn="l" rtl="0">
-                  <a:lnSpc>
-                    <a:spcPct val="115000"/>
-                  </a:lnSpc>
-                  <a:spcBef>
-                    <a:spcPts val="0"/>
-                  </a:spcBef>
-                  <a:spcAft>
-                    <a:spcPts val="0"/>
-                  </a:spcAft>
-                  <a:buClr>
-                    <a:schemeClr val="dk2"/>
-                  </a:buClr>
-                  <a:buSzPts val="2400"/>
-                  <a:buFont typeface="Didact Gothic"/>
-                  <a:buChar char="●"/>
-                  <a:defRPr sz="2400" b="0" i="0" u="none" strike="noStrike" cap="none">
-                    <a:solidFill>
-                      <a:schemeClr val="dk2"/>
-                    </a:solidFill>
-                    <a:latin typeface="Didact Gothic"/>
-                    <a:ea typeface="Didact Gothic"/>
-                    <a:cs typeface="Didact Gothic"/>
-                    <a:sym typeface="Didact Gothic"/>
-                  </a:defRPr>
-                </a:lvl7pPr>
-                <a:lvl8pPr marL="3657600" marR="0" lvl="7" indent="-381000" algn="l" rtl="0">
-                  <a:lnSpc>
-                    <a:spcPct val="115000"/>
-                  </a:lnSpc>
-                  <a:spcBef>
-                    <a:spcPts val="0"/>
-                  </a:spcBef>
-                  <a:spcAft>
-                    <a:spcPts val="0"/>
-                  </a:spcAft>
-                  <a:buClr>
-                    <a:schemeClr val="dk2"/>
-                  </a:buClr>
-                  <a:buSzPts val="2400"/>
-                  <a:buFont typeface="Didact Gothic"/>
-                  <a:buChar char="○"/>
-                  <a:defRPr sz="2400" b="0" i="0" u="none" strike="noStrike" cap="none">
-                    <a:solidFill>
-                      <a:schemeClr val="dk2"/>
-                    </a:solidFill>
-                    <a:latin typeface="Didact Gothic"/>
-                    <a:ea typeface="Didact Gothic"/>
-                    <a:cs typeface="Didact Gothic"/>
-                    <a:sym typeface="Didact Gothic"/>
-                  </a:defRPr>
-                </a:lvl8pPr>
-                <a:lvl9pPr marL="4114800" marR="0" lvl="8" indent="-381000" algn="l" rtl="0">
-                  <a:lnSpc>
-                    <a:spcPct val="115000"/>
-                  </a:lnSpc>
-                  <a:spcBef>
-                    <a:spcPts val="0"/>
-                  </a:spcBef>
-                  <a:spcAft>
-                    <a:spcPts val="0"/>
-                  </a:spcAft>
-                  <a:buClr>
-                    <a:schemeClr val="dk2"/>
-                  </a:buClr>
-                  <a:buSzPts val="2400"/>
-                  <a:buFont typeface="Didact Gothic"/>
-                  <a:buChar char="■"/>
-                  <a:defRPr sz="2400" b="0" i="0" u="none" strike="noStrike" cap="none">
-                    <a:solidFill>
-                      <a:schemeClr val="dk2"/>
-                    </a:solidFill>
-                    <a:latin typeface="Didact Gothic"/>
-                    <a:ea typeface="Didact Gothic"/>
-                    <a:cs typeface="Didact Gothic"/>
-                    <a:sym typeface="Didact Gothic"/>
-                  </a:defRPr>
-                </a:lvl9pPr>
-              </a:lstStyle>
+              <a:lstStyle/>
               <a:p>
-                <a:pPr marL="0" indent="0">
-                  <a:lnSpc>
-                    <a:spcPct val="120000"/>
-                  </a:lnSpc>
-                  <a:spcBef>
-                    <a:spcPts val="1200"/>
-                  </a:spcBef>
-                  <a:spcAft>
-                    <a:spcPts val="1200"/>
-                  </a:spcAft>
-                  <a:buFont typeface="Didact Gothic"/>
-                  <a:buNone/>
-                </a:pPr>
-                <a:endParaRPr lang="ar-AE" sz="5600" kern="100" dirty="0">
-                  <a:latin typeface="Calibri" panose="020F0502020204030204" pitchFamily="34" charset="0"/>
-                  <a:ea typeface="Calibri" panose="020F0502020204030204" pitchFamily="34" charset="0"/>
-                  <a:cs typeface="Times New Roman" panose="02020603050405020304" pitchFamily="18" charset="0"/>
-                </a:endParaRPr>
-              </a:p>
-              <a:p>
-                <a:pPr marL="0" indent="0">
-                  <a:lnSpc>
-                    <a:spcPct val="120000"/>
-                  </a:lnSpc>
-                  <a:spcBef>
-                    <a:spcPts val="1200"/>
-                  </a:spcBef>
-                  <a:spcAft>
-                    <a:spcPts val="1200"/>
-                  </a:spcAft>
-                  <a:buFont typeface="Didact Gothic"/>
-                  <a:buNone/>
-                </a:pPr>
-                <a:r>
-                  <a:rPr lang="ru-RU" sz="1700" kern="100" dirty="0">
-                    <a:latin typeface="Times New Roman" panose="02020603050405020304" pitchFamily="18" charset="0"/>
-                    <a:ea typeface="Times New Roman" panose="02020603050405020304" pitchFamily="18" charset="0"/>
-                    <a:cs typeface="Times New Roman" panose="02020603050405020304" pitchFamily="18" charset="0"/>
-                  </a:rPr>
-                  <a:t>Уравнение Мещерского для взлета ракеты:</a:t>
-                </a:r>
-                <a:endParaRPr lang="ru-RU" sz="1700" kern="100" dirty="0">
-                  <a:latin typeface="Calibri" panose="020F0502020204030204" pitchFamily="34" charset="0"/>
-                  <a:ea typeface="Calibri" panose="020F0502020204030204" pitchFamily="34" charset="0"/>
-                  <a:cs typeface="Times New Roman" panose="02020603050405020304" pitchFamily="18" charset="0"/>
-                </a:endParaRPr>
-              </a:p>
-              <a:p>
-                <a:pPr marL="0" indent="0">
-                  <a:lnSpc>
-                    <a:spcPct val="120000"/>
-                  </a:lnSpc>
-                  <a:spcBef>
-                    <a:spcPts val="1200"/>
-                  </a:spcBef>
-                  <a:spcAft>
-                    <a:spcPts val="1200"/>
-                  </a:spcAft>
-                  <a:buFont typeface="Didact Gothic"/>
-                  <a:buNone/>
-                </a:pPr>
                 <a14:m>
                   <m:oMathPara xmlns:m="http://schemas.openxmlformats.org/officeDocument/2006/math">
                     <m:oMathParaPr>
                       <m:jc m:val="centerGroup"/>
                     </m:oMathParaPr>
                     <m:oMath xmlns:m="http://schemas.openxmlformats.org/officeDocument/2006/math">
+                      <m:f>
+                        <m:fPr>
+                          <m:ctrlPr>
+                            <a:rPr lang="en-US" sz="2000">
+                              <a:ln w="0"/>
+                              <a:solidFill>
+                                <a:schemeClr val="tx1"/>
+                              </a:solidFill>
+                              <a:effectLst>
+                                <a:outerShdw blurRad="38100" dist="19050" dir="2700000" algn="tl" rotWithShape="0">
+                                  <a:schemeClr val="dk1">
+                                    <a:alpha val="40000"/>
+                                  </a:schemeClr>
+                                </a:outerShdw>
+                              </a:effectLst>
+                              <a:latin typeface="Cambria Math" panose="02040503050406030204" pitchFamily="18" charset="0"/>
+                            </a:rPr>
+                          </m:ctrlPr>
+                        </m:fPr>
+                        <m:num>
+                          <m:r>
+                            <a:rPr lang="en-US" sz="2000" i="1">
+                              <a:ln w="0"/>
+                              <a:solidFill>
+                                <a:schemeClr val="tx1"/>
+                              </a:solidFill>
+                              <a:effectLst>
+                                <a:outerShdw blurRad="38100" dist="19050" dir="2700000" algn="tl" rotWithShape="0">
+                                  <a:schemeClr val="dk1">
+                                    <a:alpha val="40000"/>
+                                  </a:schemeClr>
+                                </a:outerShdw>
+                              </a:effectLst>
+                              <a:latin typeface="Cambria Math" panose="02040503050406030204" pitchFamily="18" charset="0"/>
+                            </a:rPr>
+                            <m:t>𝑑𝑣</m:t>
+                          </m:r>
+                        </m:num>
+                        <m:den>
+                          <m:r>
+                            <a:rPr lang="en-US" sz="2000" i="1">
+                              <a:ln w="0"/>
+                              <a:solidFill>
+                                <a:schemeClr val="tx1"/>
+                              </a:solidFill>
+                              <a:effectLst>
+                                <a:outerShdw blurRad="38100" dist="19050" dir="2700000" algn="tl" rotWithShape="0">
+                                  <a:schemeClr val="dk1">
+                                    <a:alpha val="40000"/>
+                                  </a:schemeClr>
+                                </a:outerShdw>
+                              </a:effectLst>
+                              <a:latin typeface="Cambria Math" panose="02040503050406030204" pitchFamily="18" charset="0"/>
+                            </a:rPr>
+                            <m:t>𝑑𝑡</m:t>
+                          </m:r>
+                        </m:den>
+                      </m:f>
                       <m:r>
-                        <a:rPr lang="ru-RU" sz="1700" i="1" kern="100">
+                        <a:rPr lang="en-US" sz="2000">
+                          <a:ln w="0"/>
+                          <a:solidFill>
+                            <a:schemeClr val="tx1"/>
+                          </a:solidFill>
+                          <a:effectLst>
+                            <a:outerShdw blurRad="38100" dist="19050" dir="2700000" algn="tl" rotWithShape="0">
+                              <a:schemeClr val="dk1">
+                                <a:alpha val="40000"/>
+                              </a:schemeClr>
+                            </a:outerShdw>
+                          </a:effectLst>
                           <a:latin typeface="Cambria Math" panose="02040503050406030204" pitchFamily="18" charset="0"/>
-                          <a:ea typeface="Times New Roman" panose="02020603050405020304" pitchFamily="18" charset="0"/>
-                          <a:cs typeface="Times New Roman" panose="02020603050405020304" pitchFamily="18" charset="0"/>
                         </a:rPr>
-                        <m:t>𝑚</m:t>
-                      </m:r>
-                      <m:r>
-                        <a:rPr lang="ru-RU" sz="1700" i="1" kern="100">
-                          <a:latin typeface="Cambria Math" panose="02040503050406030204" pitchFamily="18" charset="0"/>
-                          <a:ea typeface="Times New Roman" panose="02020603050405020304" pitchFamily="18" charset="0"/>
-                          <a:cs typeface="Times New Roman" panose="02020603050405020304" pitchFamily="18" charset="0"/>
-                        </a:rPr>
-                        <m:t>⋅</m:t>
+                        <m:t>=</m:t>
                       </m:r>
                       <m:f>
                         <m:fPr>
                           <m:ctrlPr>
-                            <a:rPr lang="ar-AE" sz="1700" i="1" kern="100">
+                            <a:rPr lang="en-US" sz="2000" i="1">
+                              <a:ln w="0"/>
+                              <a:solidFill>
+                                <a:schemeClr val="tx1"/>
+                              </a:solidFill>
+                              <a:effectLst>
+                                <a:outerShdw blurRad="38100" dist="19050" dir="2700000" algn="tl" rotWithShape="0">
+                                  <a:schemeClr val="dk1">
+                                    <a:alpha val="40000"/>
+                                  </a:schemeClr>
+                                </a:outerShdw>
+                              </a:effectLst>
                               <a:latin typeface="Cambria Math" panose="02040503050406030204" pitchFamily="18" charset="0"/>
-                              <a:ea typeface="Times New Roman" panose="02020603050405020304" pitchFamily="18" charset="0"/>
-                              <a:cs typeface="Times New Roman" panose="02020603050405020304" pitchFamily="18" charset="0"/>
+                            </a:rPr>
+                          </m:ctrlPr>
+                        </m:fPr>
+                        <m:num>
+                          <m:r>
+                            <a:rPr lang="en-US" sz="2000" i="1">
+                              <a:ln w="0"/>
+                              <a:solidFill>
+                                <a:schemeClr val="tx1"/>
+                              </a:solidFill>
+                              <a:effectLst>
+                                <a:outerShdw blurRad="38100" dist="19050" dir="2700000" algn="tl" rotWithShape="0">
+                                  <a:schemeClr val="dk1">
+                                    <a:alpha val="40000"/>
+                                  </a:schemeClr>
+                                </a:outerShdw>
+                              </a:effectLst>
+                              <a:latin typeface="Cambria Math" panose="02040503050406030204" pitchFamily="18" charset="0"/>
+                            </a:rPr>
+                            <m:t>𝑆</m:t>
+                          </m:r>
+                          <m:r>
+                            <a:rPr lang="en-US" sz="2000">
+                              <a:ln w="0"/>
+                              <a:solidFill>
+                                <a:schemeClr val="tx1"/>
+                              </a:solidFill>
+                              <a:effectLst>
+                                <a:outerShdw blurRad="38100" dist="19050" dir="2700000" algn="tl" rotWithShape="0">
+                                  <a:schemeClr val="dk1">
+                                    <a:alpha val="40000"/>
+                                  </a:schemeClr>
+                                </a:outerShdw>
+                              </a:effectLst>
+                              <a:latin typeface="Cambria Math" panose="02040503050406030204" pitchFamily="18" charset="0"/>
+                            </a:rPr>
+                            <m:t>×</m:t>
+                          </m:r>
+                          <m:f>
+                            <m:fPr>
+                              <m:ctrlPr>
+                                <a:rPr lang="en-US" sz="2000" i="1">
+                                  <a:ln w="0"/>
+                                  <a:solidFill>
+                                    <a:schemeClr val="tx1"/>
+                                  </a:solidFill>
+                                  <a:effectLst>
+                                    <a:outerShdw blurRad="38100" dist="19050" dir="2700000" algn="tl" rotWithShape="0">
+                                      <a:schemeClr val="dk1">
+                                        <a:alpha val="40000"/>
+                                      </a:schemeClr>
+                                    </a:outerShdw>
+                                  </a:effectLst>
+                                  <a:latin typeface="Cambria Math" panose="02040503050406030204" pitchFamily="18" charset="0"/>
+                                </a:rPr>
+                              </m:ctrlPr>
+                            </m:fPr>
+                            <m:num>
+                              <m:r>
+                                <a:rPr lang="en-US" sz="2000" i="1">
+                                  <a:ln w="0"/>
+                                  <a:solidFill>
+                                    <a:schemeClr val="tx1"/>
+                                  </a:solidFill>
+                                  <a:effectLst>
+                                    <a:outerShdw blurRad="38100" dist="19050" dir="2700000" algn="tl" rotWithShape="0">
+                                      <a:schemeClr val="dk1">
+                                        <a:alpha val="40000"/>
+                                      </a:schemeClr>
+                                    </a:outerShdw>
+                                  </a:effectLst>
+                                  <a:latin typeface="Cambria Math" panose="02040503050406030204" pitchFamily="18" charset="0"/>
+                                </a:rPr>
+                                <m:t>𝑑𝑚</m:t>
+                              </m:r>
+                            </m:num>
+                            <m:den>
+                              <m:r>
+                                <a:rPr lang="en-US" sz="2000" i="1">
+                                  <a:ln w="0"/>
+                                  <a:solidFill>
+                                    <a:schemeClr val="tx1"/>
+                                  </a:solidFill>
+                                  <a:effectLst>
+                                    <a:outerShdw blurRad="38100" dist="19050" dir="2700000" algn="tl" rotWithShape="0">
+                                      <a:schemeClr val="dk1">
+                                        <a:alpha val="40000"/>
+                                      </a:schemeClr>
+                                    </a:outerShdw>
+                                  </a:effectLst>
+                                  <a:latin typeface="Cambria Math" panose="02040503050406030204" pitchFamily="18" charset="0"/>
+                                </a:rPr>
+                                <m:t>𝑑𝑡</m:t>
+                              </m:r>
+                            </m:den>
+                          </m:f>
+                        </m:num>
+                        <m:den>
+                          <m:r>
+                            <a:rPr lang="en-US" sz="2000" i="1">
+                              <a:ln w="0"/>
+                              <a:solidFill>
+                                <a:schemeClr val="tx1"/>
+                              </a:solidFill>
+                              <a:effectLst>
+                                <a:outerShdw blurRad="38100" dist="19050" dir="2700000" algn="tl" rotWithShape="0">
+                                  <a:schemeClr val="dk1">
+                                    <a:alpha val="40000"/>
+                                  </a:schemeClr>
+                                </a:outerShdw>
+                              </a:effectLst>
+                              <a:latin typeface="Cambria Math" panose="02040503050406030204" pitchFamily="18" charset="0"/>
+                            </a:rPr>
+                            <m:t>𝑚</m:t>
+                          </m:r>
+                        </m:den>
+                      </m:f>
+                    </m:oMath>
+                  </m:oMathPara>
+                </a14:m>
+                <a:endParaRPr lang="en-US" sz="2000" dirty="0"/>
+              </a:p>
+            </p:txBody>
+          </p:sp>
+        </mc:Choice>
+        <mc:Fallback>
+          <p:sp>
+            <p:nvSpPr>
+              <p:cNvPr id="8" name="Прямоугольник 7">
+                <a:extLst>
+                  <a:ext uri="{FF2B5EF4-FFF2-40B4-BE49-F238E27FC236}">
+                    <a16:creationId xmlns:a16="http://schemas.microsoft.com/office/drawing/2014/main" id="{33647658-5654-43BB-8052-C4E66EB8DEE9}"/>
+                  </a:ext>
+                </a:extLst>
+              </p:cNvPr>
+              <p:cNvSpPr>
+                <a:spLocks noRot="1" noChangeAspect="1" noMove="1" noResize="1" noEditPoints="1" noAdjustHandles="1" noChangeArrowheads="1" noChangeShapeType="1" noTextEdit="1"/>
+              </p:cNvSpPr>
+              <p:nvPr/>
+            </p:nvSpPr>
+            <p:spPr>
+              <a:xfrm>
+                <a:off x="566797" y="2566204"/>
+                <a:ext cx="1692323" cy="879921"/>
+              </a:xfrm>
+              <a:prstGeom prst="rect">
+                <a:avLst/>
+              </a:prstGeom>
+              <a:blipFill>
+                <a:blip r:embed="rId5"/>
+                <a:stretch>
+                  <a:fillRect/>
+                </a:stretch>
+              </a:blipFill>
+            </p:spPr>
+            <p:txBody>
+              <a:bodyPr/>
+              <a:lstStyle/>
+              <a:p>
+                <a:r>
+                  <a:rPr lang="en-US">
+                    <a:noFill/>
+                  </a:rPr>
+                  <a:t> </a:t>
+                </a:r>
+              </a:p>
+            </p:txBody>
+          </p:sp>
+        </mc:Fallback>
+      </mc:AlternateContent>
+      <mc:AlternateContent xmlns:mc="http://schemas.openxmlformats.org/markup-compatibility/2006">
+        <mc:Choice xmlns:a14="http://schemas.microsoft.com/office/drawing/2010/main" Requires="a14">
+          <p:sp>
+            <p:nvSpPr>
+              <p:cNvPr id="9" name="Прямоугольник 8">
+                <a:extLst>
+                  <a:ext uri="{FF2B5EF4-FFF2-40B4-BE49-F238E27FC236}">
+                    <a16:creationId xmlns:a16="http://schemas.microsoft.com/office/drawing/2014/main" id="{69A9192A-005F-4E28-B284-E57E6FCE7315}"/>
+                  </a:ext>
+                </a:extLst>
+              </p:cNvPr>
+              <p:cNvSpPr/>
+              <p:nvPr/>
+            </p:nvSpPr>
+            <p:spPr>
+              <a:xfrm>
+                <a:off x="2773842" y="1162903"/>
+                <a:ext cx="1537280" cy="728917"/>
+              </a:xfrm>
+              <a:prstGeom prst="rect">
+                <a:avLst/>
+              </a:prstGeom>
+            </p:spPr>
+            <p:style>
+              <a:lnRef idx="2">
+                <a:schemeClr val="dk1"/>
+              </a:lnRef>
+              <a:fillRef idx="1">
+                <a:schemeClr val="lt1"/>
+              </a:fillRef>
+              <a:effectRef idx="0">
+                <a:schemeClr val="dk1"/>
+              </a:effectRef>
+              <a:fontRef idx="minor">
+                <a:schemeClr val="dk1"/>
+              </a:fontRef>
+            </p:style>
+            <p:txBody>
+              <a:bodyPr wrap="none">
+                <a:spAutoFit/>
+              </a:bodyPr>
+              <a:lstStyle/>
+              <a:p>
+                <a14:m>
+                  <m:oMathPara xmlns:m="http://schemas.openxmlformats.org/officeDocument/2006/math">
+                    <m:oMathParaPr>
+                      <m:jc m:val="centerGroup"/>
+                    </m:oMathParaPr>
+                    <m:oMath xmlns:m="http://schemas.openxmlformats.org/officeDocument/2006/math">
+                      <m:f>
+                        <m:fPr>
+                          <m:ctrlPr>
+                            <a:rPr lang="en-US" sz="2000">
+                              <a:ln w="0"/>
+                              <a:solidFill>
+                                <a:schemeClr val="tx1"/>
+                              </a:solidFill>
+                              <a:effectLst>
+                                <a:outerShdw blurRad="38100" dist="19050" dir="2700000" algn="tl" rotWithShape="0">
+                                  <a:schemeClr val="dk1">
+                                    <a:alpha val="40000"/>
+                                  </a:schemeClr>
+                                </a:outerShdw>
+                              </a:effectLst>
+                              <a:latin typeface="Cambria Math" panose="02040503050406030204" pitchFamily="18" charset="0"/>
+                            </a:rPr>
+                          </m:ctrlPr>
+                        </m:fPr>
+                        <m:num>
+                          <m:r>
+                            <a:rPr lang="en-US" sz="2000" i="1">
+                              <a:ln w="0"/>
+                              <a:solidFill>
+                                <a:schemeClr val="tx1"/>
+                              </a:solidFill>
+                              <a:effectLst>
+                                <a:outerShdw blurRad="38100" dist="19050" dir="2700000" algn="tl" rotWithShape="0">
+                                  <a:schemeClr val="dk1">
+                                    <a:alpha val="40000"/>
+                                  </a:schemeClr>
+                                </a:outerShdw>
+                              </a:effectLst>
+                              <a:latin typeface="Cambria Math" panose="02040503050406030204" pitchFamily="18" charset="0"/>
+                            </a:rPr>
+                            <m:t>𝑑𝑚</m:t>
+                          </m:r>
+                        </m:num>
+                        <m:den>
+                          <m:r>
+                            <a:rPr lang="en-US" sz="2000" i="1">
+                              <a:ln w="0"/>
+                              <a:solidFill>
+                                <a:schemeClr val="tx1"/>
+                              </a:solidFill>
+                              <a:effectLst>
+                                <a:outerShdw blurRad="38100" dist="19050" dir="2700000" algn="tl" rotWithShape="0">
+                                  <a:schemeClr val="dk1">
+                                    <a:alpha val="40000"/>
+                                  </a:schemeClr>
+                                </a:outerShdw>
+                              </a:effectLst>
+                              <a:latin typeface="Cambria Math" panose="02040503050406030204" pitchFamily="18" charset="0"/>
+                            </a:rPr>
+                            <m:t>𝑑𝑡</m:t>
+                          </m:r>
+                        </m:den>
+                      </m:f>
+                      <m:r>
+                        <a:rPr lang="en-US" sz="2000">
+                          <a:ln w="0"/>
+                          <a:solidFill>
+                            <a:schemeClr val="tx1"/>
+                          </a:solidFill>
+                          <a:effectLst>
+                            <a:outerShdw blurRad="38100" dist="19050" dir="2700000" algn="tl" rotWithShape="0">
+                              <a:schemeClr val="dk1">
+                                <a:alpha val="40000"/>
+                              </a:schemeClr>
+                            </a:outerShdw>
+                          </a:effectLst>
+                          <a:latin typeface="Cambria Math" panose="02040503050406030204" pitchFamily="18" charset="0"/>
+                        </a:rPr>
+                        <m:t>=−</m:t>
+                      </m:r>
+                      <m:f>
+                        <m:fPr>
+                          <m:ctrlPr>
+                            <a:rPr lang="en-US" sz="2000" i="1">
+                              <a:ln w="0"/>
+                              <a:solidFill>
+                                <a:schemeClr val="tx1"/>
+                              </a:solidFill>
+                              <a:effectLst>
+                                <a:outerShdw blurRad="38100" dist="19050" dir="2700000" algn="tl" rotWithShape="0">
+                                  <a:schemeClr val="dk1">
+                                    <a:alpha val="40000"/>
+                                  </a:schemeClr>
+                                </a:outerShdw>
+                              </a:effectLst>
+                              <a:latin typeface="Cambria Math" panose="02040503050406030204" pitchFamily="18" charset="0"/>
                             </a:rPr>
                           </m:ctrlPr>
                         </m:fPr>
@@ -26790,31 +28002,58 @@
                           <m:sSub>
                             <m:sSubPr>
                               <m:ctrlPr>
-                                <a:rPr lang="ar-AE" sz="1700" i="1" kern="100">
+                                <a:rPr lang="en-US" sz="2000" i="1">
+                                  <a:ln w="0"/>
+                                  <a:solidFill>
+                                    <a:schemeClr val="tx1"/>
+                                  </a:solidFill>
+                                  <a:effectLst>
+                                    <a:outerShdw blurRad="38100" dist="19050" dir="2700000" algn="tl" rotWithShape="0">
+                                      <a:schemeClr val="dk1">
+                                        <a:alpha val="40000"/>
+                                      </a:schemeClr>
+                                    </a:outerShdw>
+                                  </a:effectLst>
                                   <a:latin typeface="Cambria Math" panose="02040503050406030204" pitchFamily="18" charset="0"/>
-                                  <a:ea typeface="Times New Roman" panose="02020603050405020304" pitchFamily="18" charset="0"/>
-                                  <a:cs typeface="Times New Roman" panose="02020603050405020304" pitchFamily="18" charset="0"/>
                                 </a:rPr>
                               </m:ctrlPr>
                             </m:sSubPr>
                             <m:e>
                               <m:r>
-                                <a:rPr lang="ar-AE" sz="1700" i="1" kern="100">
+                                <a:rPr lang="en-US" sz="2000" i="1">
+                                  <a:ln w="0"/>
+                                  <a:solidFill>
+                                    <a:schemeClr val="tx1"/>
+                                  </a:solidFill>
+                                  <a:effectLst>
+                                    <a:outerShdw blurRad="38100" dist="19050" dir="2700000" algn="tl" rotWithShape="0">
+                                      <a:schemeClr val="dk1">
+                                        <a:alpha val="40000"/>
+                                      </a:schemeClr>
+                                    </a:outerShdw>
+                                  </a:effectLst>
                                   <a:latin typeface="Cambria Math" panose="02040503050406030204" pitchFamily="18" charset="0"/>
-                                  <a:ea typeface="Times New Roman" panose="02020603050405020304" pitchFamily="18" charset="0"/>
-                                  <a:cs typeface="Times New Roman" panose="02020603050405020304" pitchFamily="18" charset="0"/>
                                 </a:rPr>
-                                <m:t>ⅆ</m:t>
+                                <m:t>𝑀</m:t>
                               </m:r>
                             </m:e>
                             <m:sub>
                               <m:r>
-                                <a:rPr lang="ar-AE" sz="1700" i="1" kern="100">
+                                <a:rPr lang="en-US" sz="2000" i="1">
+                                  <a:ln w="0"/>
+                                  <a:solidFill>
+                                    <a:schemeClr val="tx1"/>
+                                  </a:solidFill>
+                                  <a:effectLst>
+                                    <a:outerShdw blurRad="38100" dist="19050" dir="2700000" algn="tl" rotWithShape="0">
+                                      <a:schemeClr val="dk1">
+                                        <a:alpha val="40000"/>
+                                      </a:schemeClr>
+                                    </a:outerShdw>
+                                  </a:effectLst>
                                   <a:latin typeface="Cambria Math" panose="02040503050406030204" pitchFamily="18" charset="0"/>
-                                  <a:ea typeface="Times New Roman" panose="02020603050405020304" pitchFamily="18" charset="0"/>
-                                  <a:cs typeface="Times New Roman" panose="02020603050405020304" pitchFamily="18" charset="0"/>
                                 </a:rPr>
-                                <m:t>𝑛</m:t>
+                                <m:t>𝑇</m:t>
                               </m:r>
                             </m:sub>
                           </m:sSub>
@@ -26823,358 +28062,636 @@
                           <m:sSub>
                             <m:sSubPr>
                               <m:ctrlPr>
-                                <a:rPr lang="ar-AE" sz="1700" i="1" kern="100">
+                                <a:rPr lang="en-US" sz="2000" i="1">
+                                  <a:ln w="0"/>
+                                  <a:solidFill>
+                                    <a:schemeClr val="tx1"/>
+                                  </a:solidFill>
+                                  <a:effectLst>
+                                    <a:outerShdw blurRad="38100" dist="19050" dir="2700000" algn="tl" rotWithShape="0">
+                                      <a:schemeClr val="dk1">
+                                        <a:alpha val="40000"/>
+                                      </a:schemeClr>
+                                    </a:outerShdw>
+                                  </a:effectLst>
                                   <a:latin typeface="Cambria Math" panose="02040503050406030204" pitchFamily="18" charset="0"/>
-                                  <a:ea typeface="Times New Roman" panose="02020603050405020304" pitchFamily="18" charset="0"/>
-                                  <a:cs typeface="Times New Roman" panose="02020603050405020304" pitchFamily="18" charset="0"/>
                                 </a:rPr>
                               </m:ctrlPr>
                             </m:sSubPr>
                             <m:e>
                               <m:r>
-                                <a:rPr lang="ar-AE" sz="1700" i="1" kern="100">
+                                <a:rPr lang="en-US" sz="2000" i="1">
+                                  <a:ln w="0"/>
+                                  <a:solidFill>
+                                    <a:schemeClr val="tx1"/>
+                                  </a:solidFill>
+                                  <a:effectLst>
+                                    <a:outerShdw blurRad="38100" dist="19050" dir="2700000" algn="tl" rotWithShape="0">
+                                      <a:schemeClr val="dk1">
+                                        <a:alpha val="40000"/>
+                                      </a:schemeClr>
+                                    </a:outerShdw>
+                                  </a:effectLst>
                                   <a:latin typeface="Cambria Math" panose="02040503050406030204" pitchFamily="18" charset="0"/>
-                                  <a:ea typeface="Times New Roman" panose="02020603050405020304" pitchFamily="18" charset="0"/>
-                                  <a:cs typeface="Times New Roman" panose="02020603050405020304" pitchFamily="18" charset="0"/>
                                 </a:rPr>
-                                <m:t>ⅆ</m:t>
+                                <m:t>𝑡</m:t>
                               </m:r>
                             </m:e>
                             <m:sub>
                               <m:r>
-                                <a:rPr lang="ar-AE" sz="1700" i="1" kern="100">
+                                <a:rPr lang="en-US" sz="2000">
+                                  <a:ln w="0"/>
+                                  <a:solidFill>
+                                    <a:schemeClr val="tx1"/>
+                                  </a:solidFill>
+                                  <a:effectLst>
+                                    <a:outerShdw blurRad="38100" dist="19050" dir="2700000" algn="tl" rotWithShape="0">
+                                      <a:schemeClr val="dk1">
+                                        <a:alpha val="40000"/>
+                                      </a:schemeClr>
+                                    </a:outerShdw>
+                                  </a:effectLst>
                                   <a:latin typeface="Cambria Math" panose="02040503050406030204" pitchFamily="18" charset="0"/>
-                                  <a:ea typeface="Times New Roman" panose="02020603050405020304" pitchFamily="18" charset="0"/>
-                                  <a:cs typeface="Times New Roman" panose="02020603050405020304" pitchFamily="18" charset="0"/>
+                                </a:rPr>
+                                <m:t>0</m:t>
+                              </m:r>
+                            </m:sub>
+                          </m:sSub>
+                        </m:den>
+                      </m:f>
+                    </m:oMath>
+                  </m:oMathPara>
+                </a14:m>
+                <a:endParaRPr lang="en-US" sz="2000" dirty="0"/>
+              </a:p>
+            </p:txBody>
+          </p:sp>
+        </mc:Choice>
+        <mc:Fallback>
+          <p:sp>
+            <p:nvSpPr>
+              <p:cNvPr id="9" name="Прямоугольник 8">
+                <a:extLst>
+                  <a:ext uri="{FF2B5EF4-FFF2-40B4-BE49-F238E27FC236}">
+                    <a16:creationId xmlns:a16="http://schemas.microsoft.com/office/drawing/2014/main" id="{69A9192A-005F-4E28-B284-E57E6FCE7315}"/>
+                  </a:ext>
+                </a:extLst>
+              </p:cNvPr>
+              <p:cNvSpPr>
+                <a:spLocks noRot="1" noChangeAspect="1" noMove="1" noResize="1" noEditPoints="1" noAdjustHandles="1" noChangeArrowheads="1" noChangeShapeType="1" noTextEdit="1"/>
+              </p:cNvSpPr>
+              <p:nvPr/>
+            </p:nvSpPr>
+            <p:spPr>
+              <a:xfrm>
+                <a:off x="2773842" y="1162903"/>
+                <a:ext cx="1537280" cy="728917"/>
+              </a:xfrm>
+              <a:prstGeom prst="rect">
+                <a:avLst/>
+              </a:prstGeom>
+              <a:blipFill>
+                <a:blip r:embed="rId6"/>
+                <a:stretch>
+                  <a:fillRect/>
+                </a:stretch>
+              </a:blipFill>
+            </p:spPr>
+            <p:txBody>
+              <a:bodyPr/>
+              <a:lstStyle/>
+              <a:p>
+                <a:r>
+                  <a:rPr lang="en-US">
+                    <a:noFill/>
+                  </a:rPr>
+                  <a:t> </a:t>
+                </a:r>
+              </a:p>
+            </p:txBody>
+          </p:sp>
+        </mc:Fallback>
+      </mc:AlternateContent>
+      <mc:AlternateContent xmlns:mc="http://schemas.openxmlformats.org/markup-compatibility/2006">
+        <mc:Choice xmlns:a14="http://schemas.microsoft.com/office/drawing/2010/main" Requires="a14">
+          <p:sp>
+            <p:nvSpPr>
+              <p:cNvPr id="10" name="Прямоугольник 9">
+                <a:extLst>
+                  <a:ext uri="{FF2B5EF4-FFF2-40B4-BE49-F238E27FC236}">
+                    <a16:creationId xmlns:a16="http://schemas.microsoft.com/office/drawing/2014/main" id="{894F05EE-963E-4434-AE2F-3E2BDCA850EE}"/>
+                  </a:ext>
+                </a:extLst>
+              </p:cNvPr>
+              <p:cNvSpPr/>
+              <p:nvPr/>
+            </p:nvSpPr>
+            <p:spPr>
+              <a:xfrm>
+                <a:off x="2724291" y="2675023"/>
+                <a:ext cx="2551019" cy="720775"/>
+              </a:xfrm>
+              <a:prstGeom prst="rect">
+                <a:avLst/>
+              </a:prstGeom>
+            </p:spPr>
+            <p:style>
+              <a:lnRef idx="2">
+                <a:schemeClr val="dk1"/>
+              </a:lnRef>
+              <a:fillRef idx="1">
+                <a:schemeClr val="lt1"/>
+              </a:fillRef>
+              <a:effectRef idx="0">
+                <a:schemeClr val="dk1"/>
+              </a:effectRef>
+              <a:fontRef idx="minor">
+                <a:schemeClr val="dk1"/>
+              </a:fontRef>
+            </p:style>
+            <p:txBody>
+              <a:bodyPr wrap="none">
+                <a:spAutoFit/>
+              </a:bodyPr>
+              <a:lstStyle/>
+              <a:p>
+                <a14:m>
+                  <m:oMathPara xmlns:m="http://schemas.openxmlformats.org/officeDocument/2006/math">
+                    <m:oMathParaPr>
+                      <m:jc m:val="centerGroup"/>
+                    </m:oMathParaPr>
+                    <m:oMath xmlns:m="http://schemas.openxmlformats.org/officeDocument/2006/math">
+                      <m:r>
+                        <a:rPr lang="en-US" sz="2000" i="1">
+                          <a:ln w="0"/>
+                          <a:solidFill>
+                            <a:schemeClr val="tx1"/>
+                          </a:solidFill>
+                          <a:effectLst>
+                            <a:outerShdw blurRad="38100" dist="19050" dir="2700000" algn="tl" rotWithShape="0">
+                              <a:schemeClr val="dk1">
+                                <a:alpha val="40000"/>
+                              </a:schemeClr>
+                            </a:outerShdw>
+                          </a:effectLst>
+                          <a:latin typeface="Cambria Math" panose="02040503050406030204" pitchFamily="18" charset="0"/>
+                        </a:rPr>
+                        <m:t>𝑚</m:t>
+                      </m:r>
+                      <m:d>
+                        <m:dPr>
+                          <m:ctrlPr>
+                            <a:rPr lang="en-US" sz="2000" i="1">
+                              <a:ln w="0"/>
+                              <a:solidFill>
+                                <a:schemeClr val="tx1"/>
+                              </a:solidFill>
+                              <a:effectLst>
+                                <a:outerShdw blurRad="38100" dist="19050" dir="2700000" algn="tl" rotWithShape="0">
+                                  <a:schemeClr val="dk1">
+                                    <a:alpha val="40000"/>
+                                  </a:schemeClr>
+                                </a:outerShdw>
+                              </a:effectLst>
+                              <a:latin typeface="Cambria Math" panose="02040503050406030204" pitchFamily="18" charset="0"/>
+                            </a:rPr>
+                          </m:ctrlPr>
+                        </m:dPr>
+                        <m:e>
+                          <m:r>
+                            <a:rPr lang="en-US" sz="2000" i="1">
+                              <a:ln w="0"/>
+                              <a:solidFill>
+                                <a:schemeClr val="tx1"/>
+                              </a:solidFill>
+                              <a:effectLst>
+                                <a:outerShdw blurRad="38100" dist="19050" dir="2700000" algn="tl" rotWithShape="0">
+                                  <a:schemeClr val="dk1">
+                                    <a:alpha val="40000"/>
+                                  </a:schemeClr>
+                                </a:outerShdw>
+                              </a:effectLst>
+                              <a:latin typeface="Cambria Math" panose="02040503050406030204" pitchFamily="18" charset="0"/>
+                            </a:rPr>
+                            <m:t>𝑡</m:t>
+                          </m:r>
+                        </m:e>
+                      </m:d>
+                      <m:r>
+                        <a:rPr lang="en-US" sz="2000">
+                          <a:ln w="0"/>
+                          <a:solidFill>
+                            <a:schemeClr val="tx1"/>
+                          </a:solidFill>
+                          <a:effectLst>
+                            <a:outerShdw blurRad="38100" dist="19050" dir="2700000" algn="tl" rotWithShape="0">
+                              <a:schemeClr val="dk1">
+                                <a:alpha val="40000"/>
+                              </a:schemeClr>
+                            </a:outerShdw>
+                          </a:effectLst>
+                          <a:latin typeface="Cambria Math" panose="02040503050406030204" pitchFamily="18" charset="0"/>
+                        </a:rPr>
+                        <m:t>=</m:t>
+                      </m:r>
+                      <m:sSub>
+                        <m:sSubPr>
+                          <m:ctrlPr>
+                            <a:rPr lang="en-US" sz="2000" i="1">
+                              <a:ln w="0"/>
+                              <a:solidFill>
+                                <a:schemeClr val="tx1"/>
+                              </a:solidFill>
+                              <a:effectLst>
+                                <a:outerShdw blurRad="38100" dist="19050" dir="2700000" algn="tl" rotWithShape="0">
+                                  <a:schemeClr val="dk1">
+                                    <a:alpha val="40000"/>
+                                  </a:schemeClr>
+                                </a:outerShdw>
+                              </a:effectLst>
+                              <a:latin typeface="Cambria Math" panose="02040503050406030204" pitchFamily="18" charset="0"/>
+                            </a:rPr>
+                          </m:ctrlPr>
+                        </m:sSubPr>
+                        <m:e>
+                          <m:r>
+                            <a:rPr lang="en-US" sz="2000" i="1">
+                              <a:ln w="0"/>
+                              <a:solidFill>
+                                <a:schemeClr val="tx1"/>
+                              </a:solidFill>
+                              <a:effectLst>
+                                <a:outerShdw blurRad="38100" dist="19050" dir="2700000" algn="tl" rotWithShape="0">
+                                  <a:schemeClr val="dk1">
+                                    <a:alpha val="40000"/>
+                                  </a:schemeClr>
+                                </a:outerShdw>
+                              </a:effectLst>
+                              <a:latin typeface="Cambria Math" panose="02040503050406030204" pitchFamily="18" charset="0"/>
+                            </a:rPr>
+                            <m:t>𝑀</m:t>
+                          </m:r>
+                        </m:e>
+                        <m:sub>
+                          <m:sSub>
+                            <m:sSubPr>
+                              <m:ctrlPr>
+                                <a:rPr lang="en-US" sz="2000" i="1">
+                                  <a:ln w="0"/>
+                                  <a:solidFill>
+                                    <a:schemeClr val="tx1"/>
+                                  </a:solidFill>
+                                  <a:effectLst>
+                                    <a:outerShdw blurRad="38100" dist="19050" dir="2700000" algn="tl" rotWithShape="0">
+                                      <a:schemeClr val="dk1">
+                                        <a:alpha val="40000"/>
+                                      </a:schemeClr>
+                                    </a:outerShdw>
+                                  </a:effectLst>
+                                  <a:latin typeface="Cambria Math" panose="02040503050406030204" pitchFamily="18" charset="0"/>
+                                </a:rPr>
+                              </m:ctrlPr>
+                            </m:sSubPr>
+                            <m:e>
+                              <m:r>
+                                <a:rPr lang="en-US" sz="2000" i="1">
+                                  <a:ln w="0"/>
+                                  <a:solidFill>
+                                    <a:schemeClr val="tx1"/>
+                                  </a:solidFill>
+                                  <a:effectLst>
+                                    <a:outerShdw blurRad="38100" dist="19050" dir="2700000" algn="tl" rotWithShape="0">
+                                      <a:schemeClr val="dk1">
+                                        <a:alpha val="40000"/>
+                                      </a:schemeClr>
+                                    </a:outerShdw>
+                                  </a:effectLst>
+                                  <a:latin typeface="Cambria Math" panose="02040503050406030204" pitchFamily="18" charset="0"/>
+                                </a:rPr>
+                                <m:t>𝑇</m:t>
+                              </m:r>
+                            </m:e>
+                            <m:sub>
+                              <m:r>
+                                <a:rPr lang="en-US" sz="2000">
+                                  <a:ln w="0"/>
+                                  <a:solidFill>
+                                    <a:schemeClr val="tx1"/>
+                                  </a:solidFill>
+                                  <a:effectLst>
+                                    <a:outerShdw blurRad="38100" dist="19050" dir="2700000" algn="tl" rotWithShape="0">
+                                      <a:schemeClr val="dk1">
+                                        <a:alpha val="40000"/>
+                                      </a:schemeClr>
+                                    </a:outerShdw>
+                                  </a:effectLst>
+                                  <a:latin typeface="Cambria Math" panose="02040503050406030204" pitchFamily="18" charset="0"/>
+                                </a:rPr>
+                                <m:t>1</m:t>
+                              </m:r>
+                            </m:sub>
+                          </m:sSub>
+                        </m:sub>
+                      </m:sSub>
+                      <m:r>
+                        <a:rPr lang="en-US" sz="2000">
+                          <a:ln w="0"/>
+                          <a:solidFill>
+                            <a:schemeClr val="tx1"/>
+                          </a:solidFill>
+                          <a:effectLst>
+                            <a:outerShdw blurRad="38100" dist="19050" dir="2700000" algn="tl" rotWithShape="0">
+                              <a:schemeClr val="dk1">
+                                <a:alpha val="40000"/>
+                              </a:schemeClr>
+                            </a:outerShdw>
+                          </a:effectLst>
+                          <a:latin typeface="Cambria Math" panose="02040503050406030204" pitchFamily="18" charset="0"/>
+                        </a:rPr>
+                        <m:t>−</m:t>
+                      </m:r>
+                      <m:f>
+                        <m:fPr>
+                          <m:ctrlPr>
+                            <a:rPr lang="en-US" sz="2000" i="1">
+                              <a:ln w="0"/>
+                              <a:solidFill>
+                                <a:schemeClr val="tx1"/>
+                              </a:solidFill>
+                              <a:effectLst>
+                                <a:outerShdw blurRad="38100" dist="19050" dir="2700000" algn="tl" rotWithShape="0">
+                                  <a:schemeClr val="dk1">
+                                    <a:alpha val="40000"/>
+                                  </a:schemeClr>
+                                </a:outerShdw>
+                              </a:effectLst>
+                              <a:latin typeface="Cambria Math" panose="02040503050406030204" pitchFamily="18" charset="0"/>
+                            </a:rPr>
+                          </m:ctrlPr>
+                        </m:fPr>
+                        <m:num>
+                          <m:sSub>
+                            <m:sSubPr>
+                              <m:ctrlPr>
+                                <a:rPr lang="en-US" sz="2000" i="1">
+                                  <a:ln w="0"/>
+                                  <a:solidFill>
+                                    <a:schemeClr val="tx1"/>
+                                  </a:solidFill>
+                                  <a:effectLst>
+                                    <a:outerShdw blurRad="38100" dist="19050" dir="2700000" algn="tl" rotWithShape="0">
+                                      <a:schemeClr val="dk1">
+                                        <a:alpha val="40000"/>
+                                      </a:schemeClr>
+                                    </a:outerShdw>
+                                  </a:effectLst>
+                                  <a:latin typeface="Cambria Math" panose="02040503050406030204" pitchFamily="18" charset="0"/>
+                                </a:rPr>
+                              </m:ctrlPr>
+                            </m:sSubPr>
+                            <m:e>
+                              <m:r>
+                                <a:rPr lang="en-US" sz="2000" i="1">
+                                  <a:ln w="0"/>
+                                  <a:solidFill>
+                                    <a:schemeClr val="tx1"/>
+                                  </a:solidFill>
+                                  <a:effectLst>
+                                    <a:outerShdw blurRad="38100" dist="19050" dir="2700000" algn="tl" rotWithShape="0">
+                                      <a:schemeClr val="dk1">
+                                        <a:alpha val="40000"/>
+                                      </a:schemeClr>
+                                    </a:outerShdw>
+                                  </a:effectLst>
+                                  <a:latin typeface="Cambria Math" panose="02040503050406030204" pitchFamily="18" charset="0"/>
+                                </a:rPr>
+                                <m:t>𝑀</m:t>
+                              </m:r>
+                            </m:e>
+                            <m:sub>
+                              <m:r>
+                                <a:rPr lang="en-US" sz="2000" i="1">
+                                  <a:ln w="0"/>
+                                  <a:solidFill>
+                                    <a:schemeClr val="tx1"/>
+                                  </a:solidFill>
+                                  <a:effectLst>
+                                    <a:outerShdw blurRad="38100" dist="19050" dir="2700000" algn="tl" rotWithShape="0">
+                                      <a:schemeClr val="dk1">
+                                        <a:alpha val="40000"/>
+                                      </a:schemeClr>
+                                    </a:outerShdw>
+                                  </a:effectLst>
+                                  <a:latin typeface="Cambria Math" panose="02040503050406030204" pitchFamily="18" charset="0"/>
                                 </a:rPr>
                                 <m:t>𝑡</m:t>
+                              </m:r>
+                            </m:sub>
+                          </m:sSub>
+                        </m:num>
+                        <m:den>
+                          <m:sSub>
+                            <m:sSubPr>
+                              <m:ctrlPr>
+                                <a:rPr lang="en-US" sz="2000" i="1">
+                                  <a:ln w="0"/>
+                                  <a:solidFill>
+                                    <a:schemeClr val="tx1"/>
+                                  </a:solidFill>
+                                  <a:effectLst>
+                                    <a:outerShdw blurRad="38100" dist="19050" dir="2700000" algn="tl" rotWithShape="0">
+                                      <a:schemeClr val="dk1">
+                                        <a:alpha val="40000"/>
+                                      </a:schemeClr>
+                                    </a:outerShdw>
+                                  </a:effectLst>
+                                  <a:latin typeface="Cambria Math" panose="02040503050406030204" pitchFamily="18" charset="0"/>
+                                </a:rPr>
+                              </m:ctrlPr>
+                            </m:sSubPr>
+                            <m:e>
+                              <m:r>
+                                <a:rPr lang="en-US" sz="2000" i="1">
+                                  <a:ln w="0"/>
+                                  <a:solidFill>
+                                    <a:schemeClr val="tx1"/>
+                                  </a:solidFill>
+                                  <a:effectLst>
+                                    <a:outerShdw blurRad="38100" dist="19050" dir="2700000" algn="tl" rotWithShape="0">
+                                      <a:schemeClr val="dk1">
+                                        <a:alpha val="40000"/>
+                                      </a:schemeClr>
+                                    </a:outerShdw>
+                                  </a:effectLst>
+                                  <a:latin typeface="Cambria Math" panose="02040503050406030204" pitchFamily="18" charset="0"/>
+                                </a:rPr>
+                                <m:t>𝑡</m:t>
+                              </m:r>
+                            </m:e>
+                            <m:sub>
+                              <m:r>
+                                <a:rPr lang="en-US" sz="2000">
+                                  <a:ln w="0"/>
+                                  <a:solidFill>
+                                    <a:schemeClr val="tx1"/>
+                                  </a:solidFill>
+                                  <a:effectLst>
+                                    <a:outerShdw blurRad="38100" dist="19050" dir="2700000" algn="tl" rotWithShape="0">
+                                      <a:schemeClr val="dk1">
+                                        <a:alpha val="40000"/>
+                                      </a:schemeClr>
+                                    </a:outerShdw>
+                                  </a:effectLst>
+                                  <a:latin typeface="Cambria Math" panose="02040503050406030204" pitchFamily="18" charset="0"/>
+                                </a:rPr>
+                                <m:t>0</m:t>
                               </m:r>
                             </m:sub>
                           </m:sSub>
                         </m:den>
                       </m:f>
                       <m:r>
-                        <a:rPr lang="ar-AE" sz="1700" i="1" kern="100">
+                        <a:rPr lang="en-US" sz="2000">
+                          <a:ln w="0"/>
+                          <a:solidFill>
+                            <a:schemeClr val="tx1"/>
+                          </a:solidFill>
+                          <a:effectLst>
+                            <a:outerShdw blurRad="38100" dist="19050" dir="2700000" algn="tl" rotWithShape="0">
+                              <a:schemeClr val="dk1">
+                                <a:alpha val="40000"/>
+                              </a:schemeClr>
+                            </a:outerShdw>
+                          </a:effectLst>
                           <a:latin typeface="Cambria Math" panose="02040503050406030204" pitchFamily="18" charset="0"/>
-                          <a:ea typeface="Times New Roman" panose="02020603050405020304" pitchFamily="18" charset="0"/>
-                          <a:cs typeface="Times New Roman" panose="02020603050405020304" pitchFamily="18" charset="0"/>
                         </a:rPr>
-                        <m:t>=−</m:t>
+                        <m:t>×</m:t>
                       </m:r>
-                      <m:d>
-                        <m:dPr>
-                          <m:ctrlPr>
-                            <a:rPr lang="ar-AE" sz="1700" i="1" kern="100">
-                              <a:latin typeface="Cambria Math" panose="02040503050406030204" pitchFamily="18" charset="0"/>
-                              <a:ea typeface="Times New Roman" panose="02020603050405020304" pitchFamily="18" charset="0"/>
-                              <a:cs typeface="Times New Roman" panose="02020603050405020304" pitchFamily="18" charset="0"/>
-                            </a:rPr>
-                          </m:ctrlPr>
-                        </m:dPr>
-                        <m:e>
-                          <m:r>
-                            <a:rPr lang="ar-AE" sz="1700" i="1" kern="100">
-                              <a:latin typeface="Cambria Math" panose="02040503050406030204" pitchFamily="18" charset="0"/>
-                              <a:ea typeface="Times New Roman" panose="02020603050405020304" pitchFamily="18" charset="0"/>
-                              <a:cs typeface="Times New Roman" panose="02020603050405020304" pitchFamily="18" charset="0"/>
-                            </a:rPr>
-                            <m:t>𝑈</m:t>
-                          </m:r>
-                          <m:f>
-                            <m:fPr>
-                              <m:ctrlPr>
-                                <a:rPr lang="ar-AE" sz="1700" i="1" kern="100">
-                                  <a:latin typeface="Cambria Math" panose="02040503050406030204" pitchFamily="18" charset="0"/>
-                                  <a:ea typeface="Times New Roman" panose="02020603050405020304" pitchFamily="18" charset="0"/>
-                                  <a:cs typeface="Times New Roman" panose="02020603050405020304" pitchFamily="18" charset="0"/>
-                                </a:rPr>
-                              </m:ctrlPr>
-                            </m:fPr>
-                            <m:num>
-                              <m:sSub>
-                                <m:sSubPr>
-                                  <m:ctrlPr>
-                                    <a:rPr lang="ar-AE" sz="1700" i="1" kern="100">
-                                      <a:latin typeface="Cambria Math" panose="02040503050406030204" pitchFamily="18" charset="0"/>
-                                      <a:ea typeface="Times New Roman" panose="02020603050405020304" pitchFamily="18" charset="0"/>
-                                      <a:cs typeface="Times New Roman" panose="02020603050405020304" pitchFamily="18" charset="0"/>
-                                    </a:rPr>
-                                  </m:ctrlPr>
-                                </m:sSubPr>
-                                <m:e>
-                                  <m:r>
-                                    <a:rPr lang="ar-AE" sz="1700" i="1" kern="100">
-                                      <a:latin typeface="Cambria Math" panose="02040503050406030204" pitchFamily="18" charset="0"/>
-                                      <a:ea typeface="Times New Roman" panose="02020603050405020304" pitchFamily="18" charset="0"/>
-                                      <a:cs typeface="Times New Roman" panose="02020603050405020304" pitchFamily="18" charset="0"/>
-                                    </a:rPr>
-                                    <m:t>ⅆ</m:t>
-                                  </m:r>
-                                </m:e>
-                                <m:sub>
-                                  <m:r>
-                                    <a:rPr lang="ar-AE" sz="1700" i="1" kern="100">
-                                      <a:latin typeface="Cambria Math" panose="02040503050406030204" pitchFamily="18" charset="0"/>
-                                      <a:ea typeface="Times New Roman" panose="02020603050405020304" pitchFamily="18" charset="0"/>
-                                      <a:cs typeface="Times New Roman" panose="02020603050405020304" pitchFamily="18" charset="0"/>
-                                    </a:rPr>
-                                    <m:t>𝑚</m:t>
-                                  </m:r>
-                                </m:sub>
-                              </m:sSub>
-                            </m:num>
-                            <m:den>
-                              <m:sSub>
-                                <m:sSubPr>
-                                  <m:ctrlPr>
-                                    <a:rPr lang="ar-AE" sz="1700" i="1" kern="100">
-                                      <a:latin typeface="Cambria Math" panose="02040503050406030204" pitchFamily="18" charset="0"/>
-                                      <a:ea typeface="Times New Roman" panose="02020603050405020304" pitchFamily="18" charset="0"/>
-                                      <a:cs typeface="Times New Roman" panose="02020603050405020304" pitchFamily="18" charset="0"/>
-                                    </a:rPr>
-                                  </m:ctrlPr>
-                                </m:sSubPr>
-                                <m:e>
-                                  <m:r>
-                                    <a:rPr lang="ar-AE" sz="1700" i="1" kern="100">
-                                      <a:latin typeface="Cambria Math" panose="02040503050406030204" pitchFamily="18" charset="0"/>
-                                      <a:ea typeface="Times New Roman" panose="02020603050405020304" pitchFamily="18" charset="0"/>
-                                      <a:cs typeface="Times New Roman" panose="02020603050405020304" pitchFamily="18" charset="0"/>
-                                    </a:rPr>
-                                    <m:t>ⅆ</m:t>
-                                  </m:r>
-                                </m:e>
-                                <m:sub>
-                                  <m:r>
-                                    <a:rPr lang="ar-AE" sz="1700" i="1" kern="100">
-                                      <a:latin typeface="Cambria Math" panose="02040503050406030204" pitchFamily="18" charset="0"/>
-                                      <a:ea typeface="Times New Roman" panose="02020603050405020304" pitchFamily="18" charset="0"/>
-                                      <a:cs typeface="Times New Roman" panose="02020603050405020304" pitchFamily="18" charset="0"/>
-                                    </a:rPr>
-                                    <m:t>𝑡</m:t>
-                                  </m:r>
-                                </m:sub>
-                              </m:sSub>
-                            </m:den>
-                          </m:f>
-                          <m:r>
-                            <a:rPr lang="ar-AE" sz="1700" i="1" kern="100">
-                              <a:latin typeface="Cambria Math" panose="02040503050406030204" pitchFamily="18" charset="0"/>
-                              <a:ea typeface="Times New Roman" panose="02020603050405020304" pitchFamily="18" charset="0"/>
-                              <a:cs typeface="Times New Roman" panose="02020603050405020304" pitchFamily="18" charset="0"/>
-                            </a:rPr>
-                            <m:t>+</m:t>
-                          </m:r>
-                          <m:r>
-                            <a:rPr lang="ar-AE" sz="1700" i="1" kern="100">
-                              <a:latin typeface="Cambria Math" panose="02040503050406030204" pitchFamily="18" charset="0"/>
-                              <a:ea typeface="Times New Roman" panose="02020603050405020304" pitchFamily="18" charset="0"/>
-                              <a:cs typeface="Times New Roman" panose="02020603050405020304" pitchFamily="18" charset="0"/>
-                            </a:rPr>
-                            <m:t>𝑚</m:t>
-                          </m:r>
-                          <m:r>
-                            <a:rPr lang="ar-AE" sz="1700" i="1" kern="100">
-                              <a:latin typeface="Cambria Math" panose="02040503050406030204" pitchFamily="18" charset="0"/>
-                              <a:ea typeface="Times New Roman" panose="02020603050405020304" pitchFamily="18" charset="0"/>
-                              <a:cs typeface="Times New Roman" panose="02020603050405020304" pitchFamily="18" charset="0"/>
-                            </a:rPr>
-                            <m:t>⋅</m:t>
-                          </m:r>
-                          <m:sSup>
-                            <m:sSupPr>
-                              <m:ctrlPr>
-                                <a:rPr lang="ar-AE" sz="1700" i="1" kern="100">
-                                  <a:latin typeface="Cambria Math" panose="02040503050406030204" pitchFamily="18" charset="0"/>
-                                  <a:ea typeface="Times New Roman" panose="02020603050405020304" pitchFamily="18" charset="0"/>
-                                  <a:cs typeface="Times New Roman" panose="02020603050405020304" pitchFamily="18" charset="0"/>
-                                </a:rPr>
-                              </m:ctrlPr>
-                            </m:sSupPr>
-                            <m:e>
-                              <m:r>
-                                <a:rPr lang="ar-AE" sz="1700" i="1" kern="100">
-                                  <a:latin typeface="Cambria Math" panose="02040503050406030204" pitchFamily="18" charset="0"/>
-                                  <a:ea typeface="Times New Roman" panose="02020603050405020304" pitchFamily="18" charset="0"/>
-                                  <a:cs typeface="Times New Roman" panose="02020603050405020304" pitchFamily="18" charset="0"/>
-                                </a:rPr>
-                                <m:t>𝑟</m:t>
-                              </m:r>
-                            </m:e>
-                            <m:sup>
-                              <m:r>
-                                <a:rPr lang="ar-AE" sz="1700" i="1" kern="100">
-                                  <a:latin typeface="Cambria Math" panose="02040503050406030204" pitchFamily="18" charset="0"/>
-                                  <a:ea typeface="Times New Roman" panose="02020603050405020304" pitchFamily="18" charset="0"/>
-                                  <a:cs typeface="Times New Roman" panose="02020603050405020304" pitchFamily="18" charset="0"/>
-                                </a:rPr>
-                                <m:t>2</m:t>
-                              </m:r>
-                            </m:sup>
-                          </m:sSup>
-                          <m:r>
-                            <a:rPr lang="ar-AE" sz="1700" i="1" kern="100">
-                              <a:latin typeface="Cambria Math" panose="02040503050406030204" pitchFamily="18" charset="0"/>
-                              <a:ea typeface="Times New Roman" panose="02020603050405020304" pitchFamily="18" charset="0"/>
-                              <a:cs typeface="Times New Roman" panose="02020603050405020304" pitchFamily="18" charset="0"/>
-                            </a:rPr>
-                            <m:t>+</m:t>
-                          </m:r>
-                          <m:r>
-                            <a:rPr lang="ar-AE" sz="1700" i="1" kern="100">
-                              <a:latin typeface="Cambria Math" panose="02040503050406030204" pitchFamily="18" charset="0"/>
-                              <a:ea typeface="Times New Roman" panose="02020603050405020304" pitchFamily="18" charset="0"/>
-                              <a:cs typeface="Times New Roman" panose="02020603050405020304" pitchFamily="18" charset="0"/>
-                            </a:rPr>
-                            <m:t>𝐶</m:t>
-                          </m:r>
-                          <m:r>
-                            <a:rPr lang="ar-AE" sz="1700" i="1" kern="100">
-                              <a:latin typeface="Cambria Math" panose="02040503050406030204" pitchFamily="18" charset="0"/>
-                              <a:ea typeface="Times New Roman" panose="02020603050405020304" pitchFamily="18" charset="0"/>
-                              <a:cs typeface="Times New Roman" panose="02020603050405020304" pitchFamily="18" charset="0"/>
-                            </a:rPr>
-                            <m:t>⋅</m:t>
-                          </m:r>
-                          <m:r>
-                            <a:rPr lang="ar-AE" sz="1700" i="1" kern="100">
-                              <a:latin typeface="Cambria Math" panose="02040503050406030204" pitchFamily="18" charset="0"/>
-                              <a:ea typeface="Times New Roman" panose="02020603050405020304" pitchFamily="18" charset="0"/>
-                              <a:cs typeface="Times New Roman" panose="02020603050405020304" pitchFamily="18" charset="0"/>
-                            </a:rPr>
-                            <m:t>𝑆</m:t>
-                          </m:r>
-                          <m:f>
-                            <m:fPr>
-                              <m:ctrlPr>
-                                <a:rPr lang="ar-AE" sz="1700" i="1" kern="100">
-                                  <a:latin typeface="Cambria Math" panose="02040503050406030204" pitchFamily="18" charset="0"/>
-                                  <a:ea typeface="Times New Roman" panose="02020603050405020304" pitchFamily="18" charset="0"/>
-                                  <a:cs typeface="Times New Roman" panose="02020603050405020304" pitchFamily="18" charset="0"/>
-                                </a:rPr>
-                              </m:ctrlPr>
-                            </m:fPr>
-                            <m:num>
-                              <m:sSup>
-                                <m:sSupPr>
-                                  <m:ctrlPr>
-                                    <a:rPr lang="ar-AE" sz="1700" i="1" kern="100">
-                                      <a:latin typeface="Cambria Math" panose="02040503050406030204" pitchFamily="18" charset="0"/>
-                                      <a:ea typeface="Times New Roman" panose="02020603050405020304" pitchFamily="18" charset="0"/>
-                                      <a:cs typeface="Times New Roman" panose="02020603050405020304" pitchFamily="18" charset="0"/>
-                                    </a:rPr>
-                                  </m:ctrlPr>
-                                </m:sSupPr>
-                                <m:e>
-                                  <m:r>
-                                    <a:rPr lang="ar-AE" sz="1700" i="1" kern="100">
-                                      <a:latin typeface="Cambria Math" panose="02040503050406030204" pitchFamily="18" charset="0"/>
-                                      <a:ea typeface="Times New Roman" panose="02020603050405020304" pitchFamily="18" charset="0"/>
-                                      <a:cs typeface="Times New Roman" panose="02020603050405020304" pitchFamily="18" charset="0"/>
-                                    </a:rPr>
-                                    <m:t>𝑣</m:t>
-                                  </m:r>
-                                </m:e>
-                                <m:sup>
-                                  <m:r>
-                                    <a:rPr lang="ar-AE" sz="1700" i="1" kern="100">
-                                      <a:latin typeface="Cambria Math" panose="02040503050406030204" pitchFamily="18" charset="0"/>
-                                      <a:ea typeface="Times New Roman" panose="02020603050405020304" pitchFamily="18" charset="0"/>
-                                      <a:cs typeface="Times New Roman" panose="02020603050405020304" pitchFamily="18" charset="0"/>
-                                    </a:rPr>
-                                    <m:t>2</m:t>
-                                  </m:r>
-                                </m:sup>
-                              </m:sSup>
-                            </m:num>
-                            <m:den>
-                              <m:r>
-                                <a:rPr lang="ar-AE" sz="1700" i="1" kern="100">
-                                  <a:latin typeface="Cambria Math" panose="02040503050406030204" pitchFamily="18" charset="0"/>
-                                  <a:ea typeface="Times New Roman" panose="02020603050405020304" pitchFamily="18" charset="0"/>
-                                  <a:cs typeface="Times New Roman" panose="02020603050405020304" pitchFamily="18" charset="0"/>
-                                </a:rPr>
-                                <m:t>2</m:t>
-                              </m:r>
-                            </m:den>
-                          </m:f>
-                          <m:r>
-                            <a:rPr lang="ar-AE" sz="1700" i="1" kern="100">
-                              <a:latin typeface="Cambria Math" panose="02040503050406030204" pitchFamily="18" charset="0"/>
-                              <a:ea typeface="Times New Roman" panose="02020603050405020304" pitchFamily="18" charset="0"/>
-                              <a:cs typeface="Times New Roman" panose="02020603050405020304" pitchFamily="18" charset="0"/>
-                            </a:rPr>
-                            <m:t>𝜌</m:t>
-                          </m:r>
-                          <m:r>
-                            <a:rPr lang="ar-AE" sz="1700" i="1" kern="100">
-                              <a:latin typeface="Cambria Math" panose="02040503050406030204" pitchFamily="18" charset="0"/>
-                              <a:ea typeface="Times New Roman" panose="02020603050405020304" pitchFamily="18" charset="0"/>
-                              <a:cs typeface="Times New Roman" panose="02020603050405020304" pitchFamily="18" charset="0"/>
-                            </a:rPr>
-                            <m:t>⋅</m:t>
-                          </m:r>
-                          <m:r>
-                            <a:rPr lang="ar-AE" sz="1700" i="1" kern="100">
-                              <a:latin typeface="Cambria Math" panose="02040503050406030204" pitchFamily="18" charset="0"/>
-                              <a:ea typeface="Times New Roman" panose="02020603050405020304" pitchFamily="18" charset="0"/>
-                              <a:cs typeface="Times New Roman" panose="02020603050405020304" pitchFamily="18" charset="0"/>
-                            </a:rPr>
-                            <m:t>𝑣</m:t>
-                          </m:r>
-                        </m:e>
-                      </m:d>
+                      <m:r>
+                        <a:rPr lang="en-US" sz="2000" i="1">
+                          <a:ln w="0"/>
+                          <a:solidFill>
+                            <a:schemeClr val="tx1"/>
+                          </a:solidFill>
+                          <a:effectLst>
+                            <a:outerShdw blurRad="38100" dist="19050" dir="2700000" algn="tl" rotWithShape="0">
+                              <a:schemeClr val="dk1">
+                                <a:alpha val="40000"/>
+                              </a:schemeClr>
+                            </a:outerShdw>
+                          </a:effectLst>
+                          <a:latin typeface="Cambria Math" panose="02040503050406030204" pitchFamily="18" charset="0"/>
+                        </a:rPr>
+                        <m:t>𝑡</m:t>
+                      </m:r>
                     </m:oMath>
                   </m:oMathPara>
                 </a14:m>
-                <a:endParaRPr lang="ar-AE" sz="1700" kern="100" dirty="0">
-                  <a:latin typeface="Calibri" panose="020F0502020204030204" pitchFamily="34" charset="0"/>
-                  <a:ea typeface="Calibri" panose="020F0502020204030204" pitchFamily="34" charset="0"/>
-                  <a:cs typeface="Times New Roman" panose="02020603050405020304" pitchFamily="18" charset="0"/>
+                <a:endParaRPr lang="en-US" sz="2000" dirty="0">
+                  <a:ln w="0"/>
+                  <a:solidFill>
+                    <a:schemeClr val="tx1"/>
+                  </a:solidFill>
+                  <a:effectLst>
+                    <a:outerShdw blurRad="38100" dist="19050" dir="2700000" algn="tl" rotWithShape="0">
+                      <a:schemeClr val="dk1">
+                        <a:alpha val="40000"/>
+                      </a:schemeClr>
+                    </a:outerShdw>
+                  </a:effectLst>
                 </a:endParaRPr>
               </a:p>
+            </p:txBody>
+          </p:sp>
+        </mc:Choice>
+        <mc:Fallback>
+          <p:sp>
+            <p:nvSpPr>
+              <p:cNvPr id="10" name="Прямоугольник 9">
+                <a:extLst>
+                  <a:ext uri="{FF2B5EF4-FFF2-40B4-BE49-F238E27FC236}">
+                    <a16:creationId xmlns:a16="http://schemas.microsoft.com/office/drawing/2014/main" id="{894F05EE-963E-4434-AE2F-3E2BDCA850EE}"/>
+                  </a:ext>
+                </a:extLst>
+              </p:cNvPr>
+              <p:cNvSpPr>
+                <a:spLocks noRot="1" noChangeAspect="1" noMove="1" noResize="1" noEditPoints="1" noAdjustHandles="1" noChangeArrowheads="1" noChangeShapeType="1" noTextEdit="1"/>
+              </p:cNvSpPr>
+              <p:nvPr/>
+            </p:nvSpPr>
+            <p:spPr>
+              <a:xfrm>
+                <a:off x="2724291" y="2675023"/>
+                <a:ext cx="2551019" cy="720775"/>
+              </a:xfrm>
+              <a:prstGeom prst="rect">
+                <a:avLst/>
+              </a:prstGeom>
+              <a:blipFill>
+                <a:blip r:embed="rId7"/>
+                <a:stretch>
+                  <a:fillRect/>
+                </a:stretch>
+              </a:blipFill>
+            </p:spPr>
+            <p:txBody>
+              <a:bodyPr/>
+              <a:lstStyle/>
               <a:p>
-                <a:pPr marL="0" indent="0">
-                  <a:lnSpc>
-                    <a:spcPct val="120000"/>
-                  </a:lnSpc>
-                  <a:spcBef>
-                    <a:spcPts val="1200"/>
-                  </a:spcBef>
-                  <a:spcAft>
-                    <a:spcPts val="1200"/>
-                  </a:spcAft>
-                  <a:buFont typeface="Didact Gothic"/>
-                  <a:buNone/>
-                </a:pPr>
                 <a:r>
-                  <a:rPr lang="ru-RU" sz="1700" kern="100" dirty="0">
-                    <a:latin typeface="Times New Roman" panose="02020603050405020304" pitchFamily="18" charset="0"/>
-                    <a:ea typeface="Times New Roman" panose="02020603050405020304" pitchFamily="18" charset="0"/>
-                    <a:cs typeface="Times New Roman" panose="02020603050405020304" pitchFamily="18" charset="0"/>
+                  <a:rPr lang="en-US">
+                    <a:noFill/>
                   </a:rPr>
-                  <a:t>Итоговая скорость при взлете:</a:t>
+                  <a:t> </a:t>
                 </a:r>
-                <a:endParaRPr lang="ru-RU" sz="1700" kern="100" dirty="0">
-                  <a:latin typeface="Calibri" panose="020F0502020204030204" pitchFamily="34" charset="0"/>
-                  <a:ea typeface="Calibri" panose="020F0502020204030204" pitchFamily="34" charset="0"/>
-                  <a:cs typeface="Times New Roman" panose="02020603050405020304" pitchFamily="18" charset="0"/>
-                </a:endParaRPr>
               </a:p>
+            </p:txBody>
+          </p:sp>
+        </mc:Fallback>
+      </mc:AlternateContent>
+      <mc:AlternateContent xmlns:mc="http://schemas.openxmlformats.org/markup-compatibility/2006">
+        <mc:Choice xmlns:a14="http://schemas.microsoft.com/office/drawing/2010/main" Requires="a14">
+          <p:sp>
+            <p:nvSpPr>
+              <p:cNvPr id="11" name="Прямоугольник 10">
+                <a:extLst>
+                  <a:ext uri="{FF2B5EF4-FFF2-40B4-BE49-F238E27FC236}">
+                    <a16:creationId xmlns:a16="http://schemas.microsoft.com/office/drawing/2014/main" id="{AAFA89E8-11A1-4950-A3F9-FB2F434F1B5A}"/>
+                  </a:ext>
+                </a:extLst>
+              </p:cNvPr>
+              <p:cNvSpPr/>
+              <p:nvPr/>
+            </p:nvSpPr>
+            <p:spPr>
+              <a:xfrm>
+                <a:off x="5643482" y="1217630"/>
+                <a:ext cx="1986185" cy="715196"/>
+              </a:xfrm>
+              <a:prstGeom prst="rect">
+                <a:avLst/>
+              </a:prstGeom>
+            </p:spPr>
+            <p:style>
+              <a:lnRef idx="2">
+                <a:schemeClr val="dk1"/>
+              </a:lnRef>
+              <a:fillRef idx="1">
+                <a:schemeClr val="lt1"/>
+              </a:fillRef>
+              <a:effectRef idx="0">
+                <a:schemeClr val="dk1"/>
+              </a:effectRef>
+              <a:fontRef idx="minor">
+                <a:schemeClr val="dk1"/>
+              </a:fontRef>
+            </p:style>
+            <p:txBody>
+              <a:bodyPr wrap="none">
+                <a:spAutoFit/>
+              </a:bodyPr>
+              <a:lstStyle/>
               <a:p>
-                <a:pPr marL="69850" indent="0">
-                  <a:lnSpc>
-                    <a:spcPct val="120000"/>
-                  </a:lnSpc>
-                  <a:spcBef>
-                    <a:spcPts val="1200"/>
-                  </a:spcBef>
-                  <a:spcAft>
-                    <a:spcPts val="1200"/>
-                  </a:spcAft>
-                  <a:buFont typeface="Didact Gothic"/>
-                  <a:buNone/>
-                </a:pPr>
                 <a14:m>
                   <m:oMathPara xmlns:m="http://schemas.openxmlformats.org/officeDocument/2006/math">
                     <m:oMathParaPr>
@@ -27184,293 +28701,378 @@
                       <m:sSub>
                         <m:sSubPr>
                           <m:ctrlPr>
-                            <a:rPr lang="ar-AE" sz="1700" i="1" kern="100">
+                            <a:rPr lang="en-US" sz="2000">
+                              <a:ln w="0"/>
+                              <a:solidFill>
+                                <a:schemeClr val="tx1"/>
+                              </a:solidFill>
+                              <a:effectLst>
+                                <a:outerShdw blurRad="38100" dist="19050" dir="2700000" algn="tl" rotWithShape="0">
+                                  <a:schemeClr val="dk1">
+                                    <a:alpha val="40000"/>
+                                  </a:schemeClr>
+                                </a:outerShdw>
+                              </a:effectLst>
                               <a:latin typeface="Cambria Math" panose="02040503050406030204" pitchFamily="18" charset="0"/>
-                              <a:ea typeface="Times New Roman" panose="02020603050405020304" pitchFamily="18" charset="0"/>
-                              <a:cs typeface="Times New Roman" panose="02020603050405020304" pitchFamily="18" charset="0"/>
                             </a:rPr>
                           </m:ctrlPr>
                         </m:sSubPr>
                         <m:e>
                           <m:r>
-                            <a:rPr lang="ar-AE" sz="1700" i="1" kern="100">
+                            <a:rPr lang="en-US" sz="2000" i="1">
+                              <a:ln w="0"/>
+                              <a:solidFill>
+                                <a:schemeClr val="tx1"/>
+                              </a:solidFill>
+                              <a:effectLst>
+                                <a:outerShdw blurRad="38100" dist="19050" dir="2700000" algn="tl" rotWithShape="0">
+                                  <a:schemeClr val="dk1">
+                                    <a:alpha val="40000"/>
+                                  </a:schemeClr>
+                                </a:outerShdw>
+                              </a:effectLst>
                               <a:latin typeface="Cambria Math" panose="02040503050406030204" pitchFamily="18" charset="0"/>
-                              <a:ea typeface="Times New Roman" panose="02020603050405020304" pitchFamily="18" charset="0"/>
-                              <a:cs typeface="Times New Roman" panose="02020603050405020304" pitchFamily="18" charset="0"/>
                             </a:rPr>
-                            <m:t>𝑣</m:t>
+                            <m:t>𝑠</m:t>
                           </m:r>
                         </m:e>
                         <m:sub>
                           <m:r>
-                            <a:rPr lang="ar-AE" sz="1700" i="1" kern="100">
+                            <a:rPr lang="en-US" sz="2000" i="1">
+                              <a:ln w="0"/>
+                              <a:solidFill>
+                                <a:schemeClr val="tx1"/>
+                              </a:solidFill>
+                              <a:effectLst>
+                                <a:outerShdw blurRad="38100" dist="19050" dir="2700000" algn="tl" rotWithShape="0">
+                                  <a:schemeClr val="dk1">
+                                    <a:alpha val="40000"/>
+                                  </a:schemeClr>
+                                </a:outerShdw>
+                              </a:effectLst>
                               <a:latin typeface="Cambria Math" panose="02040503050406030204" pitchFamily="18" charset="0"/>
-                              <a:ea typeface="Times New Roman" panose="02020603050405020304" pitchFamily="18" charset="0"/>
-                              <a:cs typeface="Times New Roman" panose="02020603050405020304" pitchFamily="18" charset="0"/>
                             </a:rPr>
-                            <m:t>𝛱</m:t>
+                            <m:t>𝑖</m:t>
                           </m:r>
                         </m:sub>
                       </m:sSub>
                       <m:r>
-                        <a:rPr lang="ar-AE" sz="1700" i="1" kern="100">
+                        <a:rPr lang="en-US" sz="2000">
+                          <a:ln w="0"/>
+                          <a:solidFill>
+                            <a:schemeClr val="tx1"/>
+                          </a:solidFill>
+                          <a:effectLst>
+                            <a:outerShdw blurRad="38100" dist="19050" dir="2700000" algn="tl" rotWithShape="0">
+                              <a:schemeClr val="dk1">
+                                <a:alpha val="40000"/>
+                              </a:schemeClr>
+                            </a:outerShdw>
+                          </a:effectLst>
                           <a:latin typeface="Cambria Math" panose="02040503050406030204" pitchFamily="18" charset="0"/>
-                          <a:ea typeface="Times New Roman" panose="02020603050405020304" pitchFamily="18" charset="0"/>
-                          <a:cs typeface="Times New Roman" panose="02020603050405020304" pitchFamily="18" charset="0"/>
                         </a:rPr>
                         <m:t>=</m:t>
                       </m:r>
-                      <m:sSub>
-                        <m:sSubPr>
+                      <m:f>
+                        <m:fPr>
                           <m:ctrlPr>
-                            <a:rPr lang="ar-AE" sz="1700" i="1" kern="100">
+                            <a:rPr lang="en-US" sz="2000" i="1">
+                              <a:ln w="0"/>
+                              <a:solidFill>
+                                <a:schemeClr val="tx1"/>
+                              </a:solidFill>
+                              <a:effectLst>
+                                <a:outerShdw blurRad="38100" dist="19050" dir="2700000" algn="tl" rotWithShape="0">
+                                  <a:schemeClr val="dk1">
+                                    <a:alpha val="40000"/>
+                                  </a:schemeClr>
+                                </a:outerShdw>
+                              </a:effectLst>
                               <a:latin typeface="Cambria Math" panose="02040503050406030204" pitchFamily="18" charset="0"/>
-                              <a:ea typeface="Times New Roman" panose="02020603050405020304" pitchFamily="18" charset="0"/>
-                              <a:cs typeface="Times New Roman" panose="02020603050405020304" pitchFamily="18" charset="0"/>
                             </a:rPr>
                           </m:ctrlPr>
-                        </m:sSubPr>
-                        <m:e>
-                          <m:r>
-                            <a:rPr lang="ar-AE" sz="1700" i="1" kern="100">
-                              <a:latin typeface="Cambria Math" panose="02040503050406030204" pitchFamily="18" charset="0"/>
-                              <a:ea typeface="Times New Roman" panose="02020603050405020304" pitchFamily="18" charset="0"/>
-                              <a:cs typeface="Times New Roman" panose="02020603050405020304" pitchFamily="18" charset="0"/>
-                            </a:rPr>
-                            <m:t>𝑣</m:t>
-                          </m:r>
-                        </m:e>
-                        <m:sub>
-                          <m:sSup>
-                            <m:sSupPr>
+                        </m:fPr>
+                        <m:num>
+                          <m:sSub>
+                            <m:sSubPr>
                               <m:ctrlPr>
-                                <a:rPr lang="ar-AE" sz="1700" i="1" kern="100">
+                                <a:rPr lang="en-US" sz="2000" i="1">
+                                  <a:ln w="0"/>
+                                  <a:solidFill>
+                                    <a:schemeClr val="tx1"/>
+                                  </a:solidFill>
+                                  <a:effectLst>
+                                    <a:outerShdw blurRad="38100" dist="19050" dir="2700000" algn="tl" rotWithShape="0">
+                                      <a:schemeClr val="dk1">
+                                        <a:alpha val="40000"/>
+                                      </a:schemeClr>
+                                    </a:outerShdw>
+                                  </a:effectLst>
                                   <a:latin typeface="Cambria Math" panose="02040503050406030204" pitchFamily="18" charset="0"/>
-                                  <a:ea typeface="Times New Roman" panose="02020603050405020304" pitchFamily="18" charset="0"/>
-                                  <a:cs typeface="Times New Roman" panose="02020603050405020304" pitchFamily="18" charset="0"/>
                                 </a:rPr>
                               </m:ctrlPr>
-                            </m:sSupPr>
+                            </m:sSubPr>
                             <m:e>
                               <m:r>
-                                <a:rPr lang="ar-AE" sz="1700" i="1" kern="100">
+                                <a:rPr lang="en-US" sz="2000" i="1">
+                                  <a:ln w="0"/>
+                                  <a:solidFill>
+                                    <a:schemeClr val="tx1"/>
+                                  </a:solidFill>
+                                  <a:effectLst>
+                                    <a:outerShdw blurRad="38100" dist="19050" dir="2700000" algn="tl" rotWithShape="0">
+                                      <a:schemeClr val="dk1">
+                                        <a:alpha val="40000"/>
+                                      </a:schemeClr>
+                                    </a:outerShdw>
+                                  </a:effectLst>
                                   <a:latin typeface="Cambria Math" panose="02040503050406030204" pitchFamily="18" charset="0"/>
-                                  <a:ea typeface="Times New Roman" panose="02020603050405020304" pitchFamily="18" charset="0"/>
-                                  <a:cs typeface="Times New Roman" panose="02020603050405020304" pitchFamily="18" charset="0"/>
                                 </a:rPr>
-                                <m:t>0</m:t>
+                                <m:t>𝑚</m:t>
                               </m:r>
                             </m:e>
-                            <m:sup>
+                            <m:sub>
                               <m:r>
-                                <a:rPr lang="ar-AE" sz="1700" i="1" kern="100">
+                                <a:rPr lang="en-US" sz="2000" i="1">
+                                  <a:ln w="0"/>
+                                  <a:solidFill>
+                                    <a:schemeClr val="tx1"/>
+                                  </a:solidFill>
+                                  <a:effectLst>
+                                    <a:outerShdw blurRad="38100" dist="19050" dir="2700000" algn="tl" rotWithShape="0">
+                                      <a:schemeClr val="dk1">
+                                        <a:alpha val="40000"/>
+                                      </a:schemeClr>
+                                    </a:outerShdw>
+                                  </a:effectLst>
                                   <a:latin typeface="Cambria Math" panose="02040503050406030204" pitchFamily="18" charset="0"/>
-                                  <a:ea typeface="Times New Roman" panose="02020603050405020304" pitchFamily="18" charset="0"/>
-                                  <a:cs typeface="Times New Roman" panose="02020603050405020304" pitchFamily="18" charset="0"/>
                                 </a:rPr>
-                                <m:t>+</m:t>
+                                <m:t>𝑖</m:t>
                               </m:r>
-                            </m:sup>
-                          </m:sSup>
-                        </m:sub>
-                      </m:sSub>
-                      <m:sSub>
-                        <m:sSubPr>
-                          <m:ctrlPr>
-                            <a:rPr lang="ar-AE" sz="1700" i="1" kern="100">
+                            </m:sub>
+                          </m:sSub>
+                          <m:r>
+                            <a:rPr lang="en-US" sz="2000">
+                              <a:ln w="0"/>
+                              <a:solidFill>
+                                <a:schemeClr val="tx1"/>
+                              </a:solidFill>
+                              <a:effectLst>
+                                <a:outerShdw blurRad="38100" dist="19050" dir="2700000" algn="tl" rotWithShape="0">
+                                  <a:schemeClr val="dk1">
+                                    <a:alpha val="40000"/>
+                                  </a:schemeClr>
+                                </a:outerShdw>
+                              </a:effectLst>
                               <a:latin typeface="Cambria Math" panose="02040503050406030204" pitchFamily="18" charset="0"/>
-                              <a:ea typeface="Times New Roman" panose="02020603050405020304" pitchFamily="18" charset="0"/>
-                              <a:cs typeface="Times New Roman" panose="02020603050405020304" pitchFamily="18" charset="0"/>
                             </a:rPr>
-                          </m:ctrlPr>
-                        </m:sSubPr>
-                        <m:e>
-                          <m:r>
-                            <a:rPr lang="ar-AE" sz="1700" i="1" kern="100">
-                              <a:latin typeface="Cambria Math" panose="02040503050406030204" pitchFamily="18" charset="0"/>
-                              <a:ea typeface="Times New Roman" panose="02020603050405020304" pitchFamily="18" charset="0"/>
-                              <a:cs typeface="Times New Roman" panose="02020603050405020304" pitchFamily="18" charset="0"/>
-                            </a:rPr>
-                            <m:t>𝑣</m:t>
+                            <m:t>−</m:t>
                           </m:r>
-                        </m:e>
-                        <m:sub>
-                          <m:r>
-                            <a:rPr lang="ar-AE" sz="1700" i="1" kern="100">
-                              <a:latin typeface="Cambria Math" panose="02040503050406030204" pitchFamily="18" charset="0"/>
-                              <a:ea typeface="Times New Roman" panose="02020603050405020304" pitchFamily="18" charset="0"/>
-                              <a:cs typeface="Times New Roman" panose="02020603050405020304" pitchFamily="18" charset="0"/>
-                            </a:rPr>
-                            <m:t>𝑎</m:t>
-                          </m:r>
-                        </m:sub>
-                      </m:sSub>
-                      <m:r>
-                        <a:rPr lang="ar-AE" sz="1700" i="1" kern="100">
-                          <a:latin typeface="Cambria Math" panose="02040503050406030204" pitchFamily="18" charset="0"/>
-                          <a:ea typeface="Times New Roman" panose="02020603050405020304" pitchFamily="18" charset="0"/>
-                          <a:cs typeface="Times New Roman" panose="02020603050405020304" pitchFamily="18" charset="0"/>
-                        </a:rPr>
-                        <m:t>−</m:t>
-                      </m:r>
-                      <m:sSub>
-                        <m:sSubPr>
-                          <m:ctrlPr>
-                            <a:rPr lang="ar-AE" sz="1700" i="1" kern="100">
-                              <a:latin typeface="Cambria Math" panose="02040503050406030204" pitchFamily="18" charset="0"/>
-                              <a:ea typeface="Times New Roman" panose="02020603050405020304" pitchFamily="18" charset="0"/>
-                              <a:cs typeface="Times New Roman" panose="02020603050405020304" pitchFamily="18" charset="0"/>
-                            </a:rPr>
-                          </m:ctrlPr>
-                        </m:sSubPr>
-                        <m:e>
-                          <m:r>
-                            <a:rPr lang="ar-AE" sz="1700" i="1" kern="100">
-                              <a:latin typeface="Cambria Math" panose="02040503050406030204" pitchFamily="18" charset="0"/>
-                              <a:ea typeface="Times New Roman" panose="02020603050405020304" pitchFamily="18" charset="0"/>
-                              <a:cs typeface="Times New Roman" panose="02020603050405020304" pitchFamily="18" charset="0"/>
-                            </a:rPr>
-                            <m:t>𝑣</m:t>
-                          </m:r>
-                        </m:e>
-                        <m:sub>
-                          <m:r>
-                            <a:rPr lang="ru-RU" sz="1700" i="1" kern="100">
-                              <a:latin typeface="Cambria Math" panose="02040503050406030204" pitchFamily="18" charset="0"/>
-                              <a:ea typeface="Times New Roman" panose="02020603050405020304" pitchFamily="18" charset="0"/>
-                              <a:cs typeface="Times New Roman" panose="02020603050405020304" pitchFamily="18" charset="0"/>
-                            </a:rPr>
-                            <m:t>вр</m:t>
-                          </m:r>
-                        </m:sub>
-                      </m:sSub>
+                          <m:sSub>
+                            <m:sSubPr>
+                              <m:ctrlPr>
+                                <a:rPr lang="en-US" sz="2000" i="1">
+                                  <a:ln w="0"/>
+                                  <a:solidFill>
+                                    <a:schemeClr val="tx1"/>
+                                  </a:solidFill>
+                                  <a:effectLst>
+                                    <a:outerShdw blurRad="38100" dist="19050" dir="2700000" algn="tl" rotWithShape="0">
+                                      <a:schemeClr val="dk1">
+                                        <a:alpha val="40000"/>
+                                      </a:schemeClr>
+                                    </a:outerShdw>
+                                  </a:effectLst>
+                                  <a:latin typeface="Cambria Math" panose="02040503050406030204" pitchFamily="18" charset="0"/>
+                                </a:rPr>
+                              </m:ctrlPr>
+                            </m:sSubPr>
+                            <m:e>
+                              <m:r>
+                                <a:rPr lang="en-US" sz="2000" i="1">
+                                  <a:ln w="0"/>
+                                  <a:solidFill>
+                                    <a:schemeClr val="tx1"/>
+                                  </a:solidFill>
+                                  <a:effectLst>
+                                    <a:outerShdw blurRad="38100" dist="19050" dir="2700000" algn="tl" rotWithShape="0">
+                                      <a:schemeClr val="dk1">
+                                        <a:alpha val="40000"/>
+                                      </a:schemeClr>
+                                    </a:outerShdw>
+                                  </a:effectLst>
+                                  <a:latin typeface="Cambria Math" panose="02040503050406030204" pitchFamily="18" charset="0"/>
+                                </a:rPr>
+                                <m:t>𝑚</m:t>
+                              </m:r>
+                            </m:e>
+                            <m:sub>
+                              <m:sSub>
+                                <m:sSubPr>
+                                  <m:ctrlPr>
+                                    <a:rPr lang="en-US" sz="2000" i="1">
+                                      <a:ln w="0"/>
+                                      <a:solidFill>
+                                        <a:schemeClr val="tx1"/>
+                                      </a:solidFill>
+                                      <a:effectLst>
+                                        <a:outerShdw blurRad="38100" dist="19050" dir="2700000" algn="tl" rotWithShape="0">
+                                          <a:schemeClr val="dk1">
+                                            <a:alpha val="40000"/>
+                                          </a:schemeClr>
+                                        </a:outerShdw>
+                                      </a:effectLst>
+                                      <a:latin typeface="Cambria Math" panose="02040503050406030204" pitchFamily="18" charset="0"/>
+                                    </a:rPr>
+                                  </m:ctrlPr>
+                                </m:sSubPr>
+                                <m:e>
+                                  <m:r>
+                                    <a:rPr lang="en-US" sz="2000" i="1">
+                                      <a:ln w="0"/>
+                                      <a:solidFill>
+                                        <a:schemeClr val="tx1"/>
+                                      </a:solidFill>
+                                      <a:effectLst>
+                                        <a:outerShdw blurRad="38100" dist="19050" dir="2700000" algn="tl" rotWithShape="0">
+                                          <a:schemeClr val="dk1">
+                                            <a:alpha val="40000"/>
+                                          </a:schemeClr>
+                                        </a:outerShdw>
+                                      </a:effectLst>
+                                      <a:latin typeface="Cambria Math" panose="02040503050406030204" pitchFamily="18" charset="0"/>
+                                    </a:rPr>
+                                    <m:t>𝑖</m:t>
+                                  </m:r>
+                                </m:e>
+                                <m:sub>
+                                  <m:r>
+                                    <a:rPr lang="en-US" sz="2000" i="1">
+                                      <a:ln w="0"/>
+                                      <a:solidFill>
+                                        <a:schemeClr val="tx1"/>
+                                      </a:solidFill>
+                                      <a:effectLst>
+                                        <a:outerShdw blurRad="38100" dist="19050" dir="2700000" algn="tl" rotWithShape="0">
+                                          <a:schemeClr val="dk1">
+                                            <a:alpha val="40000"/>
+                                          </a:schemeClr>
+                                        </a:outerShdw>
+                                      </a:effectLst>
+                                      <a:latin typeface="Cambria Math" panose="02040503050406030204" pitchFamily="18" charset="0"/>
+                                    </a:rPr>
+                                    <m:t>𝑑𝑟𝑦</m:t>
+                                  </m:r>
+                                </m:sub>
+                              </m:sSub>
+                            </m:sub>
+                          </m:sSub>
+                        </m:num>
+                        <m:den>
+                          <m:sSub>
+                            <m:sSubPr>
+                              <m:ctrlPr>
+                                <a:rPr lang="en-US" sz="2000" i="1">
+                                  <a:ln w="0"/>
+                                  <a:solidFill>
+                                    <a:schemeClr val="tx1"/>
+                                  </a:solidFill>
+                                  <a:effectLst>
+                                    <a:outerShdw blurRad="38100" dist="19050" dir="2700000" algn="tl" rotWithShape="0">
+                                      <a:schemeClr val="dk1">
+                                        <a:alpha val="40000"/>
+                                      </a:schemeClr>
+                                    </a:outerShdw>
+                                  </a:effectLst>
+                                  <a:latin typeface="Cambria Math" panose="02040503050406030204" pitchFamily="18" charset="0"/>
+                                </a:rPr>
+                              </m:ctrlPr>
+                            </m:sSubPr>
+                            <m:e>
+                              <m:r>
+                                <a:rPr lang="en-US" sz="2000" i="1">
+                                  <a:ln w="0"/>
+                                  <a:solidFill>
+                                    <a:schemeClr val="tx1"/>
+                                  </a:solidFill>
+                                  <a:effectLst>
+                                    <a:outerShdw blurRad="38100" dist="19050" dir="2700000" algn="tl" rotWithShape="0">
+                                      <a:schemeClr val="dk1">
+                                        <a:alpha val="40000"/>
+                                      </a:schemeClr>
+                                    </a:outerShdw>
+                                  </a:effectLst>
+                                  <a:latin typeface="Cambria Math" panose="02040503050406030204" pitchFamily="18" charset="0"/>
+                                </a:rPr>
+                                <m:t>𝑎</m:t>
+                              </m:r>
+                            </m:e>
+                            <m:sub>
+                              <m:r>
+                                <a:rPr lang="en-US" sz="2000" i="1">
+                                  <a:ln w="0"/>
+                                  <a:solidFill>
+                                    <a:schemeClr val="tx1"/>
+                                  </a:solidFill>
+                                  <a:effectLst>
+                                    <a:outerShdw blurRad="38100" dist="19050" dir="2700000" algn="tl" rotWithShape="0">
+                                      <a:schemeClr val="dk1">
+                                        <a:alpha val="40000"/>
+                                      </a:schemeClr>
+                                    </a:outerShdw>
+                                  </a:effectLst>
+                                  <a:latin typeface="Cambria Math" panose="02040503050406030204" pitchFamily="18" charset="0"/>
+                                </a:rPr>
+                                <m:t>𝑖</m:t>
+                              </m:r>
+                            </m:sub>
+                          </m:sSub>
+                        </m:den>
+                      </m:f>
                     </m:oMath>
                   </m:oMathPara>
                 </a14:m>
-                <a:endParaRPr lang="ar-AE" sz="1700" kern="100" dirty="0">
-                  <a:latin typeface="Calibri" panose="020F0502020204030204" pitchFamily="34" charset="0"/>
-                  <a:ea typeface="Calibri" panose="020F0502020204030204" pitchFamily="34" charset="0"/>
-                  <a:cs typeface="Times New Roman" panose="02020603050405020304" pitchFamily="18" charset="0"/>
-                </a:endParaRPr>
-              </a:p>
-              <a:p>
-                <a:pPr marL="0" indent="0">
-                  <a:spcBef>
-                    <a:spcPts val="1200"/>
-                  </a:spcBef>
-                  <a:spcAft>
-                    <a:spcPts val="1200"/>
-                  </a:spcAft>
-                  <a:buFont typeface="Didact Gothic"/>
-                  <a:buNone/>
-                </a:pPr>
-                <a:endParaRPr lang="ar-AE" sz="1800" kern="100" dirty="0">
-                  <a:latin typeface="Calibri" panose="020F0502020204030204" pitchFamily="34" charset="0"/>
-                  <a:ea typeface="Calibri" panose="020F0502020204030204" pitchFamily="34" charset="0"/>
-                  <a:cs typeface="Times New Roman" panose="02020603050405020304" pitchFamily="18" charset="0"/>
-                </a:endParaRPr>
-              </a:p>
-              <a:p>
-                <a:pPr marL="69850" indent="0">
-                  <a:spcBef>
-                    <a:spcPts val="1200"/>
-                  </a:spcBef>
-                  <a:spcAft>
-                    <a:spcPts val="1200"/>
-                  </a:spcAft>
-                  <a:buFont typeface="Didact Gothic"/>
-                  <a:buNone/>
-                </a:pPr>
-                <a:endParaRPr lang="ar-AE" sz="1800" kern="100" dirty="0">
-                  <a:latin typeface="Calibri" panose="020F0502020204030204" pitchFamily="34" charset="0"/>
-                  <a:ea typeface="Calibri" panose="020F0502020204030204" pitchFamily="34" charset="0"/>
-                  <a:cs typeface="Times New Roman" panose="02020603050405020304" pitchFamily="18" charset="0"/>
-                </a:endParaRPr>
-              </a:p>
-              <a:p>
-                <a:pPr>
-                  <a:spcBef>
-                    <a:spcPts val="1200"/>
-                  </a:spcBef>
-                  <a:spcAft>
-                    <a:spcPts val="1200"/>
-                  </a:spcAft>
-                </a:pPr>
-                <a:endParaRPr lang="ar-AE" sz="1800" kern="100" dirty="0">
-                  <a:latin typeface="Calibri" panose="020F0502020204030204" pitchFamily="34" charset="0"/>
-                  <a:ea typeface="Calibri" panose="020F0502020204030204" pitchFamily="34" charset="0"/>
-                  <a:cs typeface="Times New Roman" panose="02020603050405020304" pitchFamily="18" charset="0"/>
-                </a:endParaRPr>
-              </a:p>
-              <a:p>
-                <a:pPr marL="69850" indent="0">
-                  <a:spcBef>
-                    <a:spcPts val="1200"/>
-                  </a:spcBef>
-                  <a:spcAft>
-                    <a:spcPts val="1200"/>
-                  </a:spcAft>
-                  <a:buFont typeface="Didact Gothic"/>
-                  <a:buNone/>
-                </a:pPr>
-                <a:endParaRPr lang="ar-AE" sz="3600" kern="100" dirty="0">
-                  <a:latin typeface="Calibri" panose="020F0502020204030204" pitchFamily="34" charset="0"/>
-                  <a:ea typeface="Calibri" panose="020F0502020204030204" pitchFamily="34" charset="0"/>
-                  <a:cs typeface="Times New Roman" panose="02020603050405020304" pitchFamily="18" charset="0"/>
-                </a:endParaRPr>
-              </a:p>
-              <a:p>
-                <a:pPr marL="0" indent="0">
-                  <a:spcAft>
-                    <a:spcPts val="1600"/>
-                  </a:spcAft>
-                  <a:buFont typeface="Didact Gothic"/>
-                  <a:buNone/>
-                </a:pPr>
-                <a:endParaRPr lang="ar-AE" dirty="0"/>
+                <a:endParaRPr lang="en-US" sz="2000" dirty="0"/>
               </a:p>
             </p:txBody>
           </p:sp>
         </mc:Choice>
-        <mc:Fallback xmlns="">
+        <mc:Fallback>
           <p:sp>
             <p:nvSpPr>
-              <p:cNvPr id="6" name="Google Shape;565;p25">
+              <p:cNvPr id="11" name="Прямоугольник 10">
                 <a:extLst>
                   <a:ext uri="{FF2B5EF4-FFF2-40B4-BE49-F238E27FC236}">
-                    <a16:creationId xmlns:a16="http://schemas.microsoft.com/office/drawing/2014/main" id="{C0437639-496A-172E-A49C-90521215B1DF}"/>
+                    <a16:creationId xmlns:a16="http://schemas.microsoft.com/office/drawing/2014/main" id="{AAFA89E8-11A1-4950-A3F9-FB2F434F1B5A}"/>
                   </a:ext>
                 </a:extLst>
               </p:cNvPr>
-              <p:cNvSpPr txBox="1">
+              <p:cNvSpPr>
                 <a:spLocks noRot="1" noChangeAspect="1" noMove="1" noResize="1" noEditPoints="1" noAdjustHandles="1" noChangeArrowheads="1" noChangeShapeType="1" noTextEdit="1"/>
               </p:cNvSpPr>
               <p:nvPr/>
             </p:nvSpPr>
             <p:spPr>
               <a:xfrm>
-                <a:off x="4718137" y="1328181"/>
-                <a:ext cx="7767176" cy="4909781"/>
+                <a:off x="5643482" y="1217630"/>
+                <a:ext cx="1986185" cy="715196"/>
               </a:xfrm>
               <a:prstGeom prst="rect">
                 <a:avLst/>
               </a:prstGeom>
               <a:blipFill>
-                <a:blip r:embed="rId4"/>
+                <a:blip r:embed="rId8"/>
                 <a:stretch>
-                  <a:fillRect l="-942" b="-51304"/>
+                  <a:fillRect/>
                 </a:stretch>
               </a:blipFill>
-              <a:ln>
-                <a:noFill/>
-              </a:ln>
             </p:spPr>
             <p:txBody>
               <a:bodyPr/>
               <a:lstStyle/>
               <a:p>
                 <a:r>
-                  <a:rPr lang="ru-RU">
+                  <a:rPr lang="en-US">
                     <a:noFill/>
                   </a:rPr>
                   <a:t> </a:t>
@@ -27480,6 +29082,219 @@
           </p:sp>
         </mc:Fallback>
       </mc:AlternateContent>
+      <p:cxnSp>
+        <p:nvCxnSpPr>
+          <p:cNvPr id="13" name="Соединитель: изогнутый 12">
+            <a:extLst>
+              <a:ext uri="{FF2B5EF4-FFF2-40B4-BE49-F238E27FC236}">
+                <a16:creationId xmlns:a16="http://schemas.microsoft.com/office/drawing/2014/main" id="{F6706038-A0EC-4258-8900-B51BB773F68B}"/>
+              </a:ext>
+            </a:extLst>
+          </p:cNvPr>
+          <p:cNvCxnSpPr>
+            <a:stCxn id="7" idx="2"/>
+            <a:endCxn id="8" idx="0"/>
+          </p:cNvCxnSpPr>
+          <p:nvPr/>
+        </p:nvCxnSpPr>
+        <p:spPr>
+          <a:xfrm rot="5400000">
+            <a:off x="1048406" y="2201649"/>
+            <a:ext cx="729109" cy="1"/>
+          </a:xfrm>
+          <a:prstGeom prst="curvedConnector3">
+            <a:avLst/>
+          </a:prstGeom>
+          <a:ln>
+            <a:tailEnd type="triangle"/>
+          </a:ln>
+        </p:spPr>
+        <p:style>
+          <a:lnRef idx="3">
+            <a:schemeClr val="accent6"/>
+          </a:lnRef>
+          <a:fillRef idx="0">
+            <a:schemeClr val="accent6"/>
+          </a:fillRef>
+          <a:effectRef idx="2">
+            <a:schemeClr val="accent6"/>
+          </a:effectRef>
+          <a:fontRef idx="minor">
+            <a:schemeClr val="tx1"/>
+          </a:fontRef>
+        </p:style>
+      </p:cxnSp>
+      <p:cxnSp>
+        <p:nvCxnSpPr>
+          <p:cNvPr id="16" name="Соединитель: изогнутый 15">
+            <a:extLst>
+              <a:ext uri="{FF2B5EF4-FFF2-40B4-BE49-F238E27FC236}">
+                <a16:creationId xmlns:a16="http://schemas.microsoft.com/office/drawing/2014/main" id="{0C405E01-1F12-4DC9-B2F9-92752115F77C}"/>
+              </a:ext>
+            </a:extLst>
+          </p:cNvPr>
+          <p:cNvCxnSpPr>
+            <a:stCxn id="8" idx="3"/>
+            <a:endCxn id="9" idx="1"/>
+          </p:cNvCxnSpPr>
+          <p:nvPr/>
+        </p:nvCxnSpPr>
+        <p:spPr>
+          <a:xfrm flipV="1">
+            <a:off x="2259120" y="1527362"/>
+            <a:ext cx="514722" cy="1478803"/>
+          </a:xfrm>
+          <a:prstGeom prst="curvedConnector3">
+            <a:avLst/>
+          </a:prstGeom>
+          <a:ln>
+            <a:tailEnd type="triangle"/>
+          </a:ln>
+        </p:spPr>
+        <p:style>
+          <a:lnRef idx="3">
+            <a:schemeClr val="accent6"/>
+          </a:lnRef>
+          <a:fillRef idx="0">
+            <a:schemeClr val="accent6"/>
+          </a:fillRef>
+          <a:effectRef idx="2">
+            <a:schemeClr val="accent6"/>
+          </a:effectRef>
+          <a:fontRef idx="minor">
+            <a:schemeClr val="tx1"/>
+          </a:fontRef>
+        </p:style>
+      </p:cxnSp>
+      <p:cxnSp>
+        <p:nvCxnSpPr>
+          <p:cNvPr id="18" name="Соединитель: изогнутый 17">
+            <a:extLst>
+              <a:ext uri="{FF2B5EF4-FFF2-40B4-BE49-F238E27FC236}">
+                <a16:creationId xmlns:a16="http://schemas.microsoft.com/office/drawing/2014/main" id="{7B430BE7-C7BC-4A48-B662-BD85AD864249}"/>
+              </a:ext>
+            </a:extLst>
+          </p:cNvPr>
+          <p:cNvCxnSpPr>
+            <a:stCxn id="9" idx="2"/>
+            <a:endCxn id="10" idx="0"/>
+          </p:cNvCxnSpPr>
+          <p:nvPr/>
+        </p:nvCxnSpPr>
+        <p:spPr>
+          <a:xfrm rot="16200000" flipH="1">
+            <a:off x="3379540" y="2054761"/>
+            <a:ext cx="783203" cy="457319"/>
+          </a:xfrm>
+          <a:prstGeom prst="curvedConnector3">
+            <a:avLst/>
+          </a:prstGeom>
+          <a:ln>
+            <a:tailEnd type="triangle"/>
+          </a:ln>
+        </p:spPr>
+        <p:style>
+          <a:lnRef idx="3">
+            <a:schemeClr val="accent6"/>
+          </a:lnRef>
+          <a:fillRef idx="0">
+            <a:schemeClr val="accent6"/>
+          </a:fillRef>
+          <a:effectRef idx="2">
+            <a:schemeClr val="accent6"/>
+          </a:effectRef>
+          <a:fontRef idx="minor">
+            <a:schemeClr val="tx1"/>
+          </a:fontRef>
+        </p:style>
+      </p:cxnSp>
+      <p:cxnSp>
+        <p:nvCxnSpPr>
+          <p:cNvPr id="20" name="Соединитель: изогнутый 19">
+            <a:extLst>
+              <a:ext uri="{FF2B5EF4-FFF2-40B4-BE49-F238E27FC236}">
+                <a16:creationId xmlns:a16="http://schemas.microsoft.com/office/drawing/2014/main" id="{C038422A-55B9-458B-A2B5-8D4039CBDEC3}"/>
+              </a:ext>
+            </a:extLst>
+          </p:cNvPr>
+          <p:cNvCxnSpPr>
+            <a:stCxn id="10" idx="2"/>
+            <a:endCxn id="5" idx="0"/>
+          </p:cNvCxnSpPr>
+          <p:nvPr/>
+        </p:nvCxnSpPr>
+        <p:spPr>
+          <a:xfrm rot="5400000">
+            <a:off x="3672719" y="3548868"/>
+            <a:ext cx="480153" cy="174012"/>
+          </a:xfrm>
+          <a:prstGeom prst="curvedConnector3">
+            <a:avLst/>
+          </a:prstGeom>
+          <a:ln>
+            <a:tailEnd type="triangle"/>
+          </a:ln>
+        </p:spPr>
+        <p:style>
+          <a:lnRef idx="3">
+            <a:schemeClr val="accent6"/>
+          </a:lnRef>
+          <a:fillRef idx="0">
+            <a:schemeClr val="accent6"/>
+          </a:fillRef>
+          <a:effectRef idx="2">
+            <a:schemeClr val="accent6"/>
+          </a:effectRef>
+          <a:fontRef idx="minor">
+            <a:schemeClr val="tx1"/>
+          </a:fontRef>
+        </p:style>
+      </p:cxnSp>
+      <p:cxnSp>
+        <p:nvCxnSpPr>
+          <p:cNvPr id="22" name="Соединитель: изогнутый 21">
+            <a:extLst>
+              <a:ext uri="{FF2B5EF4-FFF2-40B4-BE49-F238E27FC236}">
+                <a16:creationId xmlns:a16="http://schemas.microsoft.com/office/drawing/2014/main" id="{6BE71907-F29D-4D38-9059-B0CD8AE739E8}"/>
+              </a:ext>
+            </a:extLst>
+          </p:cNvPr>
+          <p:cNvCxnSpPr>
+            <a:stCxn id="11" idx="2"/>
+            <a:endCxn id="5" idx="3"/>
+          </p:cNvCxnSpPr>
+          <p:nvPr/>
+        </p:nvCxnSpPr>
+        <p:spPr>
+          <a:xfrm rot="16200000" flipH="1">
+            <a:off x="5208089" y="3361312"/>
+            <a:ext cx="3239923" cy="382950"/>
+          </a:xfrm>
+          <a:prstGeom prst="curvedConnector4">
+            <a:avLst>
+              <a:gd name="adj1" fmla="val 29987"/>
+              <a:gd name="adj2" fmla="val 319021"/>
+            </a:avLst>
+          </a:prstGeom>
+          <a:ln>
+            <a:tailEnd type="triangle"/>
+          </a:ln>
+        </p:spPr>
+        <p:style>
+          <a:lnRef idx="3">
+            <a:schemeClr val="accent4"/>
+          </a:lnRef>
+          <a:fillRef idx="0">
+            <a:schemeClr val="accent4"/>
+          </a:fillRef>
+          <a:effectRef idx="2">
+            <a:schemeClr val="accent4"/>
+          </a:effectRef>
+          <a:fontRef idx="minor">
+            <a:schemeClr val="tx1"/>
+          </a:fontRef>
+        </p:style>
+      </p:cxnSp>
     </p:spTree>
     <p:extLst>
       <p:ext uri="{BB962C8B-B14F-4D97-AF65-F5344CB8AC3E}">
@@ -27522,7 +29337,7 @@
         </p:nvSpPr>
         <p:spPr>
           <a:xfrm>
-            <a:off x="298270" y="182780"/>
+            <a:off x="298270" y="166353"/>
             <a:ext cx="7908300" cy="1122300"/>
           </a:xfrm>
           <a:prstGeom prst="rect">
@@ -27590,364 +29405,390 @@
       </p:sp>
       <p:sp>
         <p:nvSpPr>
-          <p:cNvPr id="565" name="Google Shape;565;p25"/>
-          <p:cNvSpPr txBox="1">
+          <p:cNvPr id="2" name="Номер слайда 1">
+            <a:extLst>
+              <a:ext uri="{FF2B5EF4-FFF2-40B4-BE49-F238E27FC236}">
+                <a16:creationId xmlns:a16="http://schemas.microsoft.com/office/drawing/2014/main" id="{3875CBC3-AA4D-7BED-9091-05B2F6F74BAB}"/>
+              </a:ext>
+            </a:extLst>
+          </p:cNvPr>
+          <p:cNvSpPr>
             <a:spLocks noGrp="1"/>
           </p:cNvSpPr>
           <p:nvPr>
-            <p:ph type="body" idx="1"/>
+            <p:ph type="sldNum" idx="12"/>
           </p:nvPr>
         </p:nvSpPr>
         <p:spPr>
           <a:xfrm>
-            <a:off x="1088725" y="3683102"/>
-            <a:ext cx="7908300" cy="2101800"/>
+            <a:off x="-365850" y="6333300"/>
+            <a:ext cx="731700" cy="524700"/>
           </a:xfrm>
-          <a:prstGeom prst="rect">
-            <a:avLst/>
-          </a:prstGeom>
         </p:spPr>
         <p:txBody>
-          <a:bodyPr spcFirstLastPara="1" wrap="square" lIns="121900" tIns="121900" rIns="121900" bIns="121900" anchor="t" anchorCtr="0">
-            <a:normAutofit/>
-          </a:bodyPr>
+          <a:bodyPr/>
           <a:lstStyle/>
           <a:p>
-            <a:pPr marL="0" lvl="0" indent="0" algn="l" rtl="0">
+            <a:pPr marL="0" lvl="0" indent="0" algn="r" rtl="0">
               <a:spcBef>
                 <a:spcPts val="0"/>
               </a:spcBef>
               <a:spcAft>
-                <a:spcPts val="1600"/>
+                <a:spcPts val="0"/>
               </a:spcAft>
               <a:buNone/>
             </a:pPr>
-            <a:endParaRPr dirty="0"/>
-          </a:p>
-        </p:txBody>
-      </p:sp>
-      <p:pic>
-        <p:nvPicPr>
-          <p:cNvPr id="2" name="Рисунок 1">
-            <a:extLst>
-              <a:ext uri="{FF2B5EF4-FFF2-40B4-BE49-F238E27FC236}">
-                <a16:creationId xmlns:a16="http://schemas.microsoft.com/office/drawing/2014/main" id="{42DE8B86-E015-0DDC-F9B7-7BD58320F44C}"/>
-              </a:ext>
-            </a:extLst>
-          </p:cNvPr>
-          <p:cNvPicPr>
-            <a:picLocks noChangeAspect="1"/>
-          </p:cNvPicPr>
-          <p:nvPr/>
-        </p:nvPicPr>
-        <p:blipFill>
-          <a:blip r:embed="rId3" cstate="print">
-            <a:extLst>
-              <a:ext uri="{28A0092B-C50C-407E-A947-70E740481C1C}">
-                <a14:useLocalDpi xmlns:a14="http://schemas.microsoft.com/office/drawing/2010/main" val="0"/>
-              </a:ext>
-            </a:extLst>
-          </a:blip>
-          <a:srcRect/>
-          <a:stretch>
-            <a:fillRect/>
-          </a:stretch>
-        </p:blipFill>
-        <p:spPr bwMode="auto">
-          <a:xfrm>
-            <a:off x="261085" y="1277465"/>
-            <a:ext cx="3660040" cy="2763677"/>
-          </a:xfrm>
-          <a:prstGeom prst="rect">
-            <a:avLst/>
-          </a:prstGeom>
-          <a:noFill/>
-          <a:ln>
-            <a:noFill/>
-          </a:ln>
-        </p:spPr>
-      </p:pic>
-      <p:pic>
-        <p:nvPicPr>
-          <p:cNvPr id="4" name="Рисунок 3">
-            <a:extLst>
-              <a:ext uri="{FF2B5EF4-FFF2-40B4-BE49-F238E27FC236}">
-                <a16:creationId xmlns:a16="http://schemas.microsoft.com/office/drawing/2014/main" id="{FD41B2B0-1860-14B4-C31B-DA81089A5209}"/>
-              </a:ext>
-            </a:extLst>
-          </p:cNvPr>
-          <p:cNvPicPr>
-            <a:picLocks noChangeAspect="1"/>
-          </p:cNvPicPr>
-          <p:nvPr/>
-        </p:nvPicPr>
-        <p:blipFill>
-          <a:blip r:embed="rId4" cstate="print">
-            <a:extLst>
-              <a:ext uri="{28A0092B-C50C-407E-A947-70E740481C1C}">
-                <a14:useLocalDpi xmlns:a14="http://schemas.microsoft.com/office/drawing/2010/main" val="0"/>
-              </a:ext>
-            </a:extLst>
-          </a:blip>
-          <a:srcRect/>
-          <a:stretch>
-            <a:fillRect/>
-          </a:stretch>
-        </p:blipFill>
-        <p:spPr bwMode="auto">
-          <a:xfrm>
-            <a:off x="4687086" y="1277465"/>
-            <a:ext cx="3674763" cy="2763678"/>
-          </a:xfrm>
-          <a:prstGeom prst="rect">
-            <a:avLst/>
-          </a:prstGeom>
-          <a:noFill/>
-          <a:ln>
-            <a:noFill/>
-          </a:ln>
-        </p:spPr>
-      </p:pic>
-      <p:pic>
-        <p:nvPicPr>
-          <p:cNvPr id="5" name="Рисунок 4">
-            <a:extLst>
-              <a:ext uri="{FF2B5EF4-FFF2-40B4-BE49-F238E27FC236}">
-                <a16:creationId xmlns:a16="http://schemas.microsoft.com/office/drawing/2014/main" id="{FB3D4755-FEFA-DD81-64BF-75F16DFE9253}"/>
-              </a:ext>
-            </a:extLst>
-          </p:cNvPr>
-          <p:cNvPicPr>
-            <a:picLocks noChangeAspect="1"/>
-          </p:cNvPicPr>
-          <p:nvPr/>
-        </p:nvPicPr>
-        <p:blipFill>
-          <a:blip r:embed="rId5" cstate="print">
-            <a:extLst>
-              <a:ext uri="{28A0092B-C50C-407E-A947-70E740481C1C}">
-                <a14:useLocalDpi xmlns:a14="http://schemas.microsoft.com/office/drawing/2010/main" val="0"/>
-              </a:ext>
-            </a:extLst>
-          </a:blip>
-          <a:srcRect/>
-          <a:stretch>
-            <a:fillRect/>
-          </a:stretch>
-        </p:blipFill>
-        <p:spPr bwMode="auto">
-          <a:xfrm>
-            <a:off x="183079" y="4145862"/>
-            <a:ext cx="3738046" cy="2737581"/>
-          </a:xfrm>
-          <a:prstGeom prst="rect">
-            <a:avLst/>
-          </a:prstGeom>
-          <a:noFill/>
-          <a:ln>
-            <a:noFill/>
-          </a:ln>
-        </p:spPr>
-      </p:pic>
-      <p:pic>
-        <p:nvPicPr>
-          <p:cNvPr id="6" name="Рисунок 5">
-            <a:extLst>
-              <a:ext uri="{FF2B5EF4-FFF2-40B4-BE49-F238E27FC236}">
-                <a16:creationId xmlns:a16="http://schemas.microsoft.com/office/drawing/2014/main" id="{FF5B52BB-C7C1-C9E9-1310-880F0123D305}"/>
-              </a:ext>
-            </a:extLst>
-          </p:cNvPr>
-          <p:cNvPicPr>
-            <a:picLocks noChangeAspect="1"/>
-          </p:cNvPicPr>
-          <p:nvPr/>
-        </p:nvPicPr>
-        <p:blipFill>
-          <a:blip r:embed="rId6" cstate="print">
-            <a:extLst>
-              <a:ext uri="{28A0092B-C50C-407E-A947-70E740481C1C}">
-                <a14:useLocalDpi xmlns:a14="http://schemas.microsoft.com/office/drawing/2010/main" val="0"/>
-              </a:ext>
-            </a:extLst>
-          </a:blip>
-          <a:srcRect/>
-          <a:stretch>
-            <a:fillRect/>
-          </a:stretch>
-        </p:blipFill>
-        <p:spPr bwMode="auto">
-          <a:xfrm>
-            <a:off x="4701808" y="4120418"/>
-            <a:ext cx="3660041" cy="2737582"/>
-          </a:xfrm>
-          <a:prstGeom prst="rect">
-            <a:avLst/>
-          </a:prstGeom>
-          <a:noFill/>
-          <a:ln>
-            <a:noFill/>
-          </a:ln>
-        </p:spPr>
-      </p:pic>
-    </p:spTree>
-    <p:extLst>
-      <p:ext uri="{BB962C8B-B14F-4D97-AF65-F5344CB8AC3E}">
-        <p14:creationId xmlns:p14="http://schemas.microsoft.com/office/powerpoint/2010/main" val="441524821"/>
-      </p:ext>
-    </p:extLst>
-  </p:cSld>
-  <p:clrMapOvr>
-    <a:masterClrMapping/>
-  </p:clrMapOvr>
-</p:sld>
-</file>
-
-<file path=ppt/slides/slide8.xml><?xml version="1.0" encoding="utf-8"?>
-<p:sld xmlns:a="http://schemas.openxmlformats.org/drawingml/2006/main" xmlns:r="http://schemas.openxmlformats.org/officeDocument/2006/relationships" xmlns:p="http://schemas.openxmlformats.org/presentationml/2006/main">
-  <p:cSld>
-    <p:spTree>
-      <p:nvGrpSpPr>
-        <p:cNvPr id="1" name="Shape 562"/>
-        <p:cNvGrpSpPr/>
-        <p:nvPr/>
-      </p:nvGrpSpPr>
-      <p:grpSpPr>
-        <a:xfrm>
-          <a:off x="0" y="0"/>
-          <a:ext cx="0" cy="0"/>
-          <a:chOff x="0" y="0"/>
-          <a:chExt cx="0" cy="0"/>
-        </a:xfrm>
-      </p:grpSpPr>
-      <p:sp>
-        <p:nvSpPr>
-          <p:cNvPr id="563" name="Google Shape;563;p25"/>
-          <p:cNvSpPr txBox="1">
-            <a:spLocks noGrp="1"/>
-          </p:cNvSpPr>
-          <p:nvPr>
-            <p:ph type="title"/>
-          </p:nvPr>
-        </p:nvSpPr>
-        <p:spPr>
-          <a:xfrm>
-            <a:off x="298270" y="182780"/>
-            <a:ext cx="7908300" cy="1122300"/>
-          </a:xfrm>
-          <a:prstGeom prst="rect">
-            <a:avLst/>
-          </a:prstGeom>
-        </p:spPr>
-        <p:txBody>
-          <a:bodyPr spcFirstLastPara="1" wrap="square" lIns="121900" tIns="121900" rIns="121900" bIns="121900" anchor="ctr" anchorCtr="0">
-            <a:normAutofit/>
-          </a:bodyPr>
-          <a:lstStyle/>
-          <a:p>
-            <a:pPr marL="0" lvl="0" indent="0" algn="l" rtl="0">
-              <a:spcBef>
-                <a:spcPts val="0"/>
-              </a:spcBef>
-              <a:spcAft>
-                <a:spcPts val="0"/>
-              </a:spcAft>
-              <a:buNone/>
-            </a:pPr>
-            <a:r>
-              <a:rPr lang="ru-RU" dirty="0"/>
-              <a:t>Программная реализация</a:t>
-            </a:r>
-            <a:endParaRPr dirty="0"/>
+            <a:fld id="{00000000-1234-1234-1234-123412341234}" type="slidenum">
+              <a:rPr lang="en" smtClean="0"/>
+              <a:t>7</a:t>
+            </a:fld>
+            <a:endParaRPr lang="en"/>
           </a:p>
         </p:txBody>
       </p:sp>
       <p:sp>
         <p:nvSpPr>
-          <p:cNvPr id="564" name="Google Shape;564;p25"/>
+          <p:cNvPr id="11" name="Прямоугольник: скругленные углы 10">
+            <a:extLst>
+              <a:ext uri="{FF2B5EF4-FFF2-40B4-BE49-F238E27FC236}">
+                <a16:creationId xmlns:a16="http://schemas.microsoft.com/office/drawing/2014/main" id="{3B8B42DC-38C2-4AD3-B23C-DE6467718F10}"/>
+              </a:ext>
+            </a:extLst>
+          </p:cNvPr>
           <p:cNvSpPr/>
           <p:nvPr/>
         </p:nvSpPr>
         <p:spPr>
           <a:xfrm>
-            <a:off x="1088725" y="1062001"/>
-            <a:ext cx="1635566" cy="1212025"/>
+            <a:off x="447301" y="2014618"/>
+            <a:ext cx="2918414" cy="879221"/>
           </a:xfrm>
-          <a:prstGeom prst="rect">
+          <a:prstGeom prst="roundRect">
             <a:avLst/>
           </a:prstGeom>
         </p:spPr>
+        <p:style>
+          <a:lnRef idx="2">
+            <a:schemeClr val="dk1">
+              <a:shade val="50000"/>
+            </a:schemeClr>
+          </a:lnRef>
+          <a:fillRef idx="1">
+            <a:schemeClr val="dk1"/>
+          </a:fillRef>
+          <a:effectRef idx="0">
+            <a:schemeClr val="dk1"/>
+          </a:effectRef>
+          <a:fontRef idx="minor">
+            <a:schemeClr val="lt1"/>
+          </a:fontRef>
+        </p:style>
         <p:txBody>
-          <a:bodyPr>
-            <a:prstTxWarp prst="textPlain">
-              <a:avLst/>
-            </a:prstTxWarp>
-          </a:bodyPr>
+          <a:bodyPr rtlCol="0" anchor="ctr"/>
           <a:lstStyle/>
           <a:p>
-            <a:pPr lvl="0" algn="ctr"/>
-            <a:endParaRPr b="0" i="0" dirty="0">
-              <a:ln>
-                <a:noFill/>
-              </a:ln>
-              <a:solidFill>
-                <a:schemeClr val="accent4"/>
-              </a:solidFill>
-              <a:latin typeface="DM Sans;900"/>
-            </a:endParaRPr>
+            <a:pPr algn="ctr"/>
+            <a:r>
+              <a:rPr lang="ru-RU" dirty="0">
+                <a:ln w="0"/>
+                <a:solidFill>
+                  <a:schemeClr val="accent1"/>
+                </a:solidFill>
+                <a:effectLst>
+                  <a:outerShdw blurRad="38100" dist="25400" dir="5400000" algn="ctr" rotWithShape="0">
+                    <a:srgbClr val="6E747A">
+                      <a:alpha val="43000"/>
+                    </a:srgbClr>
+                  </a:outerShdw>
+                </a:effectLst>
+              </a:rPr>
+              <a:t>Построение графиков по данным из </a:t>
+            </a:r>
+            <a:r>
+              <a:rPr lang="en-US" dirty="0" err="1">
+                <a:ln w="0"/>
+                <a:solidFill>
+                  <a:schemeClr val="accent1"/>
+                </a:solidFill>
+                <a:effectLst>
+                  <a:outerShdw blurRad="38100" dist="25400" dir="5400000" algn="ctr" rotWithShape="0">
+                    <a:srgbClr val="6E747A">
+                      <a:alpha val="43000"/>
+                    </a:srgbClr>
+                  </a:outerShdw>
+                </a:effectLst>
+              </a:rPr>
+              <a:t>Kerbal</a:t>
+            </a:r>
+            <a:r>
+              <a:rPr lang="en-US" dirty="0">
+                <a:ln w="0"/>
+                <a:solidFill>
+                  <a:schemeClr val="accent1"/>
+                </a:solidFill>
+                <a:effectLst>
+                  <a:outerShdw blurRad="38100" dist="25400" dir="5400000" algn="ctr" rotWithShape="0">
+                    <a:srgbClr val="6E747A">
+                      <a:alpha val="43000"/>
+                    </a:srgbClr>
+                  </a:outerShdw>
+                </a:effectLst>
+              </a:rPr>
+              <a:t> Space Program</a:t>
+            </a:r>
           </a:p>
         </p:txBody>
       </p:sp>
+      <p:cxnSp>
+        <p:nvCxnSpPr>
+          <p:cNvPr id="14" name="Соединитель: изогнутый 13">
+            <a:extLst>
+              <a:ext uri="{FF2B5EF4-FFF2-40B4-BE49-F238E27FC236}">
+                <a16:creationId xmlns:a16="http://schemas.microsoft.com/office/drawing/2014/main" id="{CC49F0E2-7003-4CC7-81E2-BC1BAA92713F}"/>
+              </a:ext>
+            </a:extLst>
+          </p:cNvPr>
+          <p:cNvCxnSpPr>
+            <a:stCxn id="563" idx="2"/>
+            <a:endCxn id="11" idx="0"/>
+          </p:cNvCxnSpPr>
+          <p:nvPr/>
+        </p:nvCxnSpPr>
+        <p:spPr>
+          <a:xfrm rot="5400000">
+            <a:off x="2716482" y="478679"/>
+            <a:ext cx="725965" cy="2345912"/>
+          </a:xfrm>
+          <a:prstGeom prst="curvedConnector3">
+            <a:avLst/>
+          </a:prstGeom>
+          <a:ln>
+            <a:tailEnd type="triangle"/>
+          </a:ln>
+        </p:spPr>
+        <p:style>
+          <a:lnRef idx="3">
+            <a:schemeClr val="accent6"/>
+          </a:lnRef>
+          <a:fillRef idx="0">
+            <a:schemeClr val="accent6"/>
+          </a:fillRef>
+          <a:effectRef idx="2">
+            <a:schemeClr val="accent6"/>
+          </a:effectRef>
+          <a:fontRef idx="minor">
+            <a:schemeClr val="tx1"/>
+          </a:fontRef>
+        </p:style>
+      </p:cxnSp>
       <p:sp>
         <p:nvSpPr>
-          <p:cNvPr id="565" name="Google Shape;565;p25"/>
-          <p:cNvSpPr txBox="1">
-            <a:spLocks noGrp="1"/>
-          </p:cNvSpPr>
-          <p:nvPr>
-            <p:ph type="body" idx="1"/>
-          </p:nvPr>
+          <p:cNvPr id="16" name="Прямоугольник: скругленные углы 15">
+            <a:extLst>
+              <a:ext uri="{FF2B5EF4-FFF2-40B4-BE49-F238E27FC236}">
+                <a16:creationId xmlns:a16="http://schemas.microsoft.com/office/drawing/2014/main" id="{117965FD-505C-432D-B0A5-77F448E5D033}"/>
+              </a:ext>
+            </a:extLst>
+          </p:cNvPr>
+          <p:cNvSpPr/>
+          <p:nvPr/>
         </p:nvSpPr>
         <p:spPr>
           <a:xfrm>
-            <a:off x="1088725" y="3683102"/>
-            <a:ext cx="7908300" cy="2101800"/>
+            <a:off x="5825878" y="2014618"/>
+            <a:ext cx="2803430" cy="865524"/>
           </a:xfrm>
-          <a:prstGeom prst="rect">
+          <a:prstGeom prst="roundRect">
             <a:avLst/>
           </a:prstGeom>
         </p:spPr>
+        <p:style>
+          <a:lnRef idx="2">
+            <a:schemeClr val="dk1">
+              <a:shade val="50000"/>
+            </a:schemeClr>
+          </a:lnRef>
+          <a:fillRef idx="1">
+            <a:schemeClr val="dk1"/>
+          </a:fillRef>
+          <a:effectRef idx="0">
+            <a:schemeClr val="dk1"/>
+          </a:effectRef>
+          <a:fontRef idx="minor">
+            <a:schemeClr val="lt1"/>
+          </a:fontRef>
+        </p:style>
         <p:txBody>
-          <a:bodyPr spcFirstLastPara="1" wrap="square" lIns="121900" tIns="121900" rIns="121900" bIns="121900" anchor="t" anchorCtr="0">
-            <a:normAutofit/>
-          </a:bodyPr>
+          <a:bodyPr rtlCol="0" anchor="ctr"/>
           <a:lstStyle/>
           <a:p>
-            <a:pPr marL="0" lvl="0" indent="0" algn="l" rtl="0">
-              <a:spcBef>
-                <a:spcPts val="0"/>
-              </a:spcBef>
-              <a:spcAft>
-                <a:spcPts val="1600"/>
-              </a:spcAft>
-              <a:buNone/>
-            </a:pPr>
-            <a:endParaRPr dirty="0"/>
+            <a:pPr algn="ctr"/>
+            <a:r>
+              <a:rPr lang="ru-RU" dirty="0"/>
+              <a:t>Написание автопилота для полёта корабля в </a:t>
+            </a:r>
+            <a:r>
+              <a:rPr lang="en-US" dirty="0" err="1"/>
+              <a:t>Kerbal</a:t>
+            </a:r>
+            <a:r>
+              <a:rPr lang="en-US" dirty="0"/>
+              <a:t> Space Program</a:t>
+            </a:r>
           </a:p>
         </p:txBody>
       </p:sp>
-      <p:pic>
-        <p:nvPicPr>
-          <p:cNvPr id="7" name="Рисунок 6">
+      <p:cxnSp>
+        <p:nvCxnSpPr>
+          <p:cNvPr id="18" name="Соединитель: изогнутый 17">
             <a:extLst>
               <a:ext uri="{FF2B5EF4-FFF2-40B4-BE49-F238E27FC236}">
-                <a16:creationId xmlns:a16="http://schemas.microsoft.com/office/drawing/2014/main" id="{A88B6417-9B58-3DA3-CF1C-3D737835AFFE}"/>
+                <a16:creationId xmlns:a16="http://schemas.microsoft.com/office/drawing/2014/main" id="{2A514ABA-525F-4F00-B23A-28FEC5AA660E}"/>
               </a:ext>
             </a:extLst>
           </p:cNvPr>
-          <p:cNvPicPr>
-            <a:picLocks noChangeAspect="1"/>
-          </p:cNvPicPr>
+          <p:cNvCxnSpPr>
+            <a:stCxn id="563" idx="2"/>
+            <a:endCxn id="16" idx="0"/>
+          </p:cNvCxnSpPr>
+          <p:nvPr/>
+        </p:nvCxnSpPr>
+        <p:spPr>
+          <a:xfrm rot="16200000" flipH="1">
+            <a:off x="5377024" y="164048"/>
+            <a:ext cx="725965" cy="2975173"/>
+          </a:xfrm>
+          <a:prstGeom prst="curvedConnector3">
+            <a:avLst/>
+          </a:prstGeom>
+          <a:ln>
+            <a:tailEnd type="triangle"/>
+          </a:ln>
+        </p:spPr>
+        <p:style>
+          <a:lnRef idx="3">
+            <a:schemeClr val="accent6"/>
+          </a:lnRef>
+          <a:fillRef idx="0">
+            <a:schemeClr val="accent6"/>
+          </a:fillRef>
+          <a:effectRef idx="2">
+            <a:schemeClr val="accent6"/>
+          </a:effectRef>
+          <a:fontRef idx="minor">
+            <a:schemeClr val="tx1"/>
+          </a:fontRef>
+        </p:style>
+      </p:cxnSp>
+      <p:sp>
+        <p:nvSpPr>
+          <p:cNvPr id="20" name="Прямоугольник: скругленные углы 19">
+            <a:extLst>
+              <a:ext uri="{FF2B5EF4-FFF2-40B4-BE49-F238E27FC236}">
+                <a16:creationId xmlns:a16="http://schemas.microsoft.com/office/drawing/2014/main" id="{B5100608-05D1-493F-8749-8C5E07E16F97}"/>
+              </a:ext>
+            </a:extLst>
+          </p:cNvPr>
+          <p:cNvSpPr/>
+          <p:nvPr/>
+        </p:nvSpPr>
+        <p:spPr>
+          <a:xfrm>
+            <a:off x="4433289" y="3214088"/>
+            <a:ext cx="2794304" cy="1045811"/>
+          </a:xfrm>
+          <a:prstGeom prst="roundRect">
+            <a:avLst/>
+          </a:prstGeom>
+        </p:spPr>
+        <p:style>
+          <a:lnRef idx="2">
+            <a:schemeClr val="dk1">
+              <a:shade val="50000"/>
+            </a:schemeClr>
+          </a:lnRef>
+          <a:fillRef idx="1">
+            <a:schemeClr val="dk1"/>
+          </a:fillRef>
+          <a:effectRef idx="0">
+            <a:schemeClr val="dk1"/>
+          </a:effectRef>
+          <a:fontRef idx="minor">
+            <a:schemeClr val="lt1"/>
+          </a:fontRef>
+        </p:style>
+        <p:txBody>
+          <a:bodyPr rtlCol="0" anchor="ctr"/>
+          <a:lstStyle/>
+          <a:p>
+            <a:pPr algn="ctr"/>
+            <a:r>
+              <a:rPr lang="ru-RU" dirty="0"/>
+              <a:t>Сравнение графиков математической модели и полученных из данных </a:t>
+            </a:r>
+            <a:r>
+              <a:rPr lang="en-US" dirty="0" err="1"/>
+              <a:t>Kerbal</a:t>
+            </a:r>
+            <a:r>
+              <a:rPr lang="en-US" dirty="0"/>
+              <a:t> Space Program</a:t>
+            </a:r>
+          </a:p>
+        </p:txBody>
+      </p:sp>
+      <p:cxnSp>
+        <p:nvCxnSpPr>
+          <p:cNvPr id="22" name="Соединитель: изогнутый 21">
+            <a:extLst>
+              <a:ext uri="{FF2B5EF4-FFF2-40B4-BE49-F238E27FC236}">
+                <a16:creationId xmlns:a16="http://schemas.microsoft.com/office/drawing/2014/main" id="{83EBFE7D-FAF9-44A2-B58A-9C8D270CF091}"/>
+              </a:ext>
+            </a:extLst>
+          </p:cNvPr>
+          <p:cNvCxnSpPr>
+            <a:stCxn id="563" idx="2"/>
+            <a:endCxn id="20" idx="0"/>
+          </p:cNvCxnSpPr>
+          <p:nvPr/>
+        </p:nvCxnSpPr>
+        <p:spPr>
+          <a:xfrm rot="16200000" flipH="1">
+            <a:off x="4078713" y="1462359"/>
+            <a:ext cx="1925435" cy="1578021"/>
+          </a:xfrm>
+          <a:prstGeom prst="curvedConnector3">
+            <a:avLst/>
+          </a:prstGeom>
+          <a:ln>
+            <a:tailEnd type="triangle"/>
+          </a:ln>
+        </p:spPr>
+        <p:style>
+          <a:lnRef idx="3">
+            <a:schemeClr val="accent6"/>
+          </a:lnRef>
+          <a:fillRef idx="0">
+            <a:schemeClr val="accent6"/>
+          </a:fillRef>
+          <a:effectRef idx="2">
+            <a:schemeClr val="accent6"/>
+          </a:effectRef>
+          <a:fontRef idx="minor">
+            <a:schemeClr val="tx1"/>
+          </a:fontRef>
+        </p:style>
+      </p:cxnSp>
+      <p:pic>
+        <p:nvPicPr>
+          <p:cNvPr id="30" name="Рисунок 29">
+            <a:extLst>
+              <a:ext uri="{FF2B5EF4-FFF2-40B4-BE49-F238E27FC236}">
+                <a16:creationId xmlns:a16="http://schemas.microsoft.com/office/drawing/2014/main" id="{125EE341-A3C1-408C-B49E-1BF985598F43}"/>
+              </a:ext>
+            </a:extLst>
+          </p:cNvPr>
+          <p:cNvPicPr/>
           <p:nvPr/>
         </p:nvPicPr>
         <p:blipFill>
@@ -27958,8 +29799,8 @@
         </p:blipFill>
         <p:spPr>
           <a:xfrm>
-            <a:off x="109086" y="1478778"/>
-            <a:ext cx="4995652" cy="5379222"/>
+            <a:off x="298270" y="3169674"/>
+            <a:ext cx="3847720" cy="2867526"/>
           </a:xfrm>
           <a:prstGeom prst="rect">
             <a:avLst/>
@@ -27968,16 +29809,14 @@
       </p:pic>
       <p:pic>
         <p:nvPicPr>
-          <p:cNvPr id="9" name="Рисунок 8">
+          <p:cNvPr id="33" name="Рисунок 32">
             <a:extLst>
               <a:ext uri="{FF2B5EF4-FFF2-40B4-BE49-F238E27FC236}">
-                <a16:creationId xmlns:a16="http://schemas.microsoft.com/office/drawing/2014/main" id="{37375550-C7FC-A845-02BA-BC80B12B8F80}"/>
+                <a16:creationId xmlns:a16="http://schemas.microsoft.com/office/drawing/2014/main" id="{82DFC82D-04A0-4976-9E6F-DC7AC2C4E816}"/>
               </a:ext>
             </a:extLst>
           </p:cNvPr>
-          <p:cNvPicPr>
-            <a:picLocks noChangeAspect="1"/>
-          </p:cNvPicPr>
+          <p:cNvPicPr/>
           <p:nvPr/>
         </p:nvPicPr>
         <p:blipFill>
@@ -27988,38 +29827,8 @@
         </p:blipFill>
         <p:spPr>
           <a:xfrm>
-            <a:off x="3062484" y="1478777"/>
-            <a:ext cx="5230411" cy="5379221"/>
-          </a:xfrm>
-          <a:prstGeom prst="rect">
-            <a:avLst/>
-          </a:prstGeom>
-        </p:spPr>
-      </p:pic>
-      <p:pic>
-        <p:nvPicPr>
-          <p:cNvPr id="13" name="Рисунок 12">
-            <a:extLst>
-              <a:ext uri="{FF2B5EF4-FFF2-40B4-BE49-F238E27FC236}">
-                <a16:creationId xmlns:a16="http://schemas.microsoft.com/office/drawing/2014/main" id="{87E13C22-D780-D547-D659-AF5F90D17D43}"/>
-              </a:ext>
-            </a:extLst>
-          </p:cNvPr>
-          <p:cNvPicPr>
-            <a:picLocks noChangeAspect="1"/>
-          </p:cNvPicPr>
-          <p:nvPr/>
-        </p:nvPicPr>
-        <p:blipFill>
-          <a:blip r:embed="rId5"/>
-          <a:stretch>
-            <a:fillRect/>
-          </a:stretch>
-        </p:blipFill>
-        <p:spPr>
-          <a:xfrm>
-            <a:off x="6209990" y="1478776"/>
-            <a:ext cx="4606557" cy="5379223"/>
+            <a:off x="7488161" y="3266225"/>
+            <a:ext cx="3940804" cy="2936318"/>
           </a:xfrm>
           <a:prstGeom prst="rect">
             <a:avLst/>
@@ -28039,7 +29848,7 @@
 </p:sld>
 </file>
 
-<file path=ppt/slides/slide9.xml><?xml version="1.0" encoding="utf-8"?>
+<file path=ppt/slides/slide8.xml><?xml version="1.0" encoding="utf-8"?>
 <p:sld xmlns:a="http://schemas.openxmlformats.org/drawingml/2006/main" xmlns:r="http://schemas.openxmlformats.org/officeDocument/2006/relationships" xmlns:p="http://schemas.openxmlformats.org/presentationml/2006/main">
   <p:cSld>
     <p:spTree>
@@ -28094,44 +29903,6 @@
               <a:rPr lang="ru-RU" dirty="0"/>
               <a:t>Спасибо за внимание</a:t>
             </a:r>
-            <a:endParaRPr dirty="0"/>
-          </a:p>
-        </p:txBody>
-      </p:sp>
-      <p:sp>
-        <p:nvSpPr>
-          <p:cNvPr id="584" name="Google Shape;584;p28"/>
-          <p:cNvSpPr txBox="1">
-            <a:spLocks noGrp="1"/>
-          </p:cNvSpPr>
-          <p:nvPr>
-            <p:ph type="subTitle" idx="1"/>
-          </p:nvPr>
-        </p:nvSpPr>
-        <p:spPr>
-          <a:xfrm>
-            <a:off x="2904800" y="5709024"/>
-            <a:ext cx="8460600" cy="693000"/>
-          </a:xfrm>
-          <a:prstGeom prst="rect">
-            <a:avLst/>
-          </a:prstGeom>
-        </p:spPr>
-        <p:txBody>
-          <a:bodyPr spcFirstLastPara="1" wrap="square" lIns="121900" tIns="121900" rIns="121900" bIns="121900" anchor="t" anchorCtr="0">
-            <a:normAutofit/>
-          </a:bodyPr>
-          <a:lstStyle/>
-          <a:p>
-            <a:pPr marL="457200" lvl="0" indent="0" algn="r" rtl="0">
-              <a:spcBef>
-                <a:spcPts val="0"/>
-              </a:spcBef>
-              <a:spcAft>
-                <a:spcPts val="0"/>
-              </a:spcAft>
-              <a:buNone/>
-            </a:pPr>
             <a:endParaRPr dirty="0"/>
           </a:p>
         </p:txBody>
@@ -28343,6 +30114,49 @@
           </p:txBody>
         </p:sp>
       </p:grpSp>
+      <p:sp>
+        <p:nvSpPr>
+          <p:cNvPr id="2" name="Номер слайда 1">
+            <a:extLst>
+              <a:ext uri="{FF2B5EF4-FFF2-40B4-BE49-F238E27FC236}">
+                <a16:creationId xmlns:a16="http://schemas.microsoft.com/office/drawing/2014/main" id="{4BF68161-AB75-3713-CC69-5F7A283B437E}"/>
+              </a:ext>
+            </a:extLst>
+          </p:cNvPr>
+          <p:cNvSpPr>
+            <a:spLocks noGrp="1"/>
+          </p:cNvSpPr>
+          <p:nvPr>
+            <p:ph type="sldNum" idx="12"/>
+          </p:nvPr>
+        </p:nvSpPr>
+        <p:spPr>
+          <a:xfrm>
+            <a:off x="-365850" y="6333300"/>
+            <a:ext cx="731700" cy="524700"/>
+          </a:xfrm>
+        </p:spPr>
+        <p:txBody>
+          <a:bodyPr/>
+          <a:lstStyle/>
+          <a:p>
+            <a:pPr marL="0" lvl="0" indent="0" algn="r" rtl="0">
+              <a:spcBef>
+                <a:spcPts val="0"/>
+              </a:spcBef>
+              <a:spcAft>
+                <a:spcPts val="0"/>
+              </a:spcAft>
+              <a:buNone/>
+            </a:pPr>
+            <a:fld id="{00000000-1234-1234-1234-123412341234}" type="slidenum">
+              <a:rPr lang="en" smtClean="0"/>
+              <a:t>8</a:t>
+            </a:fld>
+            <a:endParaRPr lang="en"/>
+          </a:p>
+        </p:txBody>
+      </p:sp>
     </p:spTree>
   </p:cSld>
   <p:clrMapOvr>
@@ -28911,4 +30725,299 @@
   <a:objectDefaults/>
   <a:extraClrSchemeLst/>
 </a:theme>
+</file>
+
+<file path=ppt/theme/theme3.xml><?xml version="1.0" encoding="utf-8"?>
+<a:theme xmlns:a="http://schemas.openxmlformats.org/drawingml/2006/main" name="Тема Office">
+  <a:themeElements>
+    <a:clrScheme name="Стандартная">
+      <a:dk1>
+        <a:sysClr val="windowText" lastClr="000000"/>
+      </a:dk1>
+      <a:lt1>
+        <a:sysClr val="window" lastClr="FFFFFF"/>
+      </a:lt1>
+      <a:dk2>
+        <a:srgbClr val="44546A"/>
+      </a:dk2>
+      <a:lt2>
+        <a:srgbClr val="E7E6E6"/>
+      </a:lt2>
+      <a:accent1>
+        <a:srgbClr val="4472C4"/>
+      </a:accent1>
+      <a:accent2>
+        <a:srgbClr val="ED7D31"/>
+      </a:accent2>
+      <a:accent3>
+        <a:srgbClr val="A5A5A5"/>
+      </a:accent3>
+      <a:accent4>
+        <a:srgbClr val="FFC000"/>
+      </a:accent4>
+      <a:accent5>
+        <a:srgbClr val="5B9BD5"/>
+      </a:accent5>
+      <a:accent6>
+        <a:srgbClr val="70AD47"/>
+      </a:accent6>
+      <a:hlink>
+        <a:srgbClr val="0563C1"/>
+      </a:hlink>
+      <a:folHlink>
+        <a:srgbClr val="954F72"/>
+      </a:folHlink>
+    </a:clrScheme>
+    <a:fontScheme name="Стандартная">
+      <a:majorFont>
+        <a:latin typeface="Calibri Light" panose="020F0302020204030204"/>
+        <a:ea typeface=""/>
+        <a:cs typeface=""/>
+        <a:font script="Jpan" typeface="游ゴシック Light"/>
+        <a:font script="Hang" typeface="맑은 고딕"/>
+        <a:font script="Hans" typeface="等线 Light"/>
+        <a:font script="Hant" typeface="新細明體"/>
+        <a:font script="Arab" typeface="Times New Roman"/>
+        <a:font script="Hebr" typeface="Times New Roman"/>
+        <a:font script="Thai" typeface="Angsana New"/>
+        <a:font script="Ethi" typeface="Nyala"/>
+        <a:font script="Beng" typeface="Vrinda"/>
+        <a:font script="Gujr" typeface="Shruti"/>
+        <a:font script="Khmr" typeface="MoolBoran"/>
+        <a:font script="Knda" typeface="Tunga"/>
+        <a:font script="Guru" typeface="Raavi"/>
+        <a:font script="Cans" typeface="Euphemia"/>
+        <a:font script="Cher" typeface="Plantagenet Cherokee"/>
+        <a:font script="Yiii" typeface="Microsoft Yi Baiti"/>
+        <a:font script="Tibt" typeface="Microsoft Himalaya"/>
+        <a:font script="Thaa" typeface="MV Boli"/>
+        <a:font script="Deva" typeface="Mangal"/>
+        <a:font script="Telu" typeface="Gautami"/>
+        <a:font script="Taml" typeface="Latha"/>
+        <a:font script="Syrc" typeface="Estrangelo Edessa"/>
+        <a:font script="Orya" typeface="Kalinga"/>
+        <a:font script="Mlym" typeface="Kartika"/>
+        <a:font script="Laoo" typeface="DokChampa"/>
+        <a:font script="Sinh" typeface="Iskoola Pota"/>
+        <a:font script="Mong" typeface="Mongolian Baiti"/>
+        <a:font script="Viet" typeface="Times New Roman"/>
+        <a:font script="Uigh" typeface="Microsoft Uighur"/>
+        <a:font script="Geor" typeface="Sylfaen"/>
+        <a:font script="Armn" typeface="Arial"/>
+        <a:font script="Bugi" typeface="Leelawadee UI"/>
+        <a:font script="Bopo" typeface="Microsoft JhengHei"/>
+        <a:font script="Java" typeface="Javanese Text"/>
+        <a:font script="Lisu" typeface="Segoe UI"/>
+        <a:font script="Mymr" typeface="Myanmar Text"/>
+        <a:font script="Nkoo" typeface="Ebrima"/>
+        <a:font script="Olck" typeface="Nirmala UI"/>
+        <a:font script="Osma" typeface="Ebrima"/>
+        <a:font script="Phag" typeface="Phagspa"/>
+        <a:font script="Syrn" typeface="Estrangelo Edessa"/>
+        <a:font script="Syrj" typeface="Estrangelo Edessa"/>
+        <a:font script="Syre" typeface="Estrangelo Edessa"/>
+        <a:font script="Sora" typeface="Nirmala UI"/>
+        <a:font script="Tale" typeface="Microsoft Tai Le"/>
+        <a:font script="Talu" typeface="Microsoft New Tai Lue"/>
+        <a:font script="Tfng" typeface="Ebrima"/>
+      </a:majorFont>
+      <a:minorFont>
+        <a:latin typeface="Calibri" panose="020F0502020204030204"/>
+        <a:ea typeface=""/>
+        <a:cs typeface=""/>
+        <a:font script="Jpan" typeface="游ゴシック"/>
+        <a:font script="Hang" typeface="맑은 고딕"/>
+        <a:font script="Hans" typeface="等线"/>
+        <a:font script="Hant" typeface="新細明體"/>
+        <a:font script="Arab" typeface="Arial"/>
+        <a:font script="Hebr" typeface="Arial"/>
+        <a:font script="Thai" typeface="Cordia New"/>
+        <a:font script="Ethi" typeface="Nyala"/>
+        <a:font script="Beng" typeface="Vrinda"/>
+        <a:font script="Gujr" typeface="Shruti"/>
+        <a:font script="Khmr" typeface="DaunPenh"/>
+        <a:font script="Knda" typeface="Tunga"/>
+        <a:font script="Guru" typeface="Raavi"/>
+        <a:font script="Cans" typeface="Euphemia"/>
+        <a:font script="Cher" typeface="Plantagenet Cherokee"/>
+        <a:font script="Yiii" typeface="Microsoft Yi Baiti"/>
+        <a:font script="Tibt" typeface="Microsoft Himalaya"/>
+        <a:font script="Thaa" typeface="MV Boli"/>
+        <a:font script="Deva" typeface="Mangal"/>
+        <a:font script="Telu" typeface="Gautami"/>
+        <a:font script="Taml" typeface="Latha"/>
+        <a:font script="Syrc" typeface="Estrangelo Edessa"/>
+        <a:font script="Orya" typeface="Kalinga"/>
+        <a:font script="Mlym" typeface="Kartika"/>
+        <a:font script="Laoo" typeface="DokChampa"/>
+        <a:font script="Sinh" typeface="Iskoola Pota"/>
+        <a:font script="Mong" typeface="Mongolian Baiti"/>
+        <a:font script="Viet" typeface="Arial"/>
+        <a:font script="Uigh" typeface="Microsoft Uighur"/>
+        <a:font script="Geor" typeface="Sylfaen"/>
+        <a:font script="Armn" typeface="Arial"/>
+        <a:font script="Bugi" typeface="Leelawadee UI"/>
+        <a:font script="Bopo" typeface="Microsoft JhengHei"/>
+        <a:font script="Java" typeface="Javanese Text"/>
+        <a:font script="Lisu" typeface="Segoe UI"/>
+        <a:font script="Mymr" typeface="Myanmar Text"/>
+        <a:font script="Nkoo" typeface="Ebrima"/>
+        <a:font script="Olck" typeface="Nirmala UI"/>
+        <a:font script="Osma" typeface="Ebrima"/>
+        <a:font script="Phag" typeface="Phagspa"/>
+        <a:font script="Syrn" typeface="Estrangelo Edessa"/>
+        <a:font script="Syrj" typeface="Estrangelo Edessa"/>
+        <a:font script="Syre" typeface="Estrangelo Edessa"/>
+        <a:font script="Sora" typeface="Nirmala UI"/>
+        <a:font script="Tale" typeface="Microsoft Tai Le"/>
+        <a:font script="Talu" typeface="Microsoft New Tai Lue"/>
+        <a:font script="Tfng" typeface="Ebrima"/>
+      </a:minorFont>
+    </a:fontScheme>
+    <a:fmtScheme name="Стандартная">
+      <a:fillStyleLst>
+        <a:solidFill>
+          <a:schemeClr val="phClr"/>
+        </a:solidFill>
+        <a:gradFill rotWithShape="1">
+          <a:gsLst>
+            <a:gs pos="0">
+              <a:schemeClr val="phClr">
+                <a:lumMod val="110000"/>
+                <a:satMod val="105000"/>
+                <a:tint val="67000"/>
+              </a:schemeClr>
+            </a:gs>
+            <a:gs pos="50000">
+              <a:schemeClr val="phClr">
+                <a:lumMod val="105000"/>
+                <a:satMod val="103000"/>
+                <a:tint val="73000"/>
+              </a:schemeClr>
+            </a:gs>
+            <a:gs pos="100000">
+              <a:schemeClr val="phClr">
+                <a:lumMod val="105000"/>
+                <a:satMod val="109000"/>
+                <a:tint val="81000"/>
+              </a:schemeClr>
+            </a:gs>
+          </a:gsLst>
+          <a:lin ang="5400000" scaled="0"/>
+        </a:gradFill>
+        <a:gradFill rotWithShape="1">
+          <a:gsLst>
+            <a:gs pos="0">
+              <a:schemeClr val="phClr">
+                <a:satMod val="103000"/>
+                <a:lumMod val="102000"/>
+                <a:tint val="94000"/>
+              </a:schemeClr>
+            </a:gs>
+            <a:gs pos="50000">
+              <a:schemeClr val="phClr">
+                <a:satMod val="110000"/>
+                <a:lumMod val="100000"/>
+                <a:shade val="100000"/>
+              </a:schemeClr>
+            </a:gs>
+            <a:gs pos="100000">
+              <a:schemeClr val="phClr">
+                <a:lumMod val="99000"/>
+                <a:satMod val="120000"/>
+                <a:shade val="78000"/>
+              </a:schemeClr>
+            </a:gs>
+          </a:gsLst>
+          <a:lin ang="5400000" scaled="0"/>
+        </a:gradFill>
+      </a:fillStyleLst>
+      <a:lnStyleLst>
+        <a:ln w="6350" cap="flat" cmpd="sng" algn="ctr">
+          <a:solidFill>
+            <a:schemeClr val="phClr"/>
+          </a:solidFill>
+          <a:prstDash val="solid"/>
+          <a:miter lim="800000"/>
+        </a:ln>
+        <a:ln w="12700" cap="flat" cmpd="sng" algn="ctr">
+          <a:solidFill>
+            <a:schemeClr val="phClr"/>
+          </a:solidFill>
+          <a:prstDash val="solid"/>
+          <a:miter lim="800000"/>
+        </a:ln>
+        <a:ln w="19050" cap="flat" cmpd="sng" algn="ctr">
+          <a:solidFill>
+            <a:schemeClr val="phClr"/>
+          </a:solidFill>
+          <a:prstDash val="solid"/>
+          <a:miter lim="800000"/>
+        </a:ln>
+      </a:lnStyleLst>
+      <a:effectStyleLst>
+        <a:effectStyle>
+          <a:effectLst/>
+        </a:effectStyle>
+        <a:effectStyle>
+          <a:effectLst/>
+        </a:effectStyle>
+        <a:effectStyle>
+          <a:effectLst>
+            <a:outerShdw blurRad="57150" dist="19050" dir="5400000" algn="ctr" rotWithShape="0">
+              <a:srgbClr val="000000">
+                <a:alpha val="63000"/>
+              </a:srgbClr>
+            </a:outerShdw>
+          </a:effectLst>
+        </a:effectStyle>
+      </a:effectStyleLst>
+      <a:bgFillStyleLst>
+        <a:solidFill>
+          <a:schemeClr val="phClr"/>
+        </a:solidFill>
+        <a:solidFill>
+          <a:schemeClr val="phClr">
+            <a:tint val="95000"/>
+            <a:satMod val="170000"/>
+          </a:schemeClr>
+        </a:solidFill>
+        <a:gradFill rotWithShape="1">
+          <a:gsLst>
+            <a:gs pos="0">
+              <a:schemeClr val="phClr">
+                <a:tint val="93000"/>
+                <a:satMod val="150000"/>
+                <a:shade val="98000"/>
+                <a:lumMod val="102000"/>
+              </a:schemeClr>
+            </a:gs>
+            <a:gs pos="50000">
+              <a:schemeClr val="phClr">
+                <a:tint val="98000"/>
+                <a:satMod val="130000"/>
+                <a:shade val="90000"/>
+                <a:lumMod val="103000"/>
+              </a:schemeClr>
+            </a:gs>
+            <a:gs pos="100000">
+              <a:schemeClr val="phClr">
+                <a:shade val="63000"/>
+                <a:satMod val="120000"/>
+              </a:schemeClr>
+            </a:gs>
+          </a:gsLst>
+          <a:lin ang="5400000" scaled="0"/>
+        </a:gradFill>
+      </a:bgFillStyleLst>
+    </a:fmtScheme>
+  </a:themeElements>
+  <a:objectDefaults/>
+  <a:extraClrSchemeLst/>
+  <a:extLst>
+    <a:ext uri="{05A4C25C-085E-4340-85A3-A5531E510DB2}">
+      <thm15:themeFamily xmlns:thm15="http://schemas.microsoft.com/office/thememl/2012/main" name="Office Theme" id="{62F939B6-93AF-4DB8-9C6B-D6C7DFDC589F}" vid="{4A3C46E8-61CC-4603-A589-7422A47A8E4A}"/>
+    </a:ext>
+  </a:extLst>
+</a:theme>
 </file>